--- a/slide.pptx
+++ b/slide.pptx
@@ -10,9 +10,9 @@
     <p:sldId id="258" r:id="rId4"/>
     <p:sldId id="259" r:id="rId5"/>
     <p:sldId id="260" r:id="rId6"/>
-    <p:sldId id="261" r:id="rId7"/>
-    <p:sldId id="262" r:id="rId8"/>
-    <p:sldId id="263" r:id="rId9"/>
+    <p:sldId id="264" r:id="rId7"/>
+    <p:sldId id="265" r:id="rId8"/>
+    <p:sldId id="266" r:id="rId9"/>
   </p:sldIdLst>
   <p:sldSz cx="12192000" cy="6858000"/>
   <p:notesSz cx="6858000" cy="9144000"/>
@@ -4614,8 +4614,23 @@
           <a:p>
             <a:pPr algn="ctr"/>
             <a:r>
+              <a:rPr lang="en-GB" dirty="0"/>
+              <a:t>K</a:t>
+            </a:r>
+            <a:r>
               <a:rPr lang="en-VN" dirty="0"/>
-              <a:t>kafka</a:t>
+              <a:t>afka</a:t>
+            </a:r>
+          </a:p>
+          <a:p>
+            <a:pPr algn="ctr"/>
+            <a:r>
+              <a:rPr lang="en-GB" sz="1050" dirty="0"/>
+              <a:t>S</a:t>
+            </a:r>
+            <a:r>
+              <a:rPr lang="en-VN" sz="1050" dirty="0"/>
+              <a:t>erver:172.17.80.22</a:t>
             </a:r>
           </a:p>
         </p:txBody>
@@ -4661,8 +4676,23 @@
           <a:p>
             <a:pPr algn="ctr"/>
             <a:r>
+              <a:rPr lang="en-GB" dirty="0"/>
+              <a:t>D</a:t>
+            </a:r>
+            <a:r>
               <a:rPr lang="en-VN" dirty="0"/>
-              <a:t>data</a:t>
+              <a:t>ata</a:t>
+            </a:r>
+          </a:p>
+          <a:p>
+            <a:pPr algn="ctr"/>
+            <a:r>
+              <a:rPr lang="en-GB" sz="1050" dirty="0"/>
+              <a:t>S</a:t>
+            </a:r>
+            <a:r>
+              <a:rPr lang="en-VN" sz="1050" dirty="0"/>
+              <a:t>erver:172.17.80.23</a:t>
             </a:r>
           </a:p>
         </p:txBody>
@@ -4712,6 +4742,17 @@
               <a:t>SparkStreaming</a:t>
             </a:r>
           </a:p>
+          <a:p>
+            <a:pPr algn="ctr"/>
+            <a:r>
+              <a:rPr lang="en-GB" sz="1050" dirty="0"/>
+              <a:t>S</a:t>
+            </a:r>
+            <a:r>
+              <a:rPr lang="en-VN" sz="1050" dirty="0"/>
+              <a:t>erver:172.17.80.21</a:t>
+            </a:r>
+          </a:p>
         </p:txBody>
       </p:sp>
       <p:sp>
@@ -4755,8 +4796,23 @@
           <a:p>
             <a:pPr algn="ctr"/>
             <a:r>
+              <a:rPr lang="en-GB" dirty="0"/>
+              <a:t>P</a:t>
+            </a:r>
+            <a:r>
               <a:rPr lang="en-VN" dirty="0"/>
-              <a:t>postgres</a:t>
+              <a:t>ostgres</a:t>
+            </a:r>
+          </a:p>
+          <a:p>
+            <a:pPr algn="ctr"/>
+            <a:r>
+              <a:rPr lang="en-GB" sz="1050" dirty="0"/>
+              <a:t>S</a:t>
+            </a:r>
+            <a:r>
+              <a:rPr lang="en-VN" sz="1050" dirty="0"/>
+              <a:t>erver:172.17.80.23</a:t>
             </a:r>
           </a:p>
         </p:txBody>
@@ -4802,8 +4858,23 @@
           <a:p>
             <a:pPr algn="ctr"/>
             <a:r>
+              <a:rPr lang="en-GB" dirty="0"/>
+              <a:t>S</a:t>
+            </a:r>
+            <a:r>
               <a:rPr lang="en-VN" dirty="0"/>
-              <a:t>superset</a:t>
+              <a:t>uperset</a:t>
+            </a:r>
+          </a:p>
+          <a:p>
+            <a:pPr algn="ctr"/>
+            <a:r>
+              <a:rPr lang="en-GB" sz="1050" dirty="0"/>
+              <a:t>S</a:t>
+            </a:r>
+            <a:r>
+              <a:rPr lang="en-VN" sz="1050" dirty="0"/>
+              <a:t>erver:172.17.80.24</a:t>
             </a:r>
           </a:p>
         </p:txBody>
@@ -4849,8 +4920,23 @@
           <a:p>
             <a:pPr algn="ctr"/>
             <a:r>
+              <a:rPr lang="en-GB" dirty="0"/>
+              <a:t>A</a:t>
+            </a:r>
+            <a:r>
               <a:rPr lang="en-VN" dirty="0"/>
-              <a:t>airflow</a:t>
+              <a:t>irflow</a:t>
+            </a:r>
+          </a:p>
+          <a:p>
+            <a:pPr algn="ctr"/>
+            <a:r>
+              <a:rPr lang="en-GB" sz="1050" dirty="0"/>
+              <a:t>S</a:t>
+            </a:r>
+            <a:r>
+              <a:rPr lang="en-VN" sz="1050" dirty="0"/>
+              <a:t>erver:172.17.80.23</a:t>
             </a:r>
           </a:p>
         </p:txBody>
@@ -5189,8 +5275,23 @@
           <a:p>
             <a:pPr algn="ctr"/>
             <a:r>
+              <a:rPr lang="en-GB" dirty="0"/>
+              <a:t>K</a:t>
+            </a:r>
+            <a:r>
               <a:rPr lang="en-VN" dirty="0"/>
-              <a:t>kafka</a:t>
+              <a:t>afka</a:t>
+            </a:r>
+          </a:p>
+          <a:p>
+            <a:pPr algn="ctr"/>
+            <a:r>
+              <a:rPr lang="en-GB" sz="1050" dirty="0"/>
+              <a:t>S</a:t>
+            </a:r>
+            <a:r>
+              <a:rPr lang="en-VN" sz="1050" dirty="0"/>
+              <a:t>erver:172.17.80.22</a:t>
             </a:r>
           </a:p>
         </p:txBody>
@@ -5236,8 +5337,23 @@
           <a:p>
             <a:pPr algn="ctr"/>
             <a:r>
+              <a:rPr lang="en-GB" dirty="0"/>
+              <a:t>D</a:t>
+            </a:r>
+            <a:r>
               <a:rPr lang="en-VN" dirty="0"/>
-              <a:t>data</a:t>
+              <a:t>ata</a:t>
+            </a:r>
+          </a:p>
+          <a:p>
+            <a:pPr algn="ctr"/>
+            <a:r>
+              <a:rPr lang="en-GB" sz="1050" dirty="0"/>
+              <a:t>S</a:t>
+            </a:r>
+            <a:r>
+              <a:rPr lang="en-VN" sz="1050" dirty="0"/>
+              <a:t>erver:172.17.80.23</a:t>
             </a:r>
           </a:p>
         </p:txBody>
@@ -5287,6 +5403,13 @@
               <a:t>SparkStreaming</a:t>
             </a:r>
           </a:p>
+          <a:p>
+            <a:pPr algn="ctr"/>
+            <a:r>
+              <a:rPr lang="en-VN" sz="1050" dirty="0"/>
+              <a:t>Server: 172.17.80.21</a:t>
+            </a:r>
+          </a:p>
         </p:txBody>
       </p:sp>
       <p:sp>
@@ -5330,8 +5453,23 @@
           <a:p>
             <a:pPr algn="ctr"/>
             <a:r>
+              <a:rPr lang="en-GB" dirty="0"/>
+              <a:t>P</a:t>
+            </a:r>
+            <a:r>
               <a:rPr lang="en-VN" dirty="0"/>
-              <a:t>postgres</a:t>
+              <a:t>ostgres</a:t>
+            </a:r>
+          </a:p>
+          <a:p>
+            <a:pPr algn="ctr"/>
+            <a:r>
+              <a:rPr lang="en-GB" sz="1050" dirty="0"/>
+              <a:t>S</a:t>
+            </a:r>
+            <a:r>
+              <a:rPr lang="en-VN" sz="1050" dirty="0"/>
+              <a:t>erver:172.17.80.23</a:t>
             </a:r>
           </a:p>
         </p:txBody>
@@ -5377,8 +5515,23 @@
           <a:p>
             <a:pPr algn="ctr"/>
             <a:r>
+              <a:rPr lang="en-GB" dirty="0"/>
+              <a:t>S</a:t>
+            </a:r>
+            <a:r>
               <a:rPr lang="en-VN" dirty="0"/>
-              <a:t>superset</a:t>
+              <a:t>uperset</a:t>
+            </a:r>
+          </a:p>
+          <a:p>
+            <a:pPr algn="ctr"/>
+            <a:r>
+              <a:rPr lang="en-GB" sz="1050" dirty="0"/>
+              <a:t>S</a:t>
+            </a:r>
+            <a:r>
+              <a:rPr lang="en-VN" sz="1050" dirty="0"/>
+              <a:t>erver:172.17.80.24</a:t>
             </a:r>
           </a:p>
         </p:txBody>
@@ -5424,8 +5577,23 @@
           <a:p>
             <a:pPr algn="ctr"/>
             <a:r>
+              <a:rPr lang="en-GB" dirty="0"/>
+              <a:t>A</a:t>
+            </a:r>
+            <a:r>
               <a:rPr lang="en-VN" dirty="0"/>
-              <a:t>airflow</a:t>
+              <a:t>irflow</a:t>
+            </a:r>
+          </a:p>
+          <a:p>
+            <a:pPr algn="ctr"/>
+            <a:r>
+              <a:rPr lang="en-GB" sz="1050" dirty="0"/>
+              <a:t>S</a:t>
+            </a:r>
+            <a:r>
+              <a:rPr lang="en-VN" sz="1050" dirty="0"/>
+              <a:t>erver:172.17.80.23</a:t>
             </a:r>
           </a:p>
         </p:txBody>
@@ -5570,6 +5738,7 @@
             </a:extLst>
           </p:cNvPr>
           <p:cNvCxnSpPr>
+            <a:cxnSpLocks/>
             <a:stCxn id="11" idx="2"/>
             <a:endCxn id="12" idx="0"/>
           </p:cNvCxnSpPr>
@@ -5846,8 +6015,23 @@
           <a:p>
             <a:pPr algn="ctr"/>
             <a:r>
+              <a:rPr lang="en-GB" dirty="0"/>
+              <a:t>K</a:t>
+            </a:r>
+            <a:r>
               <a:rPr lang="en-VN" dirty="0"/>
-              <a:t>kafka</a:t>
+              <a:t>afka</a:t>
+            </a:r>
+          </a:p>
+          <a:p>
+            <a:pPr algn="ctr"/>
+            <a:r>
+              <a:rPr lang="en-GB" sz="1050" dirty="0"/>
+              <a:t>S</a:t>
+            </a:r>
+            <a:r>
+              <a:rPr lang="en-VN" sz="1050" dirty="0"/>
+              <a:t>erver:172.17.80.22</a:t>
             </a:r>
           </a:p>
         </p:txBody>
@@ -5893,8 +6077,23 @@
           <a:p>
             <a:pPr algn="ctr"/>
             <a:r>
+              <a:rPr lang="en-GB" dirty="0"/>
+              <a:t>D</a:t>
+            </a:r>
+            <a:r>
               <a:rPr lang="en-VN" dirty="0"/>
-              <a:t>data</a:t>
+              <a:t>ata</a:t>
+            </a:r>
+          </a:p>
+          <a:p>
+            <a:pPr algn="ctr"/>
+            <a:r>
+              <a:rPr lang="en-GB" sz="1050" dirty="0"/>
+              <a:t>S</a:t>
+            </a:r>
+            <a:r>
+              <a:rPr lang="en-VN" sz="1050" dirty="0"/>
+              <a:t>erver:172.17.80.23</a:t>
             </a:r>
           </a:p>
         </p:txBody>
@@ -5944,6 +6143,17 @@
               <a:t>SparkStreaming</a:t>
             </a:r>
           </a:p>
+          <a:p>
+            <a:pPr algn="ctr"/>
+            <a:r>
+              <a:rPr lang="en-GB" sz="1050" dirty="0"/>
+              <a:t>S</a:t>
+            </a:r>
+            <a:r>
+              <a:rPr lang="en-VN" sz="1050" dirty="0"/>
+              <a:t>erver:172.17.80.21</a:t>
+            </a:r>
+          </a:p>
         </p:txBody>
       </p:sp>
       <p:sp>
@@ -5987,8 +6197,23 @@
           <a:p>
             <a:pPr algn="ctr"/>
             <a:r>
+              <a:rPr lang="en-GB" dirty="0"/>
+              <a:t>P</a:t>
+            </a:r>
+            <a:r>
               <a:rPr lang="en-VN" dirty="0"/>
-              <a:t>postgres</a:t>
+              <a:t>ostgres</a:t>
+            </a:r>
+          </a:p>
+          <a:p>
+            <a:pPr algn="ctr"/>
+            <a:r>
+              <a:rPr lang="en-GB" sz="1050" dirty="0"/>
+              <a:t>S</a:t>
+            </a:r>
+            <a:r>
+              <a:rPr lang="en-VN" sz="1050" dirty="0"/>
+              <a:t>erver:172.17.80.23</a:t>
             </a:r>
           </a:p>
         </p:txBody>
@@ -6081,8 +6306,23 @@
           <a:p>
             <a:pPr algn="ctr"/>
             <a:r>
+              <a:rPr lang="en-GB" dirty="0"/>
+              <a:t>A</a:t>
+            </a:r>
+            <a:r>
               <a:rPr lang="en-VN" dirty="0"/>
-              <a:t>airflow</a:t>
+              <a:t>irflow</a:t>
+            </a:r>
+          </a:p>
+          <a:p>
+            <a:pPr algn="ctr"/>
+            <a:r>
+              <a:rPr lang="en-GB" sz="1050" dirty="0"/>
+              <a:t>S</a:t>
+            </a:r>
+            <a:r>
+              <a:rPr lang="en-VN" sz="1050" dirty="0"/>
+              <a:t>erver:172.17.80.23</a:t>
             </a:r>
           </a:p>
         </p:txBody>
@@ -6503,8 +6743,23 @@
           <a:p>
             <a:pPr algn="ctr"/>
             <a:r>
+              <a:rPr lang="en-GB" dirty="0"/>
+              <a:t>K</a:t>
+            </a:r>
+            <a:r>
               <a:rPr lang="en-VN" dirty="0"/>
-              <a:t>kafka</a:t>
+              <a:t>afka</a:t>
+            </a:r>
+          </a:p>
+          <a:p>
+            <a:pPr algn="ctr"/>
+            <a:r>
+              <a:rPr lang="en-GB" sz="1050" dirty="0"/>
+              <a:t>S</a:t>
+            </a:r>
+            <a:r>
+              <a:rPr lang="en-VN" sz="1050" dirty="0"/>
+              <a:t>erver:172.17.80.22</a:t>
             </a:r>
           </a:p>
         </p:txBody>
@@ -6550,8 +6805,23 @@
           <a:p>
             <a:pPr algn="ctr"/>
             <a:r>
+              <a:rPr lang="en-GB" dirty="0"/>
+              <a:t>D</a:t>
+            </a:r>
+            <a:r>
               <a:rPr lang="en-VN" dirty="0"/>
-              <a:t>data</a:t>
+              <a:t>ata</a:t>
+            </a:r>
+          </a:p>
+          <a:p>
+            <a:pPr algn="ctr"/>
+            <a:r>
+              <a:rPr lang="en-GB" sz="1050" dirty="0"/>
+              <a:t>S</a:t>
+            </a:r>
+            <a:r>
+              <a:rPr lang="en-VN" sz="1050" dirty="0"/>
+              <a:t>erver:172.17.80.23</a:t>
             </a:r>
           </a:p>
         </p:txBody>
@@ -6601,6 +6871,17 @@
               <a:t>SparkStreaming</a:t>
             </a:r>
           </a:p>
+          <a:p>
+            <a:pPr algn="ctr"/>
+            <a:r>
+              <a:rPr lang="en-GB" sz="1050" dirty="0"/>
+              <a:t>S</a:t>
+            </a:r>
+            <a:r>
+              <a:rPr lang="en-VN" sz="1050" dirty="0"/>
+              <a:t>erver:172.17.80.21</a:t>
+            </a:r>
+          </a:p>
         </p:txBody>
       </p:sp>
       <p:sp>
@@ -6617,7 +6898,7 @@
         </p:nvSpPr>
         <p:spPr>
           <a:xfrm>
-            <a:off x="8055120" y="3343230"/>
+            <a:off x="8055120" y="3510685"/>
             <a:ext cx="1973179" cy="589548"/>
           </a:xfrm>
           <a:prstGeom prst="rect">
@@ -6644,8 +6925,23 @@
           <a:p>
             <a:pPr algn="ctr"/>
             <a:r>
+              <a:rPr lang="en-GB" dirty="0"/>
+              <a:t>P</a:t>
+            </a:r>
+            <a:r>
               <a:rPr lang="en-VN" dirty="0"/>
-              <a:t>postgres</a:t>
+              <a:t>ostgres</a:t>
+            </a:r>
+          </a:p>
+          <a:p>
+            <a:pPr algn="ctr"/>
+            <a:r>
+              <a:rPr lang="en-GB" sz="1050" dirty="0"/>
+              <a:t>S</a:t>
+            </a:r>
+            <a:r>
+              <a:rPr lang="en-VN" sz="1050" dirty="0"/>
+              <a:t>erver:172.17.80.23</a:t>
             </a:r>
           </a:p>
         </p:txBody>
@@ -6694,98 +6990,6 @@
               <a:rPr lang="en-VN" dirty="0"/>
               <a:t>superset</a:t>
             </a:r>
-          </a:p>
-        </p:txBody>
-      </p:sp>
-      <p:sp>
-        <p:nvSpPr>
-          <p:cNvPr id="13" name="Rectangle 12">
-            <a:extLst>
-              <a:ext uri="{FF2B5EF4-FFF2-40B4-BE49-F238E27FC236}">
-                <a16:creationId xmlns:a16="http://schemas.microsoft.com/office/drawing/2014/main" id="{D3C01668-473F-6048-8978-EFA8BAAD061C}"/>
-              </a:ext>
-            </a:extLst>
-          </p:cNvPr>
-          <p:cNvSpPr/>
-          <p:nvPr/>
-        </p:nvSpPr>
-        <p:spPr>
-          <a:xfrm>
-            <a:off x="5292207" y="620086"/>
-            <a:ext cx="1973179" cy="589548"/>
-          </a:xfrm>
-          <a:prstGeom prst="rect">
-            <a:avLst/>
-          </a:prstGeom>
-        </p:spPr>
-        <p:style>
-          <a:lnRef idx="2">
-            <a:schemeClr val="accent3"/>
-          </a:lnRef>
-          <a:fillRef idx="1">
-            <a:schemeClr val="lt1"/>
-          </a:fillRef>
-          <a:effectRef idx="0">
-            <a:schemeClr val="accent3"/>
-          </a:effectRef>
-          <a:fontRef idx="minor">
-            <a:schemeClr val="dk1"/>
-          </a:fontRef>
-        </p:style>
-        <p:txBody>
-          <a:bodyPr rtlCol="0" anchor="ctr"/>
-          <a:lstStyle/>
-          <a:p>
-            <a:pPr algn="ctr"/>
-            <a:r>
-              <a:rPr lang="en-VN" dirty="0"/>
-              <a:t>airflow</a:t>
-            </a:r>
-          </a:p>
-        </p:txBody>
-      </p:sp>
-      <p:sp>
-        <p:nvSpPr>
-          <p:cNvPr id="14" name="Rectangle 13">
-            <a:extLst>
-              <a:ext uri="{FF2B5EF4-FFF2-40B4-BE49-F238E27FC236}">
-                <a16:creationId xmlns:a16="http://schemas.microsoft.com/office/drawing/2014/main" id="{588BF235-279F-F244-B6B0-4A8DA3D40667}"/>
-              </a:ext>
-            </a:extLst>
-          </p:cNvPr>
-          <p:cNvSpPr/>
-          <p:nvPr/>
-        </p:nvSpPr>
-        <p:spPr>
-          <a:xfrm>
-            <a:off x="620049" y="457200"/>
-            <a:ext cx="11317496" cy="4259179"/>
-          </a:xfrm>
-          <a:prstGeom prst="rect">
-            <a:avLst/>
-          </a:prstGeom>
-          <a:noFill/>
-        </p:spPr>
-        <p:style>
-          <a:lnRef idx="2">
-            <a:schemeClr val="accent3"/>
-          </a:lnRef>
-          <a:fillRef idx="1">
-            <a:schemeClr val="lt1"/>
-          </a:fillRef>
-          <a:effectRef idx="0">
-            <a:schemeClr val="accent3"/>
-          </a:effectRef>
-          <a:fontRef idx="minor">
-            <a:schemeClr val="dk1"/>
-          </a:fontRef>
-        </p:style>
-        <p:txBody>
-          <a:bodyPr rtlCol="0" anchor="ctr"/>
-          <a:lstStyle/>
-          <a:p>
-            <a:pPr algn="ctr"/>
-            <a:endParaRPr lang="en-VN" dirty="0"/>
           </a:p>
         </p:txBody>
       </p:sp>
@@ -6850,7 +7054,7 @@
         <p:spPr>
           <a:xfrm>
             <a:off x="9041710" y="2894539"/>
-            <a:ext cx="0" cy="448691"/>
+            <a:ext cx="0" cy="616146"/>
           </a:xfrm>
           <a:prstGeom prst="straightConnector1">
             <a:avLst/>
@@ -6891,8 +7095,8 @@
         </p:nvCxnSpPr>
         <p:spPr>
           <a:xfrm>
-            <a:off x="9041710" y="3932778"/>
-            <a:ext cx="0" cy="5022789"/>
+            <a:off x="9041710" y="4100233"/>
+            <a:ext cx="0" cy="4855334"/>
           </a:xfrm>
           <a:prstGeom prst="straightConnector1">
             <a:avLst/>
@@ -6939,7 +7143,7 @@
           </a:xfrm>
           <a:prstGeom prst="bentConnector3">
             <a:avLst>
-              <a:gd name="adj1" fmla="val 2782693"/>
+              <a:gd name="adj1" fmla="val 2059756"/>
             </a:avLst>
           </a:prstGeom>
           <a:ln>
@@ -6961,41 +7165,6 @@
           </a:fontRef>
         </p:style>
       </p:cxnSp>
-      <p:sp>
-        <p:nvSpPr>
-          <p:cNvPr id="41" name="TextBox 40">
-            <a:extLst>
-              <a:ext uri="{FF2B5EF4-FFF2-40B4-BE49-F238E27FC236}">
-                <a16:creationId xmlns:a16="http://schemas.microsoft.com/office/drawing/2014/main" id="{C0F8EC03-F04B-C148-BEE4-D39483B9EA7A}"/>
-              </a:ext>
-            </a:extLst>
-          </p:cNvPr>
-          <p:cNvSpPr txBox="1"/>
-          <p:nvPr/>
-        </p:nvSpPr>
-        <p:spPr>
-          <a:xfrm>
-            <a:off x="1347538" y="3358565"/>
-            <a:ext cx="5200013" cy="369332"/>
-          </a:xfrm>
-          <a:prstGeom prst="rect">
-            <a:avLst/>
-          </a:prstGeom>
-          <a:noFill/>
-        </p:spPr>
-        <p:txBody>
-          <a:bodyPr wrap="none" rtlCol="0">
-            <a:spAutoFit/>
-          </a:bodyPr>
-          <a:lstStyle/>
-          <a:p>
-            <a:r>
-              <a:rPr lang="en-VN" dirty="0"/>
-              <a:t>- Producer.py -&gt; Đẩy data vào kafka, 250recods /1lần  </a:t>
-            </a:r>
-          </a:p>
-        </p:txBody>
-      </p:sp>
       <p:cxnSp>
         <p:nvCxnSpPr>
           <p:cNvPr id="26" name="Elbow Connector 25">
@@ -7056,8 +7225,8 @@
         </p:nvSpPr>
         <p:spPr>
           <a:xfrm>
-            <a:off x="9307338" y="1640886"/>
-            <a:ext cx="2519691" cy="369332"/>
+            <a:off x="9535004" y="1671969"/>
+            <a:ext cx="2402541" cy="369332"/>
           </a:xfrm>
           <a:prstGeom prst="rect">
             <a:avLst/>
@@ -7071,22 +7240,53 @@
           <a:lstStyle/>
           <a:p>
             <a:r>
-              <a:rPr lang="en-GB" dirty="0"/>
-              <a:t>F</a:t>
-            </a:r>
-            <a:r>
               <a:rPr lang="en-VN" dirty="0"/>
-              <a:t>ile.jar, Submit trên yarn </a:t>
-            </a:r>
-          </a:p>
-        </p:txBody>
-      </p:sp>
-      <p:sp>
-        <p:nvSpPr>
-          <p:cNvPr id="17" name="Rectangle 16">
-            <a:extLst>
-              <a:ext uri="{FF2B5EF4-FFF2-40B4-BE49-F238E27FC236}">
-                <a16:creationId xmlns:a16="http://schemas.microsoft.com/office/drawing/2014/main" id="{D9AF533B-F4FF-9F47-9405-775ADE2A66B6}"/>
+              <a:t>Submit trên yarn</a:t>
+            </a:r>
+          </a:p>
+        </p:txBody>
+      </p:sp>
+      <p:sp>
+        <p:nvSpPr>
+          <p:cNvPr id="19" name="TextBox 18">
+            <a:extLst>
+              <a:ext uri="{FF2B5EF4-FFF2-40B4-BE49-F238E27FC236}">
+                <a16:creationId xmlns:a16="http://schemas.microsoft.com/office/drawing/2014/main" id="{D3A82800-C4D1-4341-97DD-2E125CB309C9}"/>
+              </a:ext>
+            </a:extLst>
+          </p:cNvPr>
+          <p:cNvSpPr txBox="1"/>
+          <p:nvPr/>
+        </p:nvSpPr>
+        <p:spPr>
+          <a:xfrm>
+            <a:off x="1389286" y="3215049"/>
+            <a:ext cx="5200013" cy="369332"/>
+          </a:xfrm>
+          <a:prstGeom prst="rect">
+            <a:avLst/>
+          </a:prstGeom>
+          <a:noFill/>
+        </p:spPr>
+        <p:txBody>
+          <a:bodyPr wrap="none" rtlCol="0">
+            <a:spAutoFit/>
+          </a:bodyPr>
+          <a:lstStyle/>
+          <a:p>
+            <a:r>
+              <a:rPr lang="en-VN" dirty="0"/>
+              <a:t>- Producer.py -&gt; Đẩy data vào kafka, 250recods /1lần  </a:t>
+            </a:r>
+          </a:p>
+        </p:txBody>
+      </p:sp>
+      <p:sp>
+        <p:nvSpPr>
+          <p:cNvPr id="16" name="Rectangle 15">
+            <a:extLst>
+              <a:ext uri="{FF2B5EF4-FFF2-40B4-BE49-F238E27FC236}">
+                <a16:creationId xmlns:a16="http://schemas.microsoft.com/office/drawing/2014/main" id="{A10DE5CA-9120-734A-AB64-FFCCB2DD1091}"/>
               </a:ext>
             </a:extLst>
           </p:cNvPr>
@@ -7095,8 +7295,8 @@
         </p:nvSpPr>
         <p:spPr>
           <a:xfrm>
-            <a:off x="778475" y="1883914"/>
-            <a:ext cx="5964575" cy="1883185"/>
+            <a:off x="620049" y="457200"/>
+            <a:ext cx="11317496" cy="4259179"/>
           </a:xfrm>
           <a:prstGeom prst="rect">
             <a:avLst/>
@@ -7126,17 +7326,79 @@
           </a:p>
         </p:txBody>
       </p:sp>
+      <p:sp>
+        <p:nvSpPr>
+          <p:cNvPr id="17" name="Rectangle 16">
+            <a:extLst>
+              <a:ext uri="{FF2B5EF4-FFF2-40B4-BE49-F238E27FC236}">
+                <a16:creationId xmlns:a16="http://schemas.microsoft.com/office/drawing/2014/main" id="{CDEFF98F-87F8-3246-BB80-DDBE2C61459E}"/>
+              </a:ext>
+            </a:extLst>
+          </p:cNvPr>
+          <p:cNvSpPr/>
+          <p:nvPr/>
+        </p:nvSpPr>
+        <p:spPr>
+          <a:xfrm>
+            <a:off x="5292207" y="620086"/>
+            <a:ext cx="1973179" cy="589548"/>
+          </a:xfrm>
+          <a:prstGeom prst="rect">
+            <a:avLst/>
+          </a:prstGeom>
+        </p:spPr>
+        <p:style>
+          <a:lnRef idx="2">
+            <a:schemeClr val="accent3"/>
+          </a:lnRef>
+          <a:fillRef idx="1">
+            <a:schemeClr val="lt1"/>
+          </a:fillRef>
+          <a:effectRef idx="0">
+            <a:schemeClr val="accent3"/>
+          </a:effectRef>
+          <a:fontRef idx="minor">
+            <a:schemeClr val="dk1"/>
+          </a:fontRef>
+        </p:style>
+        <p:txBody>
+          <a:bodyPr rtlCol="0" anchor="ctr"/>
+          <a:lstStyle/>
+          <a:p>
+            <a:pPr algn="ctr"/>
+            <a:r>
+              <a:rPr lang="en-GB" dirty="0"/>
+              <a:t>A</a:t>
+            </a:r>
+            <a:r>
+              <a:rPr lang="en-VN" dirty="0"/>
+              <a:t>irflow</a:t>
+            </a:r>
+          </a:p>
+          <a:p>
+            <a:pPr algn="ctr"/>
+            <a:r>
+              <a:rPr lang="en-GB" sz="1050" dirty="0"/>
+              <a:t>S</a:t>
+            </a:r>
+            <a:r>
+              <a:rPr lang="en-VN" sz="1050" dirty="0"/>
+              <a:t>erver:172.17.80.23</a:t>
+            </a:r>
+          </a:p>
+        </p:txBody>
+      </p:sp>
       <p:cxnSp>
         <p:nvCxnSpPr>
-          <p:cNvPr id="4" name="Elbow Connector 3">
-            <a:extLst>
-              <a:ext uri="{FF2B5EF4-FFF2-40B4-BE49-F238E27FC236}">
-                <a16:creationId xmlns:a16="http://schemas.microsoft.com/office/drawing/2014/main" id="{ABC2383A-5EEB-0842-8C9F-0A924BA87763}"/>
+          <p:cNvPr id="18" name="Elbow Connector 17">
+            <a:extLst>
+              <a:ext uri="{FF2B5EF4-FFF2-40B4-BE49-F238E27FC236}">
+                <a16:creationId xmlns:a16="http://schemas.microsoft.com/office/drawing/2014/main" id="{68F81480-1302-9141-9D8F-D1AFBEFBAE73}"/>
               </a:ext>
             </a:extLst>
           </p:cNvPr>
           <p:cNvCxnSpPr>
-            <a:stCxn id="13" idx="1"/>
+            <a:stCxn id="17" idx="1"/>
           </p:cNvCxnSpPr>
           <p:nvPr/>
         </p:nvCxnSpPr>
@@ -7171,10 +7433,10 @@
       </p:cxnSp>
       <p:sp>
         <p:nvSpPr>
-          <p:cNvPr id="16" name="TextBox 15">
-            <a:extLst>
-              <a:ext uri="{FF2B5EF4-FFF2-40B4-BE49-F238E27FC236}">
-                <a16:creationId xmlns:a16="http://schemas.microsoft.com/office/drawing/2014/main" id="{A5FD6A75-0A8B-214E-964C-18E8CC1DFD2B}"/>
+          <p:cNvPr id="21" name="TextBox 20">
+            <a:extLst>
+              <a:ext uri="{FF2B5EF4-FFF2-40B4-BE49-F238E27FC236}">
+                <a16:creationId xmlns:a16="http://schemas.microsoft.com/office/drawing/2014/main" id="{D7023DFD-1E48-344E-AF69-D998C67D079B}"/>
               </a:ext>
             </a:extLst>
           </p:cNvPr>
@@ -7204,10 +7466,55 @@
           </a:p>
         </p:txBody>
       </p:sp>
+      <p:sp>
+        <p:nvSpPr>
+          <p:cNvPr id="23" name="Rectangle 22">
+            <a:extLst>
+              <a:ext uri="{FF2B5EF4-FFF2-40B4-BE49-F238E27FC236}">
+                <a16:creationId xmlns:a16="http://schemas.microsoft.com/office/drawing/2014/main" id="{607FA9A2-F13F-AF4E-83CD-472C4A7D8ED9}"/>
+              </a:ext>
+            </a:extLst>
+          </p:cNvPr>
+          <p:cNvSpPr/>
+          <p:nvPr/>
+        </p:nvSpPr>
+        <p:spPr>
+          <a:xfrm>
+            <a:off x="778475" y="1883914"/>
+            <a:ext cx="5964575" cy="1883185"/>
+          </a:xfrm>
+          <a:prstGeom prst="rect">
+            <a:avLst/>
+          </a:prstGeom>
+          <a:noFill/>
+        </p:spPr>
+        <p:style>
+          <a:lnRef idx="2">
+            <a:schemeClr val="accent3"/>
+          </a:lnRef>
+          <a:fillRef idx="1">
+            <a:schemeClr val="lt1"/>
+          </a:fillRef>
+          <a:effectRef idx="0">
+            <a:schemeClr val="accent3"/>
+          </a:effectRef>
+          <a:fontRef idx="minor">
+            <a:schemeClr val="dk1"/>
+          </a:fontRef>
+        </p:style>
+        <p:txBody>
+          <a:bodyPr rtlCol="0" anchor="ctr"/>
+          <a:lstStyle/>
+          <a:p>
+            <a:pPr algn="ctr"/>
+            <a:endParaRPr lang="en-VN" dirty="0"/>
+          </a:p>
+        </p:txBody>
+      </p:sp>
     </p:spTree>
     <p:extLst>
       <p:ext uri="{BB962C8B-B14F-4D97-AF65-F5344CB8AC3E}">
-        <p14:creationId xmlns:p14="http://schemas.microsoft.com/office/powerpoint/2010/main" val="3912854469"/>
+        <p14:creationId xmlns:p14="http://schemas.microsoft.com/office/powerpoint/2010/main" val="1661087674"/>
       </p:ext>
     </p:extLst>
   </p:cSld>
@@ -7287,8 +7594,23 @@
           <a:p>
             <a:pPr algn="ctr"/>
             <a:r>
+              <a:rPr lang="en-GB" dirty="0"/>
+              <a:t>K</a:t>
+            </a:r>
+            <a:r>
               <a:rPr lang="en-VN" dirty="0"/>
-              <a:t>kafka</a:t>
+              <a:t>afka</a:t>
+            </a:r>
+          </a:p>
+          <a:p>
+            <a:pPr algn="ctr"/>
+            <a:r>
+              <a:rPr lang="en-GB" sz="1050" dirty="0"/>
+              <a:t>S</a:t>
+            </a:r>
+            <a:r>
+              <a:rPr lang="en-VN" sz="1050" dirty="0"/>
+              <a:t>erver:172.17.80.22</a:t>
             </a:r>
           </a:p>
         </p:txBody>
@@ -7334,8 +7656,23 @@
           <a:p>
             <a:pPr algn="ctr"/>
             <a:r>
+              <a:rPr lang="en-GB" dirty="0"/>
+              <a:t>D</a:t>
+            </a:r>
+            <a:r>
               <a:rPr lang="en-VN" dirty="0"/>
-              <a:t>data</a:t>
+              <a:t>ata</a:t>
+            </a:r>
+          </a:p>
+          <a:p>
+            <a:pPr algn="ctr"/>
+            <a:r>
+              <a:rPr lang="en-GB" sz="1050" dirty="0"/>
+              <a:t>S</a:t>
+            </a:r>
+            <a:r>
+              <a:rPr lang="en-VN" sz="1050" dirty="0"/>
+              <a:t>erver:172.17.80.23</a:t>
             </a:r>
           </a:p>
         </p:txBody>
@@ -7385,6 +7722,17 @@
               <a:t>SparkStreaming</a:t>
             </a:r>
           </a:p>
+          <a:p>
+            <a:pPr algn="ctr"/>
+            <a:r>
+              <a:rPr lang="en-GB" sz="1050" dirty="0"/>
+              <a:t>S</a:t>
+            </a:r>
+            <a:r>
+              <a:rPr lang="en-VN" sz="1050" dirty="0"/>
+              <a:t>erver:172.17.80.21</a:t>
+            </a:r>
+          </a:p>
         </p:txBody>
       </p:sp>
       <p:sp>
@@ -7401,7 +7749,7 @@
         </p:nvSpPr>
         <p:spPr>
           <a:xfrm>
-            <a:off x="8055120" y="3343230"/>
+            <a:off x="8055120" y="3345869"/>
             <a:ext cx="1973179" cy="589548"/>
           </a:xfrm>
           <a:prstGeom prst="rect">
@@ -7428,8 +7776,23 @@
           <a:p>
             <a:pPr algn="ctr"/>
             <a:r>
+              <a:rPr lang="en-GB" dirty="0"/>
+              <a:t>P</a:t>
+            </a:r>
+            <a:r>
               <a:rPr lang="en-VN" dirty="0"/>
-              <a:t>postgres</a:t>
+              <a:t>ostgres</a:t>
+            </a:r>
+          </a:p>
+          <a:p>
+            <a:pPr algn="ctr"/>
+            <a:r>
+              <a:rPr lang="en-GB" sz="1050" dirty="0"/>
+              <a:t>S</a:t>
+            </a:r>
+            <a:r>
+              <a:rPr lang="en-VN" sz="1050" dirty="0"/>
+              <a:t>erver:172.17.80.23</a:t>
             </a:r>
           </a:p>
         </p:txBody>
@@ -7478,98 +7841,6 @@
               <a:rPr lang="en-VN" dirty="0"/>
               <a:t>superset</a:t>
             </a:r>
-          </a:p>
-        </p:txBody>
-      </p:sp>
-      <p:sp>
-        <p:nvSpPr>
-          <p:cNvPr id="13" name="Rectangle 12">
-            <a:extLst>
-              <a:ext uri="{FF2B5EF4-FFF2-40B4-BE49-F238E27FC236}">
-                <a16:creationId xmlns:a16="http://schemas.microsoft.com/office/drawing/2014/main" id="{D3C01668-473F-6048-8978-EFA8BAAD061C}"/>
-              </a:ext>
-            </a:extLst>
-          </p:cNvPr>
-          <p:cNvSpPr/>
-          <p:nvPr/>
-        </p:nvSpPr>
-        <p:spPr>
-          <a:xfrm>
-            <a:off x="5292207" y="620086"/>
-            <a:ext cx="1973179" cy="589548"/>
-          </a:xfrm>
-          <a:prstGeom prst="rect">
-            <a:avLst/>
-          </a:prstGeom>
-        </p:spPr>
-        <p:style>
-          <a:lnRef idx="2">
-            <a:schemeClr val="accent3"/>
-          </a:lnRef>
-          <a:fillRef idx="1">
-            <a:schemeClr val="lt1"/>
-          </a:fillRef>
-          <a:effectRef idx="0">
-            <a:schemeClr val="accent3"/>
-          </a:effectRef>
-          <a:fontRef idx="minor">
-            <a:schemeClr val="dk1"/>
-          </a:fontRef>
-        </p:style>
-        <p:txBody>
-          <a:bodyPr rtlCol="0" anchor="ctr"/>
-          <a:lstStyle/>
-          <a:p>
-            <a:pPr algn="ctr"/>
-            <a:r>
-              <a:rPr lang="en-VN" dirty="0"/>
-              <a:t>airflow</a:t>
-            </a:r>
-          </a:p>
-        </p:txBody>
-      </p:sp>
-      <p:sp>
-        <p:nvSpPr>
-          <p:cNvPr id="14" name="Rectangle 13">
-            <a:extLst>
-              <a:ext uri="{FF2B5EF4-FFF2-40B4-BE49-F238E27FC236}">
-                <a16:creationId xmlns:a16="http://schemas.microsoft.com/office/drawing/2014/main" id="{588BF235-279F-F244-B6B0-4A8DA3D40667}"/>
-              </a:ext>
-            </a:extLst>
-          </p:cNvPr>
-          <p:cNvSpPr/>
-          <p:nvPr/>
-        </p:nvSpPr>
-        <p:spPr>
-          <a:xfrm>
-            <a:off x="620049" y="457200"/>
-            <a:ext cx="11317496" cy="4259179"/>
-          </a:xfrm>
-          <a:prstGeom prst="rect">
-            <a:avLst/>
-          </a:prstGeom>
-          <a:noFill/>
-        </p:spPr>
-        <p:style>
-          <a:lnRef idx="2">
-            <a:schemeClr val="accent3"/>
-          </a:lnRef>
-          <a:fillRef idx="1">
-            <a:schemeClr val="lt1"/>
-          </a:fillRef>
-          <a:effectRef idx="0">
-            <a:schemeClr val="accent3"/>
-          </a:effectRef>
-          <a:fontRef idx="minor">
-            <a:schemeClr val="dk1"/>
-          </a:fontRef>
-        </p:style>
-        <p:txBody>
-          <a:bodyPr rtlCol="0" anchor="ctr"/>
-          <a:lstStyle/>
-          <a:p>
-            <a:pPr algn="ctr"/>
-            <a:endParaRPr lang="en-VN" dirty="0"/>
           </a:p>
         </p:txBody>
       </p:sp>
@@ -7634,7 +7905,7 @@
         <p:spPr>
           <a:xfrm>
             <a:off x="9041710" y="2894539"/>
-            <a:ext cx="0" cy="448691"/>
+            <a:ext cx="0" cy="451330"/>
           </a:xfrm>
           <a:prstGeom prst="straightConnector1">
             <a:avLst/>
@@ -7675,8 +7946,8 @@
         </p:nvCxnSpPr>
         <p:spPr>
           <a:xfrm>
-            <a:off x="9041710" y="3932778"/>
-            <a:ext cx="0" cy="5022789"/>
+            <a:off x="9041710" y="3935417"/>
+            <a:ext cx="0" cy="5020150"/>
           </a:xfrm>
           <a:prstGeom prst="straightConnector1">
             <a:avLst/>
@@ -7723,7 +7994,7 @@
           </a:xfrm>
           <a:prstGeom prst="bentConnector3">
             <a:avLst>
-              <a:gd name="adj1" fmla="val 2782693"/>
+              <a:gd name="adj1" fmla="val 2059756"/>
             </a:avLst>
           </a:prstGeom>
           <a:ln>
@@ -7745,41 +8016,6 @@
           </a:fontRef>
         </p:style>
       </p:cxnSp>
-      <p:sp>
-        <p:nvSpPr>
-          <p:cNvPr id="41" name="TextBox 40">
-            <a:extLst>
-              <a:ext uri="{FF2B5EF4-FFF2-40B4-BE49-F238E27FC236}">
-                <a16:creationId xmlns:a16="http://schemas.microsoft.com/office/drawing/2014/main" id="{C0F8EC03-F04B-C148-BEE4-D39483B9EA7A}"/>
-              </a:ext>
-            </a:extLst>
-          </p:cNvPr>
-          <p:cNvSpPr txBox="1"/>
-          <p:nvPr/>
-        </p:nvSpPr>
-        <p:spPr>
-          <a:xfrm>
-            <a:off x="1347538" y="3358565"/>
-            <a:ext cx="5200013" cy="369332"/>
-          </a:xfrm>
-          <a:prstGeom prst="rect">
-            <a:avLst/>
-          </a:prstGeom>
-          <a:noFill/>
-        </p:spPr>
-        <p:txBody>
-          <a:bodyPr wrap="none" rtlCol="0">
-            <a:spAutoFit/>
-          </a:bodyPr>
-          <a:lstStyle/>
-          <a:p>
-            <a:r>
-              <a:rPr lang="en-VN" dirty="0"/>
-              <a:t>- Producer.py -&gt; Đẩy data vào kafka, 250recods /1lần  </a:t>
-            </a:r>
-          </a:p>
-        </p:txBody>
-      </p:sp>
       <p:cxnSp>
         <p:nvCxnSpPr>
           <p:cNvPr id="26" name="Elbow Connector 25">
@@ -7828,10 +8064,45 @@
       </p:cxnSp>
       <p:sp>
         <p:nvSpPr>
-          <p:cNvPr id="17" name="Rectangle 16">
-            <a:extLst>
-              <a:ext uri="{FF2B5EF4-FFF2-40B4-BE49-F238E27FC236}">
-                <a16:creationId xmlns:a16="http://schemas.microsoft.com/office/drawing/2014/main" id="{D9AF533B-F4FF-9F47-9405-775ADE2A66B6}"/>
+          <p:cNvPr id="19" name="TextBox 18">
+            <a:extLst>
+              <a:ext uri="{FF2B5EF4-FFF2-40B4-BE49-F238E27FC236}">
+                <a16:creationId xmlns:a16="http://schemas.microsoft.com/office/drawing/2014/main" id="{D3A82800-C4D1-4341-97DD-2E125CB309C9}"/>
+              </a:ext>
+            </a:extLst>
+          </p:cNvPr>
+          <p:cNvSpPr txBox="1"/>
+          <p:nvPr/>
+        </p:nvSpPr>
+        <p:spPr>
+          <a:xfrm>
+            <a:off x="1389286" y="3215049"/>
+            <a:ext cx="5200013" cy="369332"/>
+          </a:xfrm>
+          <a:prstGeom prst="rect">
+            <a:avLst/>
+          </a:prstGeom>
+          <a:noFill/>
+        </p:spPr>
+        <p:txBody>
+          <a:bodyPr wrap="none" rtlCol="0">
+            <a:spAutoFit/>
+          </a:bodyPr>
+          <a:lstStyle/>
+          <a:p>
+            <a:r>
+              <a:rPr lang="en-VN" dirty="0"/>
+              <a:t>- Producer.py -&gt; Đẩy data vào kafka, 250recods /1lần  </a:t>
+            </a:r>
+          </a:p>
+        </p:txBody>
+      </p:sp>
+      <p:sp>
+        <p:nvSpPr>
+          <p:cNvPr id="16" name="Rectangle 15">
+            <a:extLst>
+              <a:ext uri="{FF2B5EF4-FFF2-40B4-BE49-F238E27FC236}">
+                <a16:creationId xmlns:a16="http://schemas.microsoft.com/office/drawing/2014/main" id="{A10DE5CA-9120-734A-AB64-FFCCB2DD1091}"/>
               </a:ext>
             </a:extLst>
           </p:cNvPr>
@@ -7840,8 +8111,8 @@
         </p:nvSpPr>
         <p:spPr>
           <a:xfrm>
-            <a:off x="778475" y="1671969"/>
-            <a:ext cx="5964575" cy="2570247"/>
+            <a:off x="620049" y="457200"/>
+            <a:ext cx="11317496" cy="4259179"/>
           </a:xfrm>
           <a:prstGeom prst="rect">
             <a:avLst/>
@@ -7871,29 +8142,90 @@
           </a:p>
         </p:txBody>
       </p:sp>
+      <p:sp>
+        <p:nvSpPr>
+          <p:cNvPr id="17" name="Rectangle 16">
+            <a:extLst>
+              <a:ext uri="{FF2B5EF4-FFF2-40B4-BE49-F238E27FC236}">
+                <a16:creationId xmlns:a16="http://schemas.microsoft.com/office/drawing/2014/main" id="{CDEFF98F-87F8-3246-BB80-DDBE2C61459E}"/>
+              </a:ext>
+            </a:extLst>
+          </p:cNvPr>
+          <p:cNvSpPr/>
+          <p:nvPr/>
+        </p:nvSpPr>
+        <p:spPr>
+          <a:xfrm>
+            <a:off x="5292207" y="620086"/>
+            <a:ext cx="1973179" cy="589548"/>
+          </a:xfrm>
+          <a:prstGeom prst="rect">
+            <a:avLst/>
+          </a:prstGeom>
+        </p:spPr>
+        <p:style>
+          <a:lnRef idx="2">
+            <a:schemeClr val="accent3"/>
+          </a:lnRef>
+          <a:fillRef idx="1">
+            <a:schemeClr val="lt1"/>
+          </a:fillRef>
+          <a:effectRef idx="0">
+            <a:schemeClr val="accent3"/>
+          </a:effectRef>
+          <a:fontRef idx="minor">
+            <a:schemeClr val="dk1"/>
+          </a:fontRef>
+        </p:style>
+        <p:txBody>
+          <a:bodyPr rtlCol="0" anchor="ctr"/>
+          <a:lstStyle/>
+          <a:p>
+            <a:pPr algn="ctr"/>
+            <a:r>
+              <a:rPr lang="en-GB" dirty="0"/>
+              <a:t>A</a:t>
+            </a:r>
+            <a:r>
+              <a:rPr lang="en-VN" dirty="0"/>
+              <a:t>irflow</a:t>
+            </a:r>
+          </a:p>
+          <a:p>
+            <a:pPr algn="ctr"/>
+            <a:r>
+              <a:rPr lang="en-GB" sz="1050" dirty="0"/>
+              <a:t>S</a:t>
+            </a:r>
+            <a:r>
+              <a:rPr lang="en-VN" sz="1050" dirty="0"/>
+              <a:t>erver:172.17.80.23</a:t>
+            </a:r>
+          </a:p>
+        </p:txBody>
+      </p:sp>
       <p:cxnSp>
         <p:nvCxnSpPr>
-          <p:cNvPr id="4" name="Elbow Connector 3">
-            <a:extLst>
-              <a:ext uri="{FF2B5EF4-FFF2-40B4-BE49-F238E27FC236}">
-                <a16:creationId xmlns:a16="http://schemas.microsoft.com/office/drawing/2014/main" id="{ABC2383A-5EEB-0842-8C9F-0A924BA87763}"/>
+          <p:cNvPr id="18" name="Elbow Connector 17">
+            <a:extLst>
+              <a:ext uri="{FF2B5EF4-FFF2-40B4-BE49-F238E27FC236}">
+                <a16:creationId xmlns:a16="http://schemas.microsoft.com/office/drawing/2014/main" id="{68F81480-1302-9141-9D8F-D1AFBEFBAE73}"/>
               </a:ext>
             </a:extLst>
           </p:cNvPr>
           <p:cNvCxnSpPr>
-            <a:cxnSpLocks/>
-            <a:stCxn id="13" idx="1"/>
+            <a:stCxn id="17" idx="1"/>
           </p:cNvCxnSpPr>
           <p:nvPr/>
         </p:nvCxnSpPr>
         <p:spPr>
           <a:xfrm rot="10800000" flipV="1">
-            <a:off x="3522689" y="914860"/>
-            <a:ext cx="1769518" cy="746104"/>
+            <a:off x="3496963" y="914860"/>
+            <a:ext cx="1795245" cy="969054"/>
           </a:xfrm>
           <a:prstGeom prst="bentConnector3">
             <a:avLst>
-              <a:gd name="adj1" fmla="val 99981"/>
+              <a:gd name="adj1" fmla="val 99558"/>
             </a:avLst>
           </a:prstGeom>
           <a:ln>
@@ -7917,10 +8249,10 @@
       </p:cxnSp>
       <p:sp>
         <p:nvSpPr>
-          <p:cNvPr id="16" name="TextBox 15">
-            <a:extLst>
-              <a:ext uri="{FF2B5EF4-FFF2-40B4-BE49-F238E27FC236}">
-                <a16:creationId xmlns:a16="http://schemas.microsoft.com/office/drawing/2014/main" id="{A5FD6A75-0A8B-214E-964C-18E8CC1DFD2B}"/>
+          <p:cNvPr id="21" name="TextBox 20">
+            <a:extLst>
+              <a:ext uri="{FF2B5EF4-FFF2-40B4-BE49-F238E27FC236}">
+                <a16:creationId xmlns:a16="http://schemas.microsoft.com/office/drawing/2014/main" id="{D7023DFD-1E48-344E-AF69-D998C67D079B}"/>
               </a:ext>
             </a:extLst>
           </p:cNvPr>
@@ -7952,10 +8284,55 @@
       </p:sp>
       <p:sp>
         <p:nvSpPr>
-          <p:cNvPr id="19" name="Rectangle 18">
-            <a:extLst>
-              <a:ext uri="{FF2B5EF4-FFF2-40B4-BE49-F238E27FC236}">
-                <a16:creationId xmlns:a16="http://schemas.microsoft.com/office/drawing/2014/main" id="{4BB01630-E5AD-B547-893B-E9764057C34D}"/>
+          <p:cNvPr id="23" name="Rectangle 22">
+            <a:extLst>
+              <a:ext uri="{FF2B5EF4-FFF2-40B4-BE49-F238E27FC236}">
+                <a16:creationId xmlns:a16="http://schemas.microsoft.com/office/drawing/2014/main" id="{607FA9A2-F13F-AF4E-83CD-472C4A7D8ED9}"/>
+              </a:ext>
+            </a:extLst>
+          </p:cNvPr>
+          <p:cNvSpPr/>
+          <p:nvPr/>
+        </p:nvSpPr>
+        <p:spPr>
+          <a:xfrm>
+            <a:off x="778475" y="1883914"/>
+            <a:ext cx="5964575" cy="1883185"/>
+          </a:xfrm>
+          <a:prstGeom prst="rect">
+            <a:avLst/>
+          </a:prstGeom>
+          <a:noFill/>
+        </p:spPr>
+        <p:style>
+          <a:lnRef idx="2">
+            <a:schemeClr val="accent3"/>
+          </a:lnRef>
+          <a:fillRef idx="1">
+            <a:schemeClr val="lt1"/>
+          </a:fillRef>
+          <a:effectRef idx="0">
+            <a:schemeClr val="accent3"/>
+          </a:effectRef>
+          <a:fontRef idx="minor">
+            <a:schemeClr val="dk1"/>
+          </a:fontRef>
+        </p:style>
+        <p:txBody>
+          <a:bodyPr rtlCol="0" anchor="ctr"/>
+          <a:lstStyle/>
+          <a:p>
+            <a:pPr algn="ctr"/>
+            <a:endParaRPr lang="en-VN" dirty="0"/>
+          </a:p>
+        </p:txBody>
+      </p:sp>
+      <p:sp>
+        <p:nvSpPr>
+          <p:cNvPr id="25" name="Rectangle 24">
+            <a:extLst>
+              <a:ext uri="{FF2B5EF4-FFF2-40B4-BE49-F238E27FC236}">
+                <a16:creationId xmlns:a16="http://schemas.microsoft.com/office/drawing/2014/main" id="{D4255D0A-B7A4-B348-80C1-C1118C425EF3}"/>
               </a:ext>
             </a:extLst>
           </p:cNvPr>
@@ -7997,16 +8374,15 @@
       </p:sp>
       <p:cxnSp>
         <p:nvCxnSpPr>
-          <p:cNvPr id="6" name="Elbow Connector 5">
-            <a:extLst>
-              <a:ext uri="{FF2B5EF4-FFF2-40B4-BE49-F238E27FC236}">
-                <a16:creationId xmlns:a16="http://schemas.microsoft.com/office/drawing/2014/main" id="{5C27C26E-99C5-7C45-9E87-CE641FA4FE6E}"/>
+          <p:cNvPr id="28" name="Elbow Connector 27">
+            <a:extLst>
+              <a:ext uri="{FF2B5EF4-FFF2-40B4-BE49-F238E27FC236}">
+                <a16:creationId xmlns:a16="http://schemas.microsoft.com/office/drawing/2014/main" id="{CDE4995B-4D25-4C46-B340-BFDC1A3F3F63}"/>
               </a:ext>
             </a:extLst>
           </p:cNvPr>
           <p:cNvCxnSpPr>
-            <a:stCxn id="13" idx="3"/>
-            <a:endCxn id="19" idx="0"/>
+            <a:endCxn id="25" idx="0"/>
           </p:cNvCxnSpPr>
           <p:nvPr/>
         </p:nvCxnSpPr>
@@ -8039,10 +8415,10 @@
       </p:cxnSp>
       <p:sp>
         <p:nvSpPr>
-          <p:cNvPr id="7" name="TextBox 6">
-            <a:extLst>
-              <a:ext uri="{FF2B5EF4-FFF2-40B4-BE49-F238E27FC236}">
-                <a16:creationId xmlns:a16="http://schemas.microsoft.com/office/drawing/2014/main" id="{0EB17233-32C1-D745-B0D5-7D27BFC61D57}"/>
+          <p:cNvPr id="29" name="TextBox 28">
+            <a:extLst>
+              <a:ext uri="{FF2B5EF4-FFF2-40B4-BE49-F238E27FC236}">
+                <a16:creationId xmlns:a16="http://schemas.microsoft.com/office/drawing/2014/main" id="{D7C28D99-C9D4-E243-815E-208162DFC266}"/>
               </a:ext>
             </a:extLst>
           </p:cNvPr>
@@ -8074,10 +8450,10 @@
       </p:sp>
       <p:sp>
         <p:nvSpPr>
-          <p:cNvPr id="25" name="TextBox 24">
-            <a:extLst>
-              <a:ext uri="{FF2B5EF4-FFF2-40B4-BE49-F238E27FC236}">
-                <a16:creationId xmlns:a16="http://schemas.microsoft.com/office/drawing/2014/main" id="{E29E28C1-FFD5-344A-A77F-F89843C13FBB}"/>
+          <p:cNvPr id="31" name="TextBox 30">
+            <a:extLst>
+              <a:ext uri="{FF2B5EF4-FFF2-40B4-BE49-F238E27FC236}">
+                <a16:creationId xmlns:a16="http://schemas.microsoft.com/office/drawing/2014/main" id="{9AFA5A05-5F97-0347-A509-9F2C29ADD06C}"/>
               </a:ext>
             </a:extLst>
           </p:cNvPr>
@@ -8086,7 +8462,7 @@
         </p:nvSpPr>
         <p:spPr>
           <a:xfrm>
-            <a:off x="8768453" y="1709994"/>
+            <a:off x="8716228" y="1728500"/>
             <a:ext cx="2519691" cy="369332"/>
           </a:xfrm>
           <a:prstGeom prst="rect">
@@ -8114,7 +8490,7 @@
     </p:spTree>
     <p:extLst>
       <p:ext uri="{BB962C8B-B14F-4D97-AF65-F5344CB8AC3E}">
-        <p14:creationId xmlns:p14="http://schemas.microsoft.com/office/powerpoint/2010/main" val="1275102112"/>
+        <p14:creationId xmlns:p14="http://schemas.microsoft.com/office/powerpoint/2010/main" val="3938998183"/>
       </p:ext>
     </p:extLst>
   </p:cSld>
@@ -8194,8 +8570,23 @@
           <a:p>
             <a:pPr algn="ctr"/>
             <a:r>
+              <a:rPr lang="en-GB" dirty="0"/>
+              <a:t>K</a:t>
+            </a:r>
+            <a:r>
               <a:rPr lang="en-VN" dirty="0"/>
-              <a:t>kafka</a:t>
+              <a:t>afka</a:t>
+            </a:r>
+          </a:p>
+          <a:p>
+            <a:pPr algn="ctr"/>
+            <a:r>
+              <a:rPr lang="en-GB" sz="1050" dirty="0"/>
+              <a:t>S</a:t>
+            </a:r>
+            <a:r>
+              <a:rPr lang="en-VN" sz="1050" dirty="0"/>
+              <a:t>erver:172.17.80.22</a:t>
             </a:r>
           </a:p>
         </p:txBody>
@@ -8241,8 +8632,23 @@
           <a:p>
             <a:pPr algn="ctr"/>
             <a:r>
+              <a:rPr lang="en-GB" dirty="0"/>
+              <a:t>D</a:t>
+            </a:r>
+            <a:r>
               <a:rPr lang="en-VN" dirty="0"/>
-              <a:t>data</a:t>
+              <a:t>ata</a:t>
+            </a:r>
+          </a:p>
+          <a:p>
+            <a:pPr algn="ctr"/>
+            <a:r>
+              <a:rPr lang="en-GB" sz="1050" dirty="0"/>
+              <a:t>S</a:t>
+            </a:r>
+            <a:r>
+              <a:rPr lang="en-VN" sz="1050" dirty="0"/>
+              <a:t>erver:172.17.80.23</a:t>
             </a:r>
           </a:p>
         </p:txBody>
@@ -8292,6 +8698,17 @@
               <a:t>SparkStreaming</a:t>
             </a:r>
           </a:p>
+          <a:p>
+            <a:pPr algn="ctr"/>
+            <a:r>
+              <a:rPr lang="en-GB" sz="1050" dirty="0"/>
+              <a:t>S</a:t>
+            </a:r>
+            <a:r>
+              <a:rPr lang="en-VN" sz="1050" dirty="0"/>
+              <a:t>erver:172.17.80.21</a:t>
+            </a:r>
+          </a:p>
         </p:txBody>
       </p:sp>
       <p:sp>
@@ -8308,7 +8725,7 @@
         </p:nvSpPr>
         <p:spPr>
           <a:xfrm>
-            <a:off x="8055120" y="3343230"/>
+            <a:off x="8055120" y="3345869"/>
             <a:ext cx="1973179" cy="589548"/>
           </a:xfrm>
           <a:prstGeom prst="rect">
@@ -8335,8 +8752,23 @@
           <a:p>
             <a:pPr algn="ctr"/>
             <a:r>
+              <a:rPr lang="en-GB" dirty="0"/>
+              <a:t>P</a:t>
+            </a:r>
+            <a:r>
               <a:rPr lang="en-VN" dirty="0"/>
-              <a:t>postgres</a:t>
+              <a:t>ostgres</a:t>
+            </a:r>
+          </a:p>
+          <a:p>
+            <a:pPr algn="ctr"/>
+            <a:r>
+              <a:rPr lang="en-GB" sz="1050" dirty="0"/>
+              <a:t>S</a:t>
+            </a:r>
+            <a:r>
+              <a:rPr lang="en-VN" sz="1050" dirty="0"/>
+              <a:t>erver:172.17.80.23</a:t>
             </a:r>
           </a:p>
         </p:txBody>
@@ -8355,7 +8787,7 @@
         </p:nvSpPr>
         <p:spPr>
           <a:xfrm>
-            <a:off x="8055120" y="5537003"/>
+            <a:off x="8055120" y="5242830"/>
             <a:ext cx="1973179" cy="589548"/>
           </a:xfrm>
           <a:prstGeom prst="rect">
@@ -8382,101 +8814,24 @@
           <a:p>
             <a:pPr algn="ctr"/>
             <a:r>
+              <a:rPr lang="en-GB" dirty="0"/>
+              <a:t>S</a:t>
+            </a:r>
+            <a:r>
               <a:rPr lang="en-VN" dirty="0"/>
-              <a:t>superset</a:t>
-            </a:r>
-          </a:p>
-        </p:txBody>
-      </p:sp>
-      <p:sp>
-        <p:nvSpPr>
-          <p:cNvPr id="13" name="Rectangle 12">
-            <a:extLst>
-              <a:ext uri="{FF2B5EF4-FFF2-40B4-BE49-F238E27FC236}">
-                <a16:creationId xmlns:a16="http://schemas.microsoft.com/office/drawing/2014/main" id="{D3C01668-473F-6048-8978-EFA8BAAD061C}"/>
-              </a:ext>
-            </a:extLst>
-          </p:cNvPr>
-          <p:cNvSpPr/>
-          <p:nvPr/>
-        </p:nvSpPr>
-        <p:spPr>
-          <a:xfrm>
-            <a:off x="5292207" y="620086"/>
-            <a:ext cx="1973179" cy="589548"/>
-          </a:xfrm>
-          <a:prstGeom prst="rect">
-            <a:avLst/>
-          </a:prstGeom>
-        </p:spPr>
-        <p:style>
-          <a:lnRef idx="2">
-            <a:schemeClr val="accent3"/>
-          </a:lnRef>
-          <a:fillRef idx="1">
-            <a:schemeClr val="lt1"/>
-          </a:fillRef>
-          <a:effectRef idx="0">
-            <a:schemeClr val="accent3"/>
-          </a:effectRef>
-          <a:fontRef idx="minor">
-            <a:schemeClr val="dk1"/>
-          </a:fontRef>
-        </p:style>
-        <p:txBody>
-          <a:bodyPr rtlCol="0" anchor="ctr"/>
-          <a:lstStyle/>
+              <a:t>uperset</a:t>
+            </a:r>
+          </a:p>
           <a:p>
             <a:pPr algn="ctr"/>
             <a:r>
-              <a:rPr lang="en-VN" dirty="0"/>
-              <a:t>airflow</a:t>
-            </a:r>
-          </a:p>
-        </p:txBody>
-      </p:sp>
-      <p:sp>
-        <p:nvSpPr>
-          <p:cNvPr id="14" name="Rectangle 13">
-            <a:extLst>
-              <a:ext uri="{FF2B5EF4-FFF2-40B4-BE49-F238E27FC236}">
-                <a16:creationId xmlns:a16="http://schemas.microsoft.com/office/drawing/2014/main" id="{588BF235-279F-F244-B6B0-4A8DA3D40667}"/>
-              </a:ext>
-            </a:extLst>
-          </p:cNvPr>
-          <p:cNvSpPr/>
-          <p:nvPr/>
-        </p:nvSpPr>
-        <p:spPr>
-          <a:xfrm>
-            <a:off x="620049" y="457200"/>
-            <a:ext cx="11317496" cy="4259179"/>
-          </a:xfrm>
-          <a:prstGeom prst="rect">
-            <a:avLst/>
-          </a:prstGeom>
-          <a:noFill/>
-        </p:spPr>
-        <p:style>
-          <a:lnRef idx="2">
-            <a:schemeClr val="accent3"/>
-          </a:lnRef>
-          <a:fillRef idx="1">
-            <a:schemeClr val="lt1"/>
-          </a:fillRef>
-          <a:effectRef idx="0">
-            <a:schemeClr val="accent3"/>
-          </a:effectRef>
-          <a:fontRef idx="minor">
-            <a:schemeClr val="dk1"/>
-          </a:fontRef>
-        </p:style>
-        <p:txBody>
-          <a:bodyPr rtlCol="0" anchor="ctr"/>
-          <a:lstStyle/>
-          <a:p>
-            <a:pPr algn="ctr"/>
-            <a:endParaRPr lang="en-VN" dirty="0"/>
+              <a:rPr lang="en-GB" sz="1050" dirty="0"/>
+              <a:t>S</a:t>
+            </a:r>
+            <a:r>
+              <a:rPr lang="en-VN" sz="1050" dirty="0"/>
+              <a:t>erver:172.17.80.24</a:t>
+            </a:r>
           </a:p>
         </p:txBody>
       </p:sp>
@@ -8541,7 +8896,7 @@
         <p:spPr>
           <a:xfrm>
             <a:off x="9041710" y="2894539"/>
-            <a:ext cx="0" cy="448691"/>
+            <a:ext cx="0" cy="451330"/>
           </a:xfrm>
           <a:prstGeom prst="straightConnector1">
             <a:avLst/>
@@ -8582,8 +8937,8 @@
         </p:nvCxnSpPr>
         <p:spPr>
           <a:xfrm>
-            <a:off x="9041710" y="3932778"/>
-            <a:ext cx="0" cy="1604225"/>
+            <a:off x="9041710" y="3935417"/>
+            <a:ext cx="0" cy="1307413"/>
           </a:xfrm>
           <a:prstGeom prst="straightConnector1">
             <a:avLst/>
@@ -8630,7 +8985,7 @@
           </a:xfrm>
           <a:prstGeom prst="bentConnector3">
             <a:avLst>
-              <a:gd name="adj1" fmla="val 2782693"/>
+              <a:gd name="adj1" fmla="val 2059756"/>
             </a:avLst>
           </a:prstGeom>
           <a:ln>
@@ -8652,41 +9007,6 @@
           </a:fontRef>
         </p:style>
       </p:cxnSp>
-      <p:sp>
-        <p:nvSpPr>
-          <p:cNvPr id="41" name="TextBox 40">
-            <a:extLst>
-              <a:ext uri="{FF2B5EF4-FFF2-40B4-BE49-F238E27FC236}">
-                <a16:creationId xmlns:a16="http://schemas.microsoft.com/office/drawing/2014/main" id="{C0F8EC03-F04B-C148-BEE4-D39483B9EA7A}"/>
-              </a:ext>
-            </a:extLst>
-          </p:cNvPr>
-          <p:cNvSpPr txBox="1"/>
-          <p:nvPr/>
-        </p:nvSpPr>
-        <p:spPr>
-          <a:xfrm>
-            <a:off x="1347538" y="3358565"/>
-            <a:ext cx="5200013" cy="369332"/>
-          </a:xfrm>
-          <a:prstGeom prst="rect">
-            <a:avLst/>
-          </a:prstGeom>
-          <a:noFill/>
-        </p:spPr>
-        <p:txBody>
-          <a:bodyPr wrap="none" rtlCol="0">
-            <a:spAutoFit/>
-          </a:bodyPr>
-          <a:lstStyle/>
-          <a:p>
-            <a:r>
-              <a:rPr lang="en-VN" dirty="0"/>
-              <a:t>- Producer.py -&gt; Đẩy data vào kafka, 250recods /1lần  </a:t>
-            </a:r>
-          </a:p>
-        </p:txBody>
-      </p:sp>
       <p:cxnSp>
         <p:nvCxnSpPr>
           <p:cNvPr id="26" name="Elbow Connector 25">
@@ -8735,10 +9055,45 @@
       </p:cxnSp>
       <p:sp>
         <p:nvSpPr>
-          <p:cNvPr id="17" name="Rectangle 16">
-            <a:extLst>
-              <a:ext uri="{FF2B5EF4-FFF2-40B4-BE49-F238E27FC236}">
-                <a16:creationId xmlns:a16="http://schemas.microsoft.com/office/drawing/2014/main" id="{D9AF533B-F4FF-9F47-9405-775ADE2A66B6}"/>
+          <p:cNvPr id="19" name="TextBox 18">
+            <a:extLst>
+              <a:ext uri="{FF2B5EF4-FFF2-40B4-BE49-F238E27FC236}">
+                <a16:creationId xmlns:a16="http://schemas.microsoft.com/office/drawing/2014/main" id="{D3A82800-C4D1-4341-97DD-2E125CB309C9}"/>
+              </a:ext>
+            </a:extLst>
+          </p:cNvPr>
+          <p:cNvSpPr txBox="1"/>
+          <p:nvPr/>
+        </p:nvSpPr>
+        <p:spPr>
+          <a:xfrm>
+            <a:off x="1389286" y="3215049"/>
+            <a:ext cx="5200013" cy="369332"/>
+          </a:xfrm>
+          <a:prstGeom prst="rect">
+            <a:avLst/>
+          </a:prstGeom>
+          <a:noFill/>
+        </p:spPr>
+        <p:txBody>
+          <a:bodyPr wrap="none" rtlCol="0">
+            <a:spAutoFit/>
+          </a:bodyPr>
+          <a:lstStyle/>
+          <a:p>
+            <a:r>
+              <a:rPr lang="en-VN" dirty="0"/>
+              <a:t>- Producer.py -&gt; Đẩy data vào kafka, 250recods /1lần  </a:t>
+            </a:r>
+          </a:p>
+        </p:txBody>
+      </p:sp>
+      <p:sp>
+        <p:nvSpPr>
+          <p:cNvPr id="16" name="Rectangle 15">
+            <a:extLst>
+              <a:ext uri="{FF2B5EF4-FFF2-40B4-BE49-F238E27FC236}">
+                <a16:creationId xmlns:a16="http://schemas.microsoft.com/office/drawing/2014/main" id="{A10DE5CA-9120-734A-AB64-FFCCB2DD1091}"/>
               </a:ext>
             </a:extLst>
           </p:cNvPr>
@@ -8747,8 +9102,8 @@
         </p:nvSpPr>
         <p:spPr>
           <a:xfrm>
-            <a:off x="778475" y="1671969"/>
-            <a:ext cx="5964575" cy="2570247"/>
+            <a:off x="620049" y="457200"/>
+            <a:ext cx="11317496" cy="4259179"/>
           </a:xfrm>
           <a:prstGeom prst="rect">
             <a:avLst/>
@@ -8778,29 +9133,90 @@
           </a:p>
         </p:txBody>
       </p:sp>
+      <p:sp>
+        <p:nvSpPr>
+          <p:cNvPr id="17" name="Rectangle 16">
+            <a:extLst>
+              <a:ext uri="{FF2B5EF4-FFF2-40B4-BE49-F238E27FC236}">
+                <a16:creationId xmlns:a16="http://schemas.microsoft.com/office/drawing/2014/main" id="{CDEFF98F-87F8-3246-BB80-DDBE2C61459E}"/>
+              </a:ext>
+            </a:extLst>
+          </p:cNvPr>
+          <p:cNvSpPr/>
+          <p:nvPr/>
+        </p:nvSpPr>
+        <p:spPr>
+          <a:xfrm>
+            <a:off x="5292207" y="620086"/>
+            <a:ext cx="1973179" cy="589548"/>
+          </a:xfrm>
+          <a:prstGeom prst="rect">
+            <a:avLst/>
+          </a:prstGeom>
+        </p:spPr>
+        <p:style>
+          <a:lnRef idx="2">
+            <a:schemeClr val="accent3"/>
+          </a:lnRef>
+          <a:fillRef idx="1">
+            <a:schemeClr val="lt1"/>
+          </a:fillRef>
+          <a:effectRef idx="0">
+            <a:schemeClr val="accent3"/>
+          </a:effectRef>
+          <a:fontRef idx="minor">
+            <a:schemeClr val="dk1"/>
+          </a:fontRef>
+        </p:style>
+        <p:txBody>
+          <a:bodyPr rtlCol="0" anchor="ctr"/>
+          <a:lstStyle/>
+          <a:p>
+            <a:pPr algn="ctr"/>
+            <a:r>
+              <a:rPr lang="en-GB" dirty="0"/>
+              <a:t>A</a:t>
+            </a:r>
+            <a:r>
+              <a:rPr lang="en-VN" dirty="0"/>
+              <a:t>irflow</a:t>
+            </a:r>
+          </a:p>
+          <a:p>
+            <a:pPr algn="ctr"/>
+            <a:r>
+              <a:rPr lang="en-GB" sz="1050" dirty="0"/>
+              <a:t>S</a:t>
+            </a:r>
+            <a:r>
+              <a:rPr lang="en-VN" sz="1050" dirty="0"/>
+              <a:t>erver:172.17.80.23</a:t>
+            </a:r>
+          </a:p>
+        </p:txBody>
+      </p:sp>
       <p:cxnSp>
         <p:nvCxnSpPr>
-          <p:cNvPr id="4" name="Elbow Connector 3">
-            <a:extLst>
-              <a:ext uri="{FF2B5EF4-FFF2-40B4-BE49-F238E27FC236}">
-                <a16:creationId xmlns:a16="http://schemas.microsoft.com/office/drawing/2014/main" id="{ABC2383A-5EEB-0842-8C9F-0A924BA87763}"/>
+          <p:cNvPr id="18" name="Elbow Connector 17">
+            <a:extLst>
+              <a:ext uri="{FF2B5EF4-FFF2-40B4-BE49-F238E27FC236}">
+                <a16:creationId xmlns:a16="http://schemas.microsoft.com/office/drawing/2014/main" id="{68F81480-1302-9141-9D8F-D1AFBEFBAE73}"/>
               </a:ext>
             </a:extLst>
           </p:cNvPr>
           <p:cNvCxnSpPr>
-            <a:cxnSpLocks/>
-            <a:stCxn id="13" idx="1"/>
+            <a:stCxn id="17" idx="1"/>
           </p:cNvCxnSpPr>
           <p:nvPr/>
         </p:nvCxnSpPr>
         <p:spPr>
           <a:xfrm rot="10800000" flipV="1">
-            <a:off x="3522689" y="914860"/>
-            <a:ext cx="1769518" cy="746104"/>
+            <a:off x="3496963" y="914860"/>
+            <a:ext cx="1795245" cy="969054"/>
           </a:xfrm>
           <a:prstGeom prst="bentConnector3">
             <a:avLst>
-              <a:gd name="adj1" fmla="val 99981"/>
+              <a:gd name="adj1" fmla="val 99558"/>
             </a:avLst>
           </a:prstGeom>
           <a:ln>
@@ -8824,10 +9240,10 @@
       </p:cxnSp>
       <p:sp>
         <p:nvSpPr>
-          <p:cNvPr id="16" name="TextBox 15">
-            <a:extLst>
-              <a:ext uri="{FF2B5EF4-FFF2-40B4-BE49-F238E27FC236}">
-                <a16:creationId xmlns:a16="http://schemas.microsoft.com/office/drawing/2014/main" id="{A5FD6A75-0A8B-214E-964C-18E8CC1DFD2B}"/>
+          <p:cNvPr id="21" name="TextBox 20">
+            <a:extLst>
+              <a:ext uri="{FF2B5EF4-FFF2-40B4-BE49-F238E27FC236}">
+                <a16:creationId xmlns:a16="http://schemas.microsoft.com/office/drawing/2014/main" id="{D7023DFD-1E48-344E-AF69-D998C67D079B}"/>
               </a:ext>
             </a:extLst>
           </p:cNvPr>
@@ -8859,10 +9275,55 @@
       </p:sp>
       <p:sp>
         <p:nvSpPr>
-          <p:cNvPr id="19" name="Rectangle 18">
-            <a:extLst>
-              <a:ext uri="{FF2B5EF4-FFF2-40B4-BE49-F238E27FC236}">
-                <a16:creationId xmlns:a16="http://schemas.microsoft.com/office/drawing/2014/main" id="{4BB01630-E5AD-B547-893B-E9764057C34D}"/>
+          <p:cNvPr id="23" name="Rectangle 22">
+            <a:extLst>
+              <a:ext uri="{FF2B5EF4-FFF2-40B4-BE49-F238E27FC236}">
+                <a16:creationId xmlns:a16="http://schemas.microsoft.com/office/drawing/2014/main" id="{607FA9A2-F13F-AF4E-83CD-472C4A7D8ED9}"/>
+              </a:ext>
+            </a:extLst>
+          </p:cNvPr>
+          <p:cNvSpPr/>
+          <p:nvPr/>
+        </p:nvSpPr>
+        <p:spPr>
+          <a:xfrm>
+            <a:off x="778475" y="1883914"/>
+            <a:ext cx="5964575" cy="1883185"/>
+          </a:xfrm>
+          <a:prstGeom prst="rect">
+            <a:avLst/>
+          </a:prstGeom>
+          <a:noFill/>
+        </p:spPr>
+        <p:style>
+          <a:lnRef idx="2">
+            <a:schemeClr val="accent3"/>
+          </a:lnRef>
+          <a:fillRef idx="1">
+            <a:schemeClr val="lt1"/>
+          </a:fillRef>
+          <a:effectRef idx="0">
+            <a:schemeClr val="accent3"/>
+          </a:effectRef>
+          <a:fontRef idx="minor">
+            <a:schemeClr val="dk1"/>
+          </a:fontRef>
+        </p:style>
+        <p:txBody>
+          <a:bodyPr rtlCol="0" anchor="ctr"/>
+          <a:lstStyle/>
+          <a:p>
+            <a:pPr algn="ctr"/>
+            <a:endParaRPr lang="en-VN" dirty="0"/>
+          </a:p>
+        </p:txBody>
+      </p:sp>
+      <p:sp>
+        <p:nvSpPr>
+          <p:cNvPr id="25" name="Rectangle 24">
+            <a:extLst>
+              <a:ext uri="{FF2B5EF4-FFF2-40B4-BE49-F238E27FC236}">
+                <a16:creationId xmlns:a16="http://schemas.microsoft.com/office/drawing/2014/main" id="{D4255D0A-B7A4-B348-80C1-C1118C425EF3}"/>
               </a:ext>
             </a:extLst>
           </p:cNvPr>
@@ -8904,16 +9365,15 @@
       </p:sp>
       <p:cxnSp>
         <p:nvCxnSpPr>
-          <p:cNvPr id="6" name="Elbow Connector 5">
-            <a:extLst>
-              <a:ext uri="{FF2B5EF4-FFF2-40B4-BE49-F238E27FC236}">
-                <a16:creationId xmlns:a16="http://schemas.microsoft.com/office/drawing/2014/main" id="{5C27C26E-99C5-7C45-9E87-CE641FA4FE6E}"/>
+          <p:cNvPr id="28" name="Elbow Connector 27">
+            <a:extLst>
+              <a:ext uri="{FF2B5EF4-FFF2-40B4-BE49-F238E27FC236}">
+                <a16:creationId xmlns:a16="http://schemas.microsoft.com/office/drawing/2014/main" id="{CDE4995B-4D25-4C46-B340-BFDC1A3F3F63}"/>
               </a:ext>
             </a:extLst>
           </p:cNvPr>
           <p:cNvCxnSpPr>
-            <a:stCxn id="13" idx="3"/>
-            <a:endCxn id="19" idx="0"/>
+            <a:endCxn id="25" idx="0"/>
           </p:cNvCxnSpPr>
           <p:nvPr/>
         </p:nvCxnSpPr>
@@ -8946,10 +9406,10 @@
       </p:cxnSp>
       <p:sp>
         <p:nvSpPr>
-          <p:cNvPr id="7" name="TextBox 6">
-            <a:extLst>
-              <a:ext uri="{FF2B5EF4-FFF2-40B4-BE49-F238E27FC236}">
-                <a16:creationId xmlns:a16="http://schemas.microsoft.com/office/drawing/2014/main" id="{0EB17233-32C1-D745-B0D5-7D27BFC61D57}"/>
+          <p:cNvPr id="29" name="TextBox 28">
+            <a:extLst>
+              <a:ext uri="{FF2B5EF4-FFF2-40B4-BE49-F238E27FC236}">
+                <a16:creationId xmlns:a16="http://schemas.microsoft.com/office/drawing/2014/main" id="{D7C28D99-C9D4-E243-815E-208162DFC266}"/>
               </a:ext>
             </a:extLst>
           </p:cNvPr>
@@ -8981,10 +9441,10 @@
       </p:sp>
       <p:sp>
         <p:nvSpPr>
-          <p:cNvPr id="25" name="TextBox 24">
-            <a:extLst>
-              <a:ext uri="{FF2B5EF4-FFF2-40B4-BE49-F238E27FC236}">
-                <a16:creationId xmlns:a16="http://schemas.microsoft.com/office/drawing/2014/main" id="{52B04A64-7094-E749-81CE-12DA1D7A2A87}"/>
+          <p:cNvPr id="31" name="TextBox 30">
+            <a:extLst>
+              <a:ext uri="{FF2B5EF4-FFF2-40B4-BE49-F238E27FC236}">
+                <a16:creationId xmlns:a16="http://schemas.microsoft.com/office/drawing/2014/main" id="{9AFA5A05-5F97-0347-A509-9F2C29ADD06C}"/>
               </a:ext>
             </a:extLst>
           </p:cNvPr>
@@ -8993,7 +9453,7 @@
         </p:nvSpPr>
         <p:spPr>
           <a:xfrm>
-            <a:off x="8625851" y="1700643"/>
+            <a:off x="8716228" y="1728500"/>
             <a:ext cx="2519691" cy="369332"/>
           </a:xfrm>
           <a:prstGeom prst="rect">
@@ -9021,7 +9481,7 @@
     </p:spTree>
     <p:extLst>
       <p:ext uri="{BB962C8B-B14F-4D97-AF65-F5344CB8AC3E}">
-        <p14:creationId xmlns:p14="http://schemas.microsoft.com/office/powerpoint/2010/main" val="4151506233"/>
+        <p14:creationId xmlns:p14="http://schemas.microsoft.com/office/powerpoint/2010/main" val="3431208328"/>
       </p:ext>
     </p:extLst>
   </p:cSld>

--- a/slide.pptx
+++ b/slide.pptx
@@ -5,14 +5,15 @@
     <p:sldMasterId id="2147483648" r:id="rId1"/>
   </p:sldMasterIdLst>
   <p:sldIdLst>
-    <p:sldId id="256" r:id="rId2"/>
-    <p:sldId id="257" r:id="rId3"/>
-    <p:sldId id="258" r:id="rId4"/>
-    <p:sldId id="259" r:id="rId5"/>
-    <p:sldId id="260" r:id="rId6"/>
-    <p:sldId id="264" r:id="rId7"/>
-    <p:sldId id="265" r:id="rId8"/>
-    <p:sldId id="266" r:id="rId9"/>
+    <p:sldId id="267" r:id="rId2"/>
+    <p:sldId id="256" r:id="rId3"/>
+    <p:sldId id="257" r:id="rId4"/>
+    <p:sldId id="258" r:id="rId5"/>
+    <p:sldId id="259" r:id="rId6"/>
+    <p:sldId id="260" r:id="rId7"/>
+    <p:sldId id="264" r:id="rId8"/>
+    <p:sldId id="265" r:id="rId9"/>
+    <p:sldId id="266" r:id="rId10"/>
   </p:sldIdLst>
   <p:sldSz cx="12192000" cy="6858000"/>
   <p:notesSz cx="6858000" cy="9144000"/>
@@ -268,7 +269,7 @@
           <a:p>
             <a:fld id="{937BAADB-6D91-FB47-820B-C098738112B6}" type="datetimeFigureOut">
               <a:rPr lang="en-VN" smtClean="0"/>
-              <a:t>8/21/22</a:t>
+              <a:t>8/22/22</a:t>
             </a:fld>
             <a:endParaRPr lang="en-VN"/>
           </a:p>
@@ -468,7 +469,7 @@
           <a:p>
             <a:fld id="{937BAADB-6D91-FB47-820B-C098738112B6}" type="datetimeFigureOut">
               <a:rPr lang="en-VN" smtClean="0"/>
-              <a:t>8/21/22</a:t>
+              <a:t>8/22/22</a:t>
             </a:fld>
             <a:endParaRPr lang="en-VN"/>
           </a:p>
@@ -678,7 +679,7 @@
           <a:p>
             <a:fld id="{937BAADB-6D91-FB47-820B-C098738112B6}" type="datetimeFigureOut">
               <a:rPr lang="en-VN" smtClean="0"/>
-              <a:t>8/21/22</a:t>
+              <a:t>8/22/22</a:t>
             </a:fld>
             <a:endParaRPr lang="en-VN"/>
           </a:p>
@@ -878,7 +879,7 @@
           <a:p>
             <a:fld id="{937BAADB-6D91-FB47-820B-C098738112B6}" type="datetimeFigureOut">
               <a:rPr lang="en-VN" smtClean="0"/>
-              <a:t>8/21/22</a:t>
+              <a:t>8/22/22</a:t>
             </a:fld>
             <a:endParaRPr lang="en-VN"/>
           </a:p>
@@ -1154,7 +1155,7 @@
           <a:p>
             <a:fld id="{937BAADB-6D91-FB47-820B-C098738112B6}" type="datetimeFigureOut">
               <a:rPr lang="en-VN" smtClean="0"/>
-              <a:t>8/21/22</a:t>
+              <a:t>8/22/22</a:t>
             </a:fld>
             <a:endParaRPr lang="en-VN"/>
           </a:p>
@@ -1422,7 +1423,7 @@
           <a:p>
             <a:fld id="{937BAADB-6D91-FB47-820B-C098738112B6}" type="datetimeFigureOut">
               <a:rPr lang="en-VN" smtClean="0"/>
-              <a:t>8/21/22</a:t>
+              <a:t>8/22/22</a:t>
             </a:fld>
             <a:endParaRPr lang="en-VN"/>
           </a:p>
@@ -1837,7 +1838,7 @@
           <a:p>
             <a:fld id="{937BAADB-6D91-FB47-820B-C098738112B6}" type="datetimeFigureOut">
               <a:rPr lang="en-VN" smtClean="0"/>
-              <a:t>8/21/22</a:t>
+              <a:t>8/22/22</a:t>
             </a:fld>
             <a:endParaRPr lang="en-VN"/>
           </a:p>
@@ -1979,7 +1980,7 @@
           <a:p>
             <a:fld id="{937BAADB-6D91-FB47-820B-C098738112B6}" type="datetimeFigureOut">
               <a:rPr lang="en-VN" smtClean="0"/>
-              <a:t>8/21/22</a:t>
+              <a:t>8/22/22</a:t>
             </a:fld>
             <a:endParaRPr lang="en-VN"/>
           </a:p>
@@ -2092,7 +2093,7 @@
           <a:p>
             <a:fld id="{937BAADB-6D91-FB47-820B-C098738112B6}" type="datetimeFigureOut">
               <a:rPr lang="en-VN" smtClean="0"/>
-              <a:t>8/21/22</a:t>
+              <a:t>8/22/22</a:t>
             </a:fld>
             <a:endParaRPr lang="en-VN"/>
           </a:p>
@@ -2405,7 +2406,7 @@
           <a:p>
             <a:fld id="{937BAADB-6D91-FB47-820B-C098738112B6}" type="datetimeFigureOut">
               <a:rPr lang="en-VN" smtClean="0"/>
-              <a:t>8/21/22</a:t>
+              <a:t>8/22/22</a:t>
             </a:fld>
             <a:endParaRPr lang="en-VN"/>
           </a:p>
@@ -2694,7 +2695,7 @@
           <a:p>
             <a:fld id="{937BAADB-6D91-FB47-820B-C098738112B6}" type="datetimeFigureOut">
               <a:rPr lang="en-VN" smtClean="0"/>
-              <a:t>8/21/22</a:t>
+              <a:t>8/22/22</a:t>
             </a:fld>
             <a:endParaRPr lang="en-VN"/>
           </a:p>
@@ -2937,7 +2938,7 @@
           <a:p>
             <a:fld id="{937BAADB-6D91-FB47-820B-C098738112B6}" type="datetimeFigureOut">
               <a:rPr lang="en-VN" smtClean="0"/>
-              <a:t>8/21/22</a:t>
+              <a:t>8/22/22</a:t>
             </a:fld>
             <a:endParaRPr lang="en-VN"/>
           </a:p>
@@ -3356,503 +3357,243 @@
       </p:grpSpPr>
       <p:sp>
         <p:nvSpPr>
-          <p:cNvPr id="8" name="Rectangle 7">
-            <a:extLst>
-              <a:ext uri="{FF2B5EF4-FFF2-40B4-BE49-F238E27FC236}">
-                <a16:creationId xmlns:a16="http://schemas.microsoft.com/office/drawing/2014/main" id="{F1E9C636-47CF-664C-A5E0-B5F931C2AC4D}"/>
-              </a:ext>
-            </a:extLst>
-          </p:cNvPr>
-          <p:cNvSpPr/>
-          <p:nvPr/>
-        </p:nvSpPr>
-        <p:spPr>
-          <a:xfrm>
-            <a:off x="4692320" y="2291013"/>
-            <a:ext cx="1973179" cy="589548"/>
+          <p:cNvPr id="4" name="TextBox 3">
+            <a:extLst>
+              <a:ext uri="{FF2B5EF4-FFF2-40B4-BE49-F238E27FC236}">
+                <a16:creationId xmlns:a16="http://schemas.microsoft.com/office/drawing/2014/main" id="{41EC0E7A-6F78-C749-B906-4889CDC5FAF7}"/>
+              </a:ext>
+            </a:extLst>
+          </p:cNvPr>
+          <p:cNvSpPr txBox="1"/>
+          <p:nvPr/>
+        </p:nvSpPr>
+        <p:spPr>
+          <a:xfrm>
+            <a:off x="1049438" y="1805650"/>
+            <a:ext cx="10093124" cy="1754326"/>
           </a:xfrm>
           <a:prstGeom prst="rect">
             <a:avLst/>
           </a:prstGeom>
-        </p:spPr>
-        <p:style>
-          <a:lnRef idx="2">
-            <a:schemeClr val="accent3"/>
-          </a:lnRef>
-          <a:fillRef idx="1">
-            <a:schemeClr val="lt1"/>
-          </a:fillRef>
-          <a:effectRef idx="0">
-            <a:schemeClr val="accent3"/>
-          </a:effectRef>
-          <a:fontRef idx="minor">
-            <a:schemeClr val="dk1"/>
-          </a:fontRef>
-        </p:style>
-        <p:txBody>
-          <a:bodyPr rtlCol="0" anchor="ctr"/>
+          <a:noFill/>
+        </p:spPr>
+        <p:txBody>
+          <a:bodyPr wrap="square" rtlCol="0">
+            <a:spAutoFit/>
+          </a:bodyPr>
           <a:lstStyle/>
           <a:p>
             <a:pPr algn="ctr"/>
             <a:r>
+              <a:rPr lang="en-GB" sz="3600" b="1" dirty="0" err="1"/>
+              <a:t>Xây</a:t>
+            </a:r>
+            <a:r>
+              <a:rPr lang="en-GB" sz="3600" b="1" dirty="0"/>
+              <a:t> </a:t>
+            </a:r>
+            <a:r>
+              <a:rPr lang="en-GB" sz="3600" b="1" dirty="0" err="1"/>
+              <a:t>dựng</a:t>
+            </a:r>
+            <a:r>
+              <a:rPr lang="en-GB" sz="3600" b="1" dirty="0"/>
+              <a:t> </a:t>
+            </a:r>
+            <a:r>
+              <a:rPr lang="en-GB" sz="3600" b="1" dirty="0" err="1"/>
+              <a:t>luồng</a:t>
+            </a:r>
+            <a:r>
+              <a:rPr lang="en-GB" sz="3600" b="1" dirty="0"/>
+              <a:t> </a:t>
+            </a:r>
+            <a:r>
+              <a:rPr lang="en-GB" sz="3600" b="1" dirty="0" err="1"/>
+              <a:t>xử</a:t>
+            </a:r>
+            <a:r>
+              <a:rPr lang="en-GB" sz="3600" b="1" dirty="0"/>
+              <a:t> </a:t>
+            </a:r>
+            <a:r>
+              <a:rPr lang="en-GB" sz="3600" b="1" dirty="0" err="1"/>
+              <a:t>lý</a:t>
+            </a:r>
+            <a:r>
+              <a:rPr lang="en-GB" sz="3600" b="1" dirty="0"/>
+              <a:t> </a:t>
+            </a:r>
+            <a:r>
+              <a:rPr lang="en-GB" sz="3600" b="1" dirty="0" err="1"/>
+              <a:t>dữ</a:t>
+            </a:r>
+            <a:r>
+              <a:rPr lang="en-GB" sz="3600" b="1" dirty="0"/>
+              <a:t> </a:t>
+            </a:r>
+            <a:r>
+              <a:rPr lang="en-GB" sz="3600" b="1" dirty="0" err="1"/>
+              <a:t>liệu</a:t>
+            </a:r>
+            <a:r>
+              <a:rPr lang="en-GB" sz="3600" b="1" dirty="0"/>
+              <a:t> </a:t>
+            </a:r>
+            <a:r>
+              <a:rPr lang="en-GB" sz="3600" b="1" dirty="0" err="1"/>
+              <a:t>để</a:t>
+            </a:r>
+            <a:endParaRPr lang="en-GB" sz="3600" b="1" dirty="0"/>
+          </a:p>
+          <a:p>
+            <a:pPr algn="ctr"/>
+            <a:r>
+              <a:rPr lang="en-GB" sz="3600" b="1" dirty="0" err="1"/>
+              <a:t>khảo</a:t>
+            </a:r>
+            <a:r>
+              <a:rPr lang="en-GB" sz="3600" b="1" dirty="0"/>
+              <a:t> </a:t>
+            </a:r>
+            <a:r>
+              <a:rPr lang="en-GB" sz="3600" b="1" dirty="0" err="1"/>
+              <a:t>sát</a:t>
+            </a:r>
+            <a:r>
+              <a:rPr lang="en-GB" sz="3600" b="1" dirty="0"/>
+              <a:t> </a:t>
+            </a:r>
+            <a:r>
+              <a:rPr lang="en-GB" sz="3600" b="1" dirty="0" err="1"/>
+              <a:t>thông</a:t>
+            </a:r>
+            <a:r>
+              <a:rPr lang="en-GB" sz="3600" b="1" dirty="0"/>
+              <a:t> tin </a:t>
+            </a:r>
+            <a:r>
+              <a:rPr lang="en-GB" sz="3600" b="1" dirty="0" err="1"/>
+              <a:t>và</a:t>
+            </a:r>
+            <a:r>
+              <a:rPr lang="en-GB" sz="3600" b="1" dirty="0"/>
+              <a:t> </a:t>
+            </a:r>
+            <a:r>
+              <a:rPr lang="en-GB" sz="3600" b="1" dirty="0" err="1"/>
+              <a:t>phân</a:t>
+            </a:r>
+            <a:r>
+              <a:rPr lang="en-GB" sz="3600" b="1" dirty="0"/>
+              <a:t> </a:t>
+            </a:r>
+            <a:r>
+              <a:rPr lang="en-GB" sz="3600" b="1" dirty="0" err="1"/>
+              <a:t>tích</a:t>
+            </a:r>
+            <a:r>
+              <a:rPr lang="en-GB" sz="3600" b="1" dirty="0"/>
+              <a:t> </a:t>
+            </a:r>
+            <a:r>
+              <a:rPr lang="en-GB" sz="3600" b="1" dirty="0" err="1"/>
+              <a:t>về</a:t>
+            </a:r>
+            <a:r>
+              <a:rPr lang="en-GB" sz="3600" b="1" dirty="0"/>
+              <a:t> </a:t>
+            </a:r>
+            <a:r>
+              <a:rPr lang="en-GB" sz="3600" b="1" dirty="0" err="1"/>
+              <a:t>bệnh</a:t>
+            </a:r>
+            <a:r>
+              <a:rPr lang="en-GB" sz="3600" b="1" dirty="0"/>
+              <a:t> </a:t>
+            </a:r>
+            <a:r>
+              <a:rPr lang="en-GB" sz="3600" b="1" dirty="0" err="1"/>
+              <a:t>tim</a:t>
+            </a:r>
+            <a:r>
+              <a:rPr lang="en-GB" sz="3600" b="1" dirty="0"/>
+              <a:t> </a:t>
+            </a:r>
+            <a:r>
+              <a:rPr lang="en-GB" sz="3600" b="1" dirty="0" err="1"/>
+              <a:t>mạch</a:t>
+            </a:r>
+            <a:r>
+              <a:rPr lang="en-GB" sz="3600" b="1" dirty="0"/>
+              <a:t> </a:t>
+            </a:r>
+          </a:p>
+          <a:p>
+            <a:pPr algn="ctr"/>
+            <a:r>
+              <a:rPr lang="en-GB" sz="3600" b="1" dirty="0" err="1"/>
+              <a:t>từ</a:t>
+            </a:r>
+            <a:r>
+              <a:rPr lang="en-GB" sz="3600" b="1" dirty="0"/>
+              <a:t> </a:t>
+            </a:r>
+            <a:r>
+              <a:rPr lang="en-GB" sz="3600" b="1" dirty="0" err="1"/>
+              <a:t>năm</a:t>
+            </a:r>
+            <a:r>
+              <a:rPr lang="en-GB" sz="3600" b="1" dirty="0"/>
+              <a:t> 2018-2020</a:t>
+            </a:r>
+            <a:endParaRPr lang="en-VN" sz="3600" dirty="0"/>
+          </a:p>
+        </p:txBody>
+      </p:sp>
+      <p:sp>
+        <p:nvSpPr>
+          <p:cNvPr id="5" name="TextBox 4">
+            <a:extLst>
+              <a:ext uri="{FF2B5EF4-FFF2-40B4-BE49-F238E27FC236}">
+                <a16:creationId xmlns:a16="http://schemas.microsoft.com/office/drawing/2014/main" id="{0B81A368-DF1A-654E-ABC9-EE13EE75B8C1}"/>
+              </a:ext>
+            </a:extLst>
+          </p:cNvPr>
+          <p:cNvSpPr txBox="1"/>
+          <p:nvPr/>
+        </p:nvSpPr>
+        <p:spPr>
+          <a:xfrm>
+            <a:off x="9236596" y="5069712"/>
+            <a:ext cx="2083443" cy="369332"/>
+          </a:xfrm>
+          <a:prstGeom prst="rect">
+            <a:avLst/>
+          </a:prstGeom>
+          <a:noFill/>
+        </p:spPr>
+        <p:txBody>
+          <a:bodyPr wrap="square" rtlCol="0">
+            <a:spAutoFit/>
+          </a:bodyPr>
+          <a:lstStyle/>
+          <a:p>
+            <a:r>
+              <a:rPr lang="en-GB" dirty="0"/>
+              <a:t>U</a:t>
+            </a:r>
+            <a:r>
               <a:rPr lang="en-VN" dirty="0"/>
-              <a:t>kafka</a:t>
-            </a:r>
-          </a:p>
-        </p:txBody>
-      </p:sp>
-      <p:sp>
-        <p:nvSpPr>
-          <p:cNvPr id="9" name="Rectangle 8">
-            <a:extLst>
-              <a:ext uri="{FF2B5EF4-FFF2-40B4-BE49-F238E27FC236}">
-                <a16:creationId xmlns:a16="http://schemas.microsoft.com/office/drawing/2014/main" id="{93043FCC-632E-0D4B-9B5A-304C7722A8A0}"/>
-              </a:ext>
-            </a:extLst>
-          </p:cNvPr>
-          <p:cNvSpPr/>
-          <p:nvPr/>
-        </p:nvSpPr>
-        <p:spPr>
-          <a:xfrm>
-            <a:off x="906377" y="2291013"/>
-            <a:ext cx="1973179" cy="589548"/>
-          </a:xfrm>
-          <a:prstGeom prst="rect">
-            <a:avLst/>
-          </a:prstGeom>
-        </p:spPr>
-        <p:style>
-          <a:lnRef idx="2">
-            <a:schemeClr val="accent3"/>
-          </a:lnRef>
-          <a:fillRef idx="1">
-            <a:schemeClr val="lt1"/>
-          </a:fillRef>
-          <a:effectRef idx="0">
-            <a:schemeClr val="accent3"/>
-          </a:effectRef>
-          <a:fontRef idx="minor">
-            <a:schemeClr val="dk1"/>
-          </a:fontRef>
-        </p:style>
-        <p:txBody>
-          <a:bodyPr rtlCol="0" anchor="ctr"/>
-          <a:lstStyle/>
-          <a:p>
-            <a:pPr algn="ctr"/>
-            <a:r>
-              <a:rPr lang="en-VN" dirty="0"/>
-              <a:t>data</a:t>
-            </a:r>
-          </a:p>
-        </p:txBody>
-      </p:sp>
-      <p:sp>
-        <p:nvSpPr>
-          <p:cNvPr id="10" name="Rectangle 9">
-            <a:extLst>
-              <a:ext uri="{FF2B5EF4-FFF2-40B4-BE49-F238E27FC236}">
-                <a16:creationId xmlns:a16="http://schemas.microsoft.com/office/drawing/2014/main" id="{323D65EA-06F5-B148-BBF6-27EE5DE0B4E2}"/>
-              </a:ext>
-            </a:extLst>
-          </p:cNvPr>
-          <p:cNvSpPr/>
-          <p:nvPr/>
-        </p:nvSpPr>
-        <p:spPr>
-          <a:xfrm>
-            <a:off x="8325854" y="2291013"/>
-            <a:ext cx="1973179" cy="589548"/>
-          </a:xfrm>
-          <a:prstGeom prst="rect">
-            <a:avLst/>
-          </a:prstGeom>
-        </p:spPr>
-        <p:style>
-          <a:lnRef idx="2">
-            <a:schemeClr val="accent3"/>
-          </a:lnRef>
-          <a:fillRef idx="1">
-            <a:schemeClr val="lt1"/>
-          </a:fillRef>
-          <a:effectRef idx="0">
-            <a:schemeClr val="accent3"/>
-          </a:effectRef>
-          <a:fontRef idx="minor">
-            <a:schemeClr val="dk1"/>
-          </a:fontRef>
-        </p:style>
-        <p:txBody>
-          <a:bodyPr rtlCol="0" anchor="ctr"/>
-          <a:lstStyle/>
-          <a:p>
-            <a:pPr algn="ctr"/>
-            <a:r>
-              <a:rPr lang="en-VN" dirty="0"/>
-              <a:t>SparkStreaming</a:t>
-            </a:r>
-          </a:p>
-        </p:txBody>
-      </p:sp>
-      <p:sp>
-        <p:nvSpPr>
-          <p:cNvPr id="11" name="Rectangle 10">
-            <a:extLst>
-              <a:ext uri="{FF2B5EF4-FFF2-40B4-BE49-F238E27FC236}">
-                <a16:creationId xmlns:a16="http://schemas.microsoft.com/office/drawing/2014/main" id="{254D086A-A645-9243-8098-083B9FB52FFA}"/>
-              </a:ext>
-            </a:extLst>
-          </p:cNvPr>
-          <p:cNvSpPr/>
-          <p:nvPr/>
-        </p:nvSpPr>
-        <p:spPr>
-          <a:xfrm>
-            <a:off x="8325854" y="3882692"/>
-            <a:ext cx="1973179" cy="589548"/>
-          </a:xfrm>
-          <a:prstGeom prst="rect">
-            <a:avLst/>
-          </a:prstGeom>
-        </p:spPr>
-        <p:style>
-          <a:lnRef idx="2">
-            <a:schemeClr val="accent3"/>
-          </a:lnRef>
-          <a:fillRef idx="1">
-            <a:schemeClr val="lt1"/>
-          </a:fillRef>
-          <a:effectRef idx="0">
-            <a:schemeClr val="accent3"/>
-          </a:effectRef>
-          <a:fontRef idx="minor">
-            <a:schemeClr val="dk1"/>
-          </a:fontRef>
-        </p:style>
-        <p:txBody>
-          <a:bodyPr rtlCol="0" anchor="ctr"/>
-          <a:lstStyle/>
-          <a:p>
-            <a:pPr algn="ctr"/>
-            <a:r>
-              <a:rPr lang="en-VN" dirty="0"/>
-              <a:t>postgres</a:t>
-            </a:r>
-          </a:p>
-        </p:txBody>
-      </p:sp>
-      <p:sp>
-        <p:nvSpPr>
-          <p:cNvPr id="12" name="Rectangle 11">
-            <a:extLst>
-              <a:ext uri="{FF2B5EF4-FFF2-40B4-BE49-F238E27FC236}">
-                <a16:creationId xmlns:a16="http://schemas.microsoft.com/office/drawing/2014/main" id="{290542B6-8C01-CC48-AF61-2701FEACF7D4}"/>
-              </a:ext>
-            </a:extLst>
-          </p:cNvPr>
-          <p:cNvSpPr/>
-          <p:nvPr/>
-        </p:nvSpPr>
-        <p:spPr>
-          <a:xfrm>
-            <a:off x="8325854" y="5233739"/>
-            <a:ext cx="1973179" cy="589548"/>
-          </a:xfrm>
-          <a:prstGeom prst="rect">
-            <a:avLst/>
-          </a:prstGeom>
-        </p:spPr>
-        <p:style>
-          <a:lnRef idx="2">
-            <a:schemeClr val="accent3"/>
-          </a:lnRef>
-          <a:fillRef idx="1">
-            <a:schemeClr val="lt1"/>
-          </a:fillRef>
-          <a:effectRef idx="0">
-            <a:schemeClr val="accent3"/>
-          </a:effectRef>
-          <a:fontRef idx="minor">
-            <a:schemeClr val="dk1"/>
-          </a:fontRef>
-        </p:style>
-        <p:txBody>
-          <a:bodyPr rtlCol="0" anchor="ctr"/>
-          <a:lstStyle/>
-          <a:p>
-            <a:pPr algn="ctr"/>
-            <a:r>
-              <a:rPr lang="en-VN" dirty="0"/>
-              <a:t>superset</a:t>
-            </a:r>
-          </a:p>
-        </p:txBody>
-      </p:sp>
-      <p:sp>
-        <p:nvSpPr>
-          <p:cNvPr id="13" name="Rectangle 12">
-            <a:extLst>
-              <a:ext uri="{FF2B5EF4-FFF2-40B4-BE49-F238E27FC236}">
-                <a16:creationId xmlns:a16="http://schemas.microsoft.com/office/drawing/2014/main" id="{D3C01668-473F-6048-8978-EFA8BAAD061C}"/>
-              </a:ext>
-            </a:extLst>
-          </p:cNvPr>
-          <p:cNvSpPr/>
-          <p:nvPr/>
-        </p:nvSpPr>
-        <p:spPr>
-          <a:xfrm>
-            <a:off x="6352675" y="994108"/>
-            <a:ext cx="1973179" cy="589548"/>
-          </a:xfrm>
-          <a:prstGeom prst="rect">
-            <a:avLst/>
-          </a:prstGeom>
-        </p:spPr>
-        <p:style>
-          <a:lnRef idx="2">
-            <a:schemeClr val="accent3"/>
-          </a:lnRef>
-          <a:fillRef idx="1">
-            <a:schemeClr val="lt1"/>
-          </a:fillRef>
-          <a:effectRef idx="0">
-            <a:schemeClr val="accent3"/>
-          </a:effectRef>
-          <a:fontRef idx="minor">
-            <a:schemeClr val="dk1"/>
-          </a:fontRef>
-        </p:style>
-        <p:txBody>
-          <a:bodyPr rtlCol="0" anchor="ctr"/>
-          <a:lstStyle/>
-          <a:p>
-            <a:pPr algn="ctr"/>
-            <a:r>
-              <a:rPr lang="en-VN" dirty="0"/>
-              <a:t>airflow</a:t>
-            </a:r>
-          </a:p>
-        </p:txBody>
-      </p:sp>
-      <p:sp>
-        <p:nvSpPr>
-          <p:cNvPr id="14" name="Rectangle 13">
-            <a:extLst>
-              <a:ext uri="{FF2B5EF4-FFF2-40B4-BE49-F238E27FC236}">
-                <a16:creationId xmlns:a16="http://schemas.microsoft.com/office/drawing/2014/main" id="{588BF235-279F-F244-B6B0-4A8DA3D40667}"/>
-              </a:ext>
-            </a:extLst>
-          </p:cNvPr>
-          <p:cNvSpPr/>
-          <p:nvPr/>
-        </p:nvSpPr>
-        <p:spPr>
-          <a:xfrm>
-            <a:off x="3701717" y="818147"/>
-            <a:ext cx="7271083" cy="2502569"/>
-          </a:xfrm>
-          <a:prstGeom prst="rect">
-            <a:avLst/>
-          </a:prstGeom>
-          <a:noFill/>
-        </p:spPr>
-        <p:style>
-          <a:lnRef idx="2">
-            <a:schemeClr val="accent3"/>
-          </a:lnRef>
-          <a:fillRef idx="1">
-            <a:schemeClr val="lt1"/>
-          </a:fillRef>
-          <a:effectRef idx="0">
-            <a:schemeClr val="accent3"/>
-          </a:effectRef>
-          <a:fontRef idx="minor">
-            <a:schemeClr val="dk1"/>
-          </a:fontRef>
-        </p:style>
-        <p:txBody>
-          <a:bodyPr rtlCol="0" anchor="ctr"/>
-          <a:lstStyle/>
-          <a:p>
-            <a:pPr algn="ctr"/>
-            <a:endParaRPr lang="en-VN" dirty="0"/>
-          </a:p>
-        </p:txBody>
-      </p:sp>
-      <p:cxnSp>
-        <p:nvCxnSpPr>
-          <p:cNvPr id="18" name="Straight Arrow Connector 17">
-            <a:extLst>
-              <a:ext uri="{FF2B5EF4-FFF2-40B4-BE49-F238E27FC236}">
-                <a16:creationId xmlns:a16="http://schemas.microsoft.com/office/drawing/2014/main" id="{0863FC5E-65CF-A040-BB94-59DF1EDBD3C5}"/>
-              </a:ext>
-            </a:extLst>
-          </p:cNvPr>
-          <p:cNvCxnSpPr>
-            <a:stCxn id="9" idx="3"/>
-            <a:endCxn id="8" idx="1"/>
-          </p:cNvCxnSpPr>
-          <p:nvPr/>
-        </p:nvCxnSpPr>
-        <p:spPr>
-          <a:xfrm>
-            <a:off x="2879556" y="2585787"/>
-            <a:ext cx="1812764" cy="0"/>
-          </a:xfrm>
-          <a:prstGeom prst="straightConnector1">
-            <a:avLst/>
-          </a:prstGeom>
-          <a:ln>
-            <a:tailEnd type="triangle"/>
-          </a:ln>
-        </p:spPr>
-        <p:style>
-          <a:lnRef idx="1">
-            <a:schemeClr val="accent1"/>
-          </a:lnRef>
-          <a:fillRef idx="0">
-            <a:schemeClr val="accent1"/>
-          </a:fillRef>
-          <a:effectRef idx="0">
-            <a:schemeClr val="accent1"/>
-          </a:effectRef>
-          <a:fontRef idx="minor">
-            <a:schemeClr val="tx1"/>
-          </a:fontRef>
-        </p:style>
-      </p:cxnSp>
-      <p:cxnSp>
-        <p:nvCxnSpPr>
-          <p:cNvPr id="20" name="Straight Arrow Connector 19">
-            <a:extLst>
-              <a:ext uri="{FF2B5EF4-FFF2-40B4-BE49-F238E27FC236}">
-                <a16:creationId xmlns:a16="http://schemas.microsoft.com/office/drawing/2014/main" id="{462284F7-5E4F-CD46-A5EB-ED0AC1E01AA1}"/>
-              </a:ext>
-            </a:extLst>
-          </p:cNvPr>
-          <p:cNvCxnSpPr>
-            <a:stCxn id="8" idx="3"/>
-            <a:endCxn id="10" idx="1"/>
-          </p:cNvCxnSpPr>
-          <p:nvPr/>
-        </p:nvCxnSpPr>
-        <p:spPr>
-          <a:xfrm>
-            <a:off x="6665499" y="2585787"/>
-            <a:ext cx="1660355" cy="0"/>
-          </a:xfrm>
-          <a:prstGeom prst="straightConnector1">
-            <a:avLst/>
-          </a:prstGeom>
-          <a:ln>
-            <a:tailEnd type="triangle"/>
-          </a:ln>
-        </p:spPr>
-        <p:style>
-          <a:lnRef idx="1">
-            <a:schemeClr val="accent1"/>
-          </a:lnRef>
-          <a:fillRef idx="0">
-            <a:schemeClr val="accent1"/>
-          </a:fillRef>
-          <a:effectRef idx="0">
-            <a:schemeClr val="accent1"/>
-          </a:effectRef>
-          <a:fontRef idx="minor">
-            <a:schemeClr val="tx1"/>
-          </a:fontRef>
-        </p:style>
-      </p:cxnSp>
-      <p:cxnSp>
-        <p:nvCxnSpPr>
-          <p:cNvPr id="22" name="Straight Arrow Connector 21">
-            <a:extLst>
-              <a:ext uri="{FF2B5EF4-FFF2-40B4-BE49-F238E27FC236}">
-                <a16:creationId xmlns:a16="http://schemas.microsoft.com/office/drawing/2014/main" id="{DB21C3A6-58E4-C44B-8832-11F99F7F0E79}"/>
-              </a:ext>
-            </a:extLst>
-          </p:cNvPr>
-          <p:cNvCxnSpPr>
-            <a:stCxn id="10" idx="2"/>
-            <a:endCxn id="11" idx="0"/>
-          </p:cNvCxnSpPr>
-          <p:nvPr/>
-        </p:nvCxnSpPr>
-        <p:spPr>
-          <a:xfrm>
-            <a:off x="9312444" y="2880561"/>
-            <a:ext cx="0" cy="1002131"/>
-          </a:xfrm>
-          <a:prstGeom prst="straightConnector1">
-            <a:avLst/>
-          </a:prstGeom>
-          <a:ln>
-            <a:tailEnd type="triangle"/>
-          </a:ln>
-        </p:spPr>
-        <p:style>
-          <a:lnRef idx="1">
-            <a:schemeClr val="accent1"/>
-          </a:lnRef>
-          <a:fillRef idx="0">
-            <a:schemeClr val="accent1"/>
-          </a:fillRef>
-          <a:effectRef idx="0">
-            <a:schemeClr val="accent1"/>
-          </a:effectRef>
-          <a:fontRef idx="minor">
-            <a:schemeClr val="tx1"/>
-          </a:fontRef>
-        </p:style>
-      </p:cxnSp>
-      <p:cxnSp>
-        <p:nvCxnSpPr>
-          <p:cNvPr id="24" name="Straight Arrow Connector 23">
-            <a:extLst>
-              <a:ext uri="{FF2B5EF4-FFF2-40B4-BE49-F238E27FC236}">
-                <a16:creationId xmlns:a16="http://schemas.microsoft.com/office/drawing/2014/main" id="{4B837B2B-122C-0447-B122-3371E8DDDA37}"/>
-              </a:ext>
-            </a:extLst>
-          </p:cNvPr>
-          <p:cNvCxnSpPr>
-            <a:stCxn id="11" idx="2"/>
-            <a:endCxn id="12" idx="0"/>
-          </p:cNvCxnSpPr>
-          <p:nvPr/>
-        </p:nvCxnSpPr>
-        <p:spPr>
-          <a:xfrm>
-            <a:off x="9312444" y="4472240"/>
-            <a:ext cx="0" cy="761499"/>
-          </a:xfrm>
-          <a:prstGeom prst="straightConnector1">
-            <a:avLst/>
-          </a:prstGeom>
-          <a:ln>
-            <a:tailEnd type="triangle"/>
-          </a:ln>
-        </p:spPr>
-        <p:style>
-          <a:lnRef idx="1">
-            <a:schemeClr val="accent1"/>
-          </a:lnRef>
-          <a:fillRef idx="0">
-            <a:schemeClr val="accent1"/>
-          </a:fillRef>
-          <a:effectRef idx="0">
-            <a:schemeClr val="accent1"/>
-          </a:effectRef>
-          <a:fontRef idx="minor">
-            <a:schemeClr val="tx1"/>
-          </a:fontRef>
-        </p:style>
-      </p:cxnSp>
+              <a:t>ser: chibm</a:t>
+            </a:r>
+          </a:p>
+        </p:txBody>
+      </p:sp>
     </p:spTree>
     <p:extLst>
       <p:ext uri="{BB962C8B-B14F-4D97-AF65-F5344CB8AC3E}">
-        <p14:creationId xmlns:p14="http://schemas.microsoft.com/office/powerpoint/2010/main" val="2709767502"/>
+        <p14:creationId xmlns:p14="http://schemas.microsoft.com/office/powerpoint/2010/main" val="340404077"/>
       </p:ext>
     </p:extLst>
   </p:cSld>
@@ -3893,7 +3634,7 @@
         </p:nvSpPr>
         <p:spPr>
           <a:xfrm>
-            <a:off x="15260034" y="2399297"/>
+            <a:off x="4692320" y="2291013"/>
             <a:ext cx="1973179" cy="589548"/>
           </a:xfrm>
           <a:prstGeom prst="rect">
@@ -3987,7 +3728,7 @@
         </p:nvSpPr>
         <p:spPr>
           <a:xfrm>
-            <a:off x="18893568" y="2399297"/>
+            <a:off x="8325854" y="2291013"/>
             <a:ext cx="1973179" cy="589548"/>
           </a:xfrm>
           <a:prstGeom prst="rect">
@@ -4034,7 +3775,7 @@
         </p:nvSpPr>
         <p:spPr>
           <a:xfrm>
-            <a:off x="18893568" y="3990976"/>
+            <a:off x="8325854" y="3882692"/>
             <a:ext cx="1973179" cy="589548"/>
           </a:xfrm>
           <a:prstGeom prst="rect">
@@ -4081,7 +3822,7 @@
         </p:nvSpPr>
         <p:spPr>
           <a:xfrm>
-            <a:off x="18893568" y="5342023"/>
+            <a:off x="8325854" y="5233739"/>
             <a:ext cx="1973179" cy="589548"/>
           </a:xfrm>
           <a:prstGeom prst="rect">
@@ -4128,7 +3869,7 @@
         </p:nvSpPr>
         <p:spPr>
           <a:xfrm>
-            <a:off x="16920389" y="1102392"/>
+            <a:off x="6352675" y="994108"/>
             <a:ext cx="1973179" cy="589548"/>
           </a:xfrm>
           <a:prstGeom prst="rect">
@@ -4175,7 +3916,7 @@
         </p:nvSpPr>
         <p:spPr>
           <a:xfrm>
-            <a:off x="14269431" y="926431"/>
+            <a:off x="3701717" y="818147"/>
             <a:ext cx="7271083" cy="2502569"/>
           </a:xfrm>
           <a:prstGeom prst="rect">
@@ -4224,7 +3965,7 @@
         <p:spPr>
           <a:xfrm>
             <a:off x="2879556" y="2585787"/>
-            <a:ext cx="12380478" cy="108284"/>
+            <a:ext cx="1812764" cy="0"/>
           </a:xfrm>
           <a:prstGeom prst="straightConnector1">
             <a:avLst/>
@@ -4265,7 +4006,7 @@
         </p:nvCxnSpPr>
         <p:spPr>
           <a:xfrm>
-            <a:off x="17233213" y="2694071"/>
+            <a:off x="6665499" y="2585787"/>
             <a:ext cx="1660355" cy="0"/>
           </a:xfrm>
           <a:prstGeom prst="straightConnector1">
@@ -4307,7 +4048,7 @@
         </p:nvCxnSpPr>
         <p:spPr>
           <a:xfrm>
-            <a:off x="19880158" y="2988845"/>
+            <a:off x="9312444" y="2880561"/>
             <a:ext cx="0" cy="1002131"/>
           </a:xfrm>
           <a:prstGeom prst="straightConnector1">
@@ -4349,7 +4090,7 @@
         </p:nvCxnSpPr>
         <p:spPr>
           <a:xfrm>
-            <a:off x="19880158" y="4580524"/>
+            <a:off x="9312444" y="4472240"/>
             <a:ext cx="0" cy="761499"/>
           </a:xfrm>
           <a:prstGeom prst="straightConnector1">
@@ -4374,185 +4115,16 @@
           </a:fontRef>
         </p:style>
       </p:cxnSp>
-      <p:sp>
-        <p:nvSpPr>
-          <p:cNvPr id="5" name="TextBox 4">
-            <a:extLst>
-              <a:ext uri="{FF2B5EF4-FFF2-40B4-BE49-F238E27FC236}">
-                <a16:creationId xmlns:a16="http://schemas.microsoft.com/office/drawing/2014/main" id="{AE6793AC-2A95-744B-B0C7-A0DB0E01A616}"/>
-              </a:ext>
-            </a:extLst>
-          </p:cNvPr>
-          <p:cNvSpPr txBox="1"/>
-          <p:nvPr/>
-        </p:nvSpPr>
-        <p:spPr>
-          <a:xfrm>
-            <a:off x="1360448" y="3166744"/>
-            <a:ext cx="4973437" cy="1200329"/>
-          </a:xfrm>
-          <a:prstGeom prst="rect">
-            <a:avLst/>
-          </a:prstGeom>
-          <a:noFill/>
-        </p:spPr>
-        <p:txBody>
-          <a:bodyPr wrap="square" rtlCol="0">
-            <a:spAutoFit/>
-          </a:bodyPr>
-          <a:lstStyle/>
-          <a:p>
-            <a:pPr marL="285750" indent="-285750">
-              <a:buFontTx/>
-              <a:buChar char="-"/>
-            </a:pPr>
-            <a:r>
-              <a:rPr lang="en-GB" dirty="0" err="1"/>
-              <a:t>Chứa</a:t>
-            </a:r>
-            <a:r>
-              <a:rPr lang="en-GB" dirty="0"/>
-              <a:t> </a:t>
-            </a:r>
-            <a:r>
-              <a:rPr lang="en-GB" dirty="0" err="1"/>
-              <a:t>thông</a:t>
-            </a:r>
-            <a:r>
-              <a:rPr lang="en-GB" dirty="0"/>
-              <a:t> tin </a:t>
-            </a:r>
-            <a:r>
-              <a:rPr lang="en-GB" dirty="0" err="1"/>
-              <a:t>của</a:t>
-            </a:r>
-            <a:r>
-              <a:rPr lang="en-GB" dirty="0"/>
-              <a:t> </a:t>
-            </a:r>
-            <a:r>
-              <a:rPr lang="en-GB" dirty="0" err="1"/>
-              <a:t>bệnh</a:t>
-            </a:r>
-            <a:r>
-              <a:rPr lang="en-GB" dirty="0"/>
-              <a:t> </a:t>
-            </a:r>
-            <a:r>
-              <a:rPr lang="en-GB" dirty="0" err="1"/>
-              <a:t>nhân</a:t>
-            </a:r>
-            <a:r>
-              <a:rPr lang="en-GB" dirty="0"/>
-              <a:t> </a:t>
-            </a:r>
-            <a:r>
-              <a:rPr lang="en-GB" dirty="0" err="1"/>
-              <a:t>mắc</a:t>
-            </a:r>
-            <a:r>
-              <a:rPr lang="en-GB" dirty="0"/>
-              <a:t> </a:t>
-            </a:r>
-            <a:r>
-              <a:rPr lang="en-GB" dirty="0" err="1"/>
-              <a:t>bệnh</a:t>
-            </a:r>
-            <a:r>
-              <a:rPr lang="en-GB" dirty="0"/>
-              <a:t> </a:t>
-            </a:r>
-            <a:r>
-              <a:rPr lang="en-GB" dirty="0" err="1"/>
-              <a:t>tim</a:t>
-            </a:r>
-            <a:endParaRPr lang="en-GB" dirty="0"/>
-          </a:p>
-          <a:p>
-            <a:pPr marL="285750" indent="-285750">
-              <a:buFontTx/>
-              <a:buChar char="-"/>
-            </a:pPr>
-            <a:r>
-              <a:rPr lang="en-GB" dirty="0"/>
-              <a:t>D</a:t>
-            </a:r>
-            <a:r>
-              <a:rPr lang="en-VN" dirty="0"/>
-              <a:t>ạng csv</a:t>
-            </a:r>
-          </a:p>
-          <a:p>
-            <a:pPr marL="285750" indent="-285750">
-              <a:buFontTx/>
-              <a:buChar char="-"/>
-            </a:pPr>
-            <a:r>
-              <a:rPr lang="en-GB" dirty="0" err="1"/>
-              <a:t>Chứa</a:t>
-            </a:r>
-            <a:r>
-              <a:rPr lang="en-GB" dirty="0"/>
-              <a:t> 70.000 record</a:t>
-            </a:r>
-          </a:p>
-          <a:p>
-            <a:endParaRPr lang="en-VN" dirty="0"/>
-          </a:p>
-        </p:txBody>
-      </p:sp>
-      <p:pic>
-        <p:nvPicPr>
-          <p:cNvPr id="7" name="Picture 6">
-            <a:extLst>
-              <a:ext uri="{FF2B5EF4-FFF2-40B4-BE49-F238E27FC236}">
-                <a16:creationId xmlns:a16="http://schemas.microsoft.com/office/drawing/2014/main" id="{8B3D455C-B1A7-5E42-B7CC-E3757FB61C96}"/>
-              </a:ext>
-            </a:extLst>
-          </p:cNvPr>
-          <p:cNvPicPr>
-            <a:picLocks noChangeAspect="1"/>
-          </p:cNvPicPr>
-          <p:nvPr/>
-        </p:nvPicPr>
-        <p:blipFill>
-          <a:blip r:embed="rId2"/>
-          <a:stretch>
-            <a:fillRect/>
-          </a:stretch>
-        </p:blipFill>
-        <p:spPr>
-          <a:xfrm>
-            <a:off x="390293" y="4480380"/>
-            <a:ext cx="7593974" cy="961786"/>
-          </a:xfrm>
-          <a:prstGeom prst="rect">
-            <a:avLst/>
-          </a:prstGeom>
-        </p:spPr>
-      </p:pic>
     </p:spTree>
     <p:extLst>
       <p:ext uri="{BB962C8B-B14F-4D97-AF65-F5344CB8AC3E}">
-        <p14:creationId xmlns:p14="http://schemas.microsoft.com/office/powerpoint/2010/main" val="460254022"/>
+        <p14:creationId xmlns:p14="http://schemas.microsoft.com/office/powerpoint/2010/main" val="2709767502"/>
       </p:ext>
     </p:extLst>
   </p:cSld>
   <p:clrMapOvr>
     <a:masterClrMapping/>
   </p:clrMapOvr>
-  <mc:AlternateContent xmlns:mc="http://schemas.openxmlformats.org/markup-compatibility/2006" xmlns:p159="http://schemas.microsoft.com/office/powerpoint/2015/09/main">
-    <mc:Choice Requires="p159">
-      <p:transition xmlns:p14="http://schemas.microsoft.com/office/powerpoint/2010/main" spd="slow" p14:dur="2000">
-        <p159:morph option="byObject"/>
-      </p:transition>
-    </mc:Choice>
-    <mc:Fallback xmlns="">
-      <p:transition spd="slow">
-        <p:fade/>
-      </p:transition>
-    </mc:Fallback>
-  </mc:AlternateContent>
 </p:sld>
 </file>
 
@@ -4587,7 +4159,7 @@
         </p:nvSpPr>
         <p:spPr>
           <a:xfrm>
-            <a:off x="4616120" y="2291013"/>
+            <a:off x="15260034" y="2399297"/>
             <a:ext cx="1973179" cy="589548"/>
           </a:xfrm>
           <a:prstGeom prst="rect">
@@ -4614,23 +4186,8 @@
           <a:p>
             <a:pPr algn="ctr"/>
             <a:r>
-              <a:rPr lang="en-GB" dirty="0"/>
-              <a:t>K</a:t>
-            </a:r>
-            <a:r>
               <a:rPr lang="en-VN" dirty="0"/>
-              <a:t>afka</a:t>
-            </a:r>
-          </a:p>
-          <a:p>
-            <a:pPr algn="ctr"/>
-            <a:r>
-              <a:rPr lang="en-GB" sz="1050" dirty="0"/>
-              <a:t>S</a:t>
-            </a:r>
-            <a:r>
-              <a:rPr lang="en-VN" sz="1050" dirty="0"/>
-              <a:t>erver:172.17.80.22</a:t>
+              <a:t>kafka</a:t>
             </a:r>
           </a:p>
         </p:txBody>
@@ -4676,23 +4233,8 @@
           <a:p>
             <a:pPr algn="ctr"/>
             <a:r>
-              <a:rPr lang="en-GB" dirty="0"/>
-              <a:t>D</a:t>
-            </a:r>
-            <a:r>
               <a:rPr lang="en-VN" dirty="0"/>
-              <a:t>ata</a:t>
-            </a:r>
-          </a:p>
-          <a:p>
-            <a:pPr algn="ctr"/>
-            <a:r>
-              <a:rPr lang="en-GB" sz="1050" dirty="0"/>
-              <a:t>S</a:t>
-            </a:r>
-            <a:r>
-              <a:rPr lang="en-VN" sz="1050" dirty="0"/>
-              <a:t>erver:172.17.80.23</a:t>
+              <a:t>data</a:t>
             </a:r>
           </a:p>
         </p:txBody>
@@ -4711,7 +4253,7 @@
         </p:nvSpPr>
         <p:spPr>
           <a:xfrm>
-            <a:off x="17683214" y="2199573"/>
+            <a:off x="18893568" y="2399297"/>
             <a:ext cx="1973179" cy="589548"/>
           </a:xfrm>
           <a:prstGeom prst="rect">
@@ -4742,17 +4284,6 @@
               <a:t>SparkStreaming</a:t>
             </a:r>
           </a:p>
-          <a:p>
-            <a:pPr algn="ctr"/>
-            <a:r>
-              <a:rPr lang="en-GB" sz="1050" dirty="0"/>
-              <a:t>S</a:t>
-            </a:r>
-            <a:r>
-              <a:rPr lang="en-VN" sz="1050" dirty="0"/>
-              <a:t>erver:172.17.80.21</a:t>
-            </a:r>
-          </a:p>
         </p:txBody>
       </p:sp>
       <p:sp>
@@ -4769,7 +4300,7 @@
         </p:nvSpPr>
         <p:spPr>
           <a:xfrm>
-            <a:off x="17683214" y="3791252"/>
+            <a:off x="18893568" y="3990976"/>
             <a:ext cx="1973179" cy="589548"/>
           </a:xfrm>
           <a:prstGeom prst="rect">
@@ -4796,23 +4327,8 @@
           <a:p>
             <a:pPr algn="ctr"/>
             <a:r>
-              <a:rPr lang="en-GB" dirty="0"/>
-              <a:t>P</a:t>
-            </a:r>
-            <a:r>
               <a:rPr lang="en-VN" dirty="0"/>
-              <a:t>ostgres</a:t>
-            </a:r>
-          </a:p>
-          <a:p>
-            <a:pPr algn="ctr"/>
-            <a:r>
-              <a:rPr lang="en-GB" sz="1050" dirty="0"/>
-              <a:t>S</a:t>
-            </a:r>
-            <a:r>
-              <a:rPr lang="en-VN" sz="1050" dirty="0"/>
-              <a:t>erver:172.17.80.23</a:t>
+              <a:t>postgres</a:t>
             </a:r>
           </a:p>
         </p:txBody>
@@ -4831,7 +4347,7 @@
         </p:nvSpPr>
         <p:spPr>
           <a:xfrm>
-            <a:off x="17683214" y="5142299"/>
+            <a:off x="18893568" y="5342023"/>
             <a:ext cx="1973179" cy="589548"/>
           </a:xfrm>
           <a:prstGeom prst="rect">
@@ -4858,23 +4374,8 @@
           <a:p>
             <a:pPr algn="ctr"/>
             <a:r>
-              <a:rPr lang="en-GB" dirty="0"/>
-              <a:t>S</a:t>
-            </a:r>
-            <a:r>
               <a:rPr lang="en-VN" dirty="0"/>
-              <a:t>uperset</a:t>
-            </a:r>
-          </a:p>
-          <a:p>
-            <a:pPr algn="ctr"/>
-            <a:r>
-              <a:rPr lang="en-GB" sz="1050" dirty="0"/>
-              <a:t>S</a:t>
-            </a:r>
-            <a:r>
-              <a:rPr lang="en-VN" sz="1050" dirty="0"/>
-              <a:t>erver:172.17.80.24</a:t>
+              <a:t>superset</a:t>
             </a:r>
           </a:p>
         </p:txBody>
@@ -4893,7 +4394,7 @@
         </p:nvSpPr>
         <p:spPr>
           <a:xfrm>
-            <a:off x="15710035" y="902668"/>
+            <a:off x="16920389" y="1102392"/>
             <a:ext cx="1973179" cy="589548"/>
           </a:xfrm>
           <a:prstGeom prst="rect">
@@ -4920,23 +4421,8 @@
           <a:p>
             <a:pPr algn="ctr"/>
             <a:r>
-              <a:rPr lang="en-GB" dirty="0"/>
-              <a:t>A</a:t>
-            </a:r>
-            <a:r>
               <a:rPr lang="en-VN" dirty="0"/>
-              <a:t>irflow</a:t>
-            </a:r>
-          </a:p>
-          <a:p>
-            <a:pPr algn="ctr"/>
-            <a:r>
-              <a:rPr lang="en-GB" sz="1050" dirty="0"/>
-              <a:t>S</a:t>
-            </a:r>
-            <a:r>
-              <a:rPr lang="en-VN" sz="1050" dirty="0"/>
-              <a:t>erver:172.17.80.23</a:t>
+              <a:t>airflow</a:t>
             </a:r>
           </a:p>
         </p:txBody>
@@ -4955,7 +4441,7 @@
         </p:nvSpPr>
         <p:spPr>
           <a:xfrm>
-            <a:off x="13059077" y="726707"/>
+            <a:off x="14269431" y="926431"/>
             <a:ext cx="7271083" cy="2502569"/>
           </a:xfrm>
           <a:prstGeom prst="rect">
@@ -4986,6 +4472,48 @@
           </a:p>
         </p:txBody>
       </p:sp>
+      <p:cxnSp>
+        <p:nvCxnSpPr>
+          <p:cNvPr id="18" name="Straight Arrow Connector 17">
+            <a:extLst>
+              <a:ext uri="{FF2B5EF4-FFF2-40B4-BE49-F238E27FC236}">
+                <a16:creationId xmlns:a16="http://schemas.microsoft.com/office/drawing/2014/main" id="{0863FC5E-65CF-A040-BB94-59DF1EDBD3C5}"/>
+              </a:ext>
+            </a:extLst>
+          </p:cNvPr>
+          <p:cNvCxnSpPr>
+            <a:stCxn id="9" idx="3"/>
+            <a:endCxn id="8" idx="1"/>
+          </p:cNvCxnSpPr>
+          <p:nvPr/>
+        </p:nvCxnSpPr>
+        <p:spPr>
+          <a:xfrm>
+            <a:off x="2879556" y="2585787"/>
+            <a:ext cx="12380478" cy="108284"/>
+          </a:xfrm>
+          <a:prstGeom prst="straightConnector1">
+            <a:avLst/>
+          </a:prstGeom>
+          <a:ln>
+            <a:tailEnd type="triangle"/>
+          </a:ln>
+        </p:spPr>
+        <p:style>
+          <a:lnRef idx="1">
+            <a:schemeClr val="accent1"/>
+          </a:lnRef>
+          <a:fillRef idx="0">
+            <a:schemeClr val="accent1"/>
+          </a:fillRef>
+          <a:effectRef idx="0">
+            <a:schemeClr val="accent1"/>
+          </a:effectRef>
+          <a:fontRef idx="minor">
+            <a:schemeClr val="tx1"/>
+          </a:fontRef>
+        </p:style>
+      </p:cxnSp>
       <p:cxnSp>
         <p:nvCxnSpPr>
           <p:cNvPr id="20" name="Straight Arrow Connector 19">
@@ -5002,9 +4530,9 @@
           <p:nvPr/>
         </p:nvCxnSpPr>
         <p:spPr>
-          <a:xfrm flipV="1">
-            <a:off x="6589299" y="2494347"/>
-            <a:ext cx="11093915" cy="91440"/>
+          <a:xfrm>
+            <a:off x="17233213" y="2694071"/>
+            <a:ext cx="1660355" cy="0"/>
           </a:xfrm>
           <a:prstGeom prst="straightConnector1">
             <a:avLst/>
@@ -5045,7 +4573,7 @@
         </p:nvCxnSpPr>
         <p:spPr>
           <a:xfrm>
-            <a:off x="18669804" y="2789121"/>
+            <a:off x="19880158" y="2988845"/>
             <a:ext cx="0" cy="1002131"/>
           </a:xfrm>
           <a:prstGeom prst="straightConnector1">
@@ -5087,7 +4615,7 @@
         </p:nvCxnSpPr>
         <p:spPr>
           <a:xfrm>
-            <a:off x="18669804" y="4380800"/>
+            <a:off x="19880158" y="4580524"/>
             <a:ext cx="0" cy="761499"/>
           </a:xfrm>
           <a:prstGeom prst="straightConnector1">
@@ -5112,57 +4640,12 @@
           </a:fontRef>
         </p:style>
       </p:cxnSp>
-      <p:cxnSp>
-        <p:nvCxnSpPr>
-          <p:cNvPr id="30" name="Elbow Connector 29">
-            <a:extLst>
-              <a:ext uri="{FF2B5EF4-FFF2-40B4-BE49-F238E27FC236}">
-                <a16:creationId xmlns:a16="http://schemas.microsoft.com/office/drawing/2014/main" id="{E3DE21D0-7227-2C4F-AF31-E3401606CD31}"/>
-              </a:ext>
-            </a:extLst>
-          </p:cNvPr>
-          <p:cNvCxnSpPr>
-            <a:cxnSpLocks/>
-            <a:stCxn id="9" idx="2"/>
-            <a:endCxn id="8" idx="2"/>
-          </p:cNvCxnSpPr>
-          <p:nvPr/>
-        </p:nvCxnSpPr>
-        <p:spPr>
-          <a:xfrm rot="16200000" flipH="1">
-            <a:off x="3747838" y="1025689"/>
-            <a:ext cx="12700" cy="3709743"/>
-          </a:xfrm>
-          <a:prstGeom prst="bentConnector3">
-            <a:avLst>
-              <a:gd name="adj1" fmla="val 10080008"/>
-            </a:avLst>
-          </a:prstGeom>
-          <a:ln>
-            <a:tailEnd type="triangle"/>
-          </a:ln>
-        </p:spPr>
-        <p:style>
-          <a:lnRef idx="1">
-            <a:schemeClr val="accent1"/>
-          </a:lnRef>
-          <a:fillRef idx="0">
-            <a:schemeClr val="accent1"/>
-          </a:fillRef>
-          <a:effectRef idx="0">
-            <a:schemeClr val="accent1"/>
-          </a:effectRef>
-          <a:fontRef idx="minor">
-            <a:schemeClr val="tx1"/>
-          </a:fontRef>
-        </p:style>
-      </p:cxnSp>
-      <p:sp>
-        <p:nvSpPr>
-          <p:cNvPr id="42" name="TextBox 41">
-            <a:extLst>
-              <a:ext uri="{FF2B5EF4-FFF2-40B4-BE49-F238E27FC236}">
-                <a16:creationId xmlns:a16="http://schemas.microsoft.com/office/drawing/2014/main" id="{0895D6ED-8CB9-FD48-97D2-ADCB1BFEB459}"/>
+      <p:sp>
+        <p:nvSpPr>
+          <p:cNvPr id="5" name="TextBox 4">
+            <a:extLst>
+              <a:ext uri="{FF2B5EF4-FFF2-40B4-BE49-F238E27FC236}">
+                <a16:creationId xmlns:a16="http://schemas.microsoft.com/office/drawing/2014/main" id="{AE6793AC-2A95-744B-B0C7-A0DB0E01A616}"/>
               </a:ext>
             </a:extLst>
           </p:cNvPr>
@@ -5171,8 +4654,8 @@
         </p:nvSpPr>
         <p:spPr>
           <a:xfrm>
-            <a:off x="1389286" y="4254887"/>
-            <a:ext cx="5200013" cy="369332"/>
+            <a:off x="1360448" y="3166744"/>
+            <a:ext cx="4973437" cy="1200329"/>
           </a:xfrm>
           <a:prstGeom prst="rect">
             <a:avLst/>
@@ -5180,22 +4663,144 @@
           <a:noFill/>
         </p:spPr>
         <p:txBody>
-          <a:bodyPr wrap="none" rtlCol="0">
+          <a:bodyPr wrap="square" rtlCol="0">
             <a:spAutoFit/>
           </a:bodyPr>
           <a:lstStyle/>
           <a:p>
+            <a:pPr marL="285750" indent="-285750">
+              <a:buFontTx/>
+              <a:buChar char="-"/>
+            </a:pPr>
+            <a:r>
+              <a:rPr lang="en-GB" dirty="0" err="1"/>
+              <a:t>Chứa</a:t>
+            </a:r>
+            <a:r>
+              <a:rPr lang="en-GB" dirty="0"/>
+              <a:t> </a:t>
+            </a:r>
+            <a:r>
+              <a:rPr lang="en-GB" dirty="0" err="1"/>
+              <a:t>thông</a:t>
+            </a:r>
+            <a:r>
+              <a:rPr lang="en-GB" dirty="0"/>
+              <a:t> tin </a:t>
+            </a:r>
+            <a:r>
+              <a:rPr lang="en-GB" dirty="0" err="1"/>
+              <a:t>của</a:t>
+            </a:r>
+            <a:r>
+              <a:rPr lang="en-GB" dirty="0"/>
+              <a:t> </a:t>
+            </a:r>
+            <a:r>
+              <a:rPr lang="en-GB" dirty="0" err="1"/>
+              <a:t>bệnh</a:t>
+            </a:r>
+            <a:r>
+              <a:rPr lang="en-GB" dirty="0"/>
+              <a:t> </a:t>
+            </a:r>
+            <a:r>
+              <a:rPr lang="en-GB" dirty="0" err="1"/>
+              <a:t>nhân</a:t>
+            </a:r>
+            <a:r>
+              <a:rPr lang="en-GB" dirty="0"/>
+              <a:t> </a:t>
+            </a:r>
+            <a:r>
+              <a:rPr lang="en-GB" dirty="0" err="1"/>
+              <a:t>mắc</a:t>
+            </a:r>
+            <a:r>
+              <a:rPr lang="en-GB" dirty="0"/>
+              <a:t> </a:t>
+            </a:r>
+            <a:r>
+              <a:rPr lang="en-GB" dirty="0" err="1"/>
+              <a:t>bệnh</a:t>
+            </a:r>
+            <a:r>
+              <a:rPr lang="en-GB" dirty="0"/>
+              <a:t> </a:t>
+            </a:r>
+            <a:r>
+              <a:rPr lang="en-GB" dirty="0" err="1"/>
+              <a:t>tim</a:t>
+            </a:r>
+            <a:endParaRPr lang="en-GB" dirty="0"/>
+          </a:p>
+          <a:p>
+            <a:pPr marL="285750" indent="-285750">
+              <a:buFontTx/>
+              <a:buChar char="-"/>
+            </a:pPr>
+            <a:r>
+              <a:rPr lang="en-GB" dirty="0"/>
+              <a:t>D</a:t>
+            </a:r>
             <a:r>
               <a:rPr lang="en-VN" dirty="0"/>
-              <a:t>- Producer.py -&gt; Đẩy data vào kafka, 250recods /1lần  </a:t>
-            </a:r>
-          </a:p>
-        </p:txBody>
-      </p:sp>
+              <a:t>ạng csv</a:t>
+            </a:r>
+          </a:p>
+          <a:p>
+            <a:pPr marL="285750" indent="-285750">
+              <a:buFontTx/>
+              <a:buChar char="-"/>
+            </a:pPr>
+            <a:r>
+              <a:rPr lang="en-GB" dirty="0" err="1"/>
+              <a:t>Chứa</a:t>
+            </a:r>
+            <a:r>
+              <a:rPr lang="en-GB" dirty="0"/>
+              <a:t> 70.000 record</a:t>
+            </a:r>
+          </a:p>
+          <a:p>
+            <a:endParaRPr lang="en-VN" dirty="0"/>
+          </a:p>
+        </p:txBody>
+      </p:sp>
+      <p:pic>
+        <p:nvPicPr>
+          <p:cNvPr id="7" name="Picture 6">
+            <a:extLst>
+              <a:ext uri="{FF2B5EF4-FFF2-40B4-BE49-F238E27FC236}">
+                <a16:creationId xmlns:a16="http://schemas.microsoft.com/office/drawing/2014/main" id="{8B3D455C-B1A7-5E42-B7CC-E3757FB61C96}"/>
+              </a:ext>
+            </a:extLst>
+          </p:cNvPr>
+          <p:cNvPicPr>
+            <a:picLocks noChangeAspect="1"/>
+          </p:cNvPicPr>
+          <p:nvPr/>
+        </p:nvPicPr>
+        <p:blipFill>
+          <a:blip r:embed="rId2"/>
+          <a:stretch>
+            <a:fillRect/>
+          </a:stretch>
+        </p:blipFill>
+        <p:spPr>
+          <a:xfrm>
+            <a:off x="390292" y="4480380"/>
+            <a:ext cx="9784477" cy="1239216"/>
+          </a:xfrm>
+          <a:prstGeom prst="rect">
+            <a:avLst/>
+          </a:prstGeom>
+        </p:spPr>
+      </p:pic>
     </p:spTree>
     <p:extLst>
       <p:ext uri="{BB962C8B-B14F-4D97-AF65-F5344CB8AC3E}">
-        <p14:creationId xmlns:p14="http://schemas.microsoft.com/office/powerpoint/2010/main" val="1123726690"/>
+        <p14:creationId xmlns:p14="http://schemas.microsoft.com/office/powerpoint/2010/main" val="460254022"/>
       </p:ext>
     </p:extLst>
   </p:cSld>
@@ -5372,7 +4977,7 @@
         </p:nvSpPr>
         <p:spPr>
           <a:xfrm>
-            <a:off x="8055120" y="2304991"/>
+            <a:off x="17683214" y="2199573"/>
             <a:ext cx="1973179" cy="589548"/>
           </a:xfrm>
           <a:prstGeom prst="rect">
@@ -5406,8 +5011,12 @@
           <a:p>
             <a:pPr algn="ctr"/>
             <a:r>
+              <a:rPr lang="en-GB" sz="1050" dirty="0"/>
+              <a:t>S</a:t>
+            </a:r>
+            <a:r>
               <a:rPr lang="en-VN" sz="1050" dirty="0"/>
-              <a:t>Server: 172.17.80.21</a:t>
+              <a:t>erver:172.17.80.21</a:t>
             </a:r>
           </a:p>
         </p:txBody>
@@ -5426,7 +5035,7 @@
         </p:nvSpPr>
         <p:spPr>
           <a:xfrm>
-            <a:off x="8055120" y="7469306"/>
+            <a:off x="17683214" y="3791252"/>
             <a:ext cx="1973179" cy="589548"/>
           </a:xfrm>
           <a:prstGeom prst="rect">
@@ -5488,7 +5097,7 @@
         </p:nvSpPr>
         <p:spPr>
           <a:xfrm>
-            <a:off x="8055120" y="8955567"/>
+            <a:off x="17683214" y="5142299"/>
             <a:ext cx="1973179" cy="589548"/>
           </a:xfrm>
           <a:prstGeom prst="rect">
@@ -5659,9 +5268,9 @@
           <p:nvPr/>
         </p:nvCxnSpPr>
         <p:spPr>
-          <a:xfrm>
-            <a:off x="6589299" y="2585787"/>
-            <a:ext cx="1465821" cy="13978"/>
+          <a:xfrm flipV="1">
+            <a:off x="6589299" y="2494347"/>
+            <a:ext cx="11093915" cy="91440"/>
           </a:xfrm>
           <a:prstGeom prst="straightConnector1">
             <a:avLst/>
@@ -5695,7 +5304,6 @@
             </a:extLst>
           </p:cNvPr>
           <p:cNvCxnSpPr>
-            <a:cxnSpLocks/>
             <a:stCxn id="10" idx="2"/>
             <a:endCxn id="11" idx="0"/>
           </p:cNvCxnSpPr>
@@ -5703,8 +5311,8 @@
         </p:nvCxnSpPr>
         <p:spPr>
           <a:xfrm>
-            <a:off x="9041710" y="2894539"/>
-            <a:ext cx="0" cy="4574767"/>
+            <a:off x="18669804" y="2789121"/>
+            <a:ext cx="0" cy="1002131"/>
           </a:xfrm>
           <a:prstGeom prst="straightConnector1">
             <a:avLst/>
@@ -5738,7 +5346,6 @@
             </a:extLst>
           </p:cNvPr>
           <p:cNvCxnSpPr>
-            <a:cxnSpLocks/>
             <a:stCxn id="11" idx="2"/>
             <a:endCxn id="12" idx="0"/>
           </p:cNvCxnSpPr>
@@ -5746,8 +5353,8 @@
         </p:nvCxnSpPr>
         <p:spPr>
           <a:xfrm>
-            <a:off x="9041710" y="8058854"/>
-            <a:ext cx="0" cy="896713"/>
+            <a:off x="18669804" y="4380800"/>
+            <a:ext cx="0" cy="761499"/>
           </a:xfrm>
           <a:prstGeom prst="straightConnector1">
             <a:avLst/>
@@ -5816,58 +5423,12 @@
           </a:fontRef>
         </p:style>
       </p:cxnSp>
-      <p:cxnSp>
-        <p:nvCxnSpPr>
-          <p:cNvPr id="26" name="Elbow Connector 25">
-            <a:extLst>
-              <a:ext uri="{FF2B5EF4-FFF2-40B4-BE49-F238E27FC236}">
-                <a16:creationId xmlns:a16="http://schemas.microsoft.com/office/drawing/2014/main" id="{4A3479A4-C2BC-3A41-937E-7E5158564ADD}"/>
-              </a:ext>
-            </a:extLst>
-          </p:cNvPr>
-          <p:cNvCxnSpPr>
-            <a:cxnSpLocks/>
-            <a:stCxn id="10" idx="0"/>
-            <a:endCxn id="10" idx="3"/>
-          </p:cNvCxnSpPr>
-          <p:nvPr/>
-        </p:nvCxnSpPr>
-        <p:spPr>
-          <a:xfrm rot="16200000" flipH="1">
-            <a:off x="9387617" y="1959084"/>
-            <a:ext cx="294774" cy="986589"/>
-          </a:xfrm>
-          <a:prstGeom prst="bentConnector4">
-            <a:avLst>
-              <a:gd name="adj1" fmla="val -77551"/>
-              <a:gd name="adj2" fmla="val 123171"/>
-            </a:avLst>
-          </a:prstGeom>
-          <a:ln>
-            <a:tailEnd type="triangle"/>
-          </a:ln>
-        </p:spPr>
-        <p:style>
-          <a:lnRef idx="1">
-            <a:schemeClr val="accent1"/>
-          </a:lnRef>
-          <a:fillRef idx="0">
-            <a:schemeClr val="accent1"/>
-          </a:fillRef>
-          <a:effectRef idx="0">
-            <a:schemeClr val="accent1"/>
-          </a:effectRef>
-          <a:fontRef idx="minor">
-            <a:schemeClr val="tx1"/>
-          </a:fontRef>
-        </p:style>
-      </p:cxnSp>
-      <p:sp>
-        <p:nvSpPr>
-          <p:cNvPr id="27" name="TextBox 26">
-            <a:extLst>
-              <a:ext uri="{FF2B5EF4-FFF2-40B4-BE49-F238E27FC236}">
-                <a16:creationId xmlns:a16="http://schemas.microsoft.com/office/drawing/2014/main" id="{6736214E-2D45-BD41-90D8-7B1C1341DDE1}"/>
+      <p:sp>
+        <p:nvSpPr>
+          <p:cNvPr id="42" name="TextBox 41">
+            <a:extLst>
+              <a:ext uri="{FF2B5EF4-FFF2-40B4-BE49-F238E27FC236}">
+                <a16:creationId xmlns:a16="http://schemas.microsoft.com/office/drawing/2014/main" id="{0895D6ED-8CB9-FD48-97D2-ADCB1BFEB459}"/>
               </a:ext>
             </a:extLst>
           </p:cNvPr>
@@ -5876,42 +5437,7 @@
         </p:nvSpPr>
         <p:spPr>
           <a:xfrm>
-            <a:off x="9535004" y="1671969"/>
-            <a:ext cx="2402541" cy="369332"/>
-          </a:xfrm>
-          <a:prstGeom prst="rect">
-            <a:avLst/>
-          </a:prstGeom>
-          <a:noFill/>
-        </p:spPr>
-        <p:txBody>
-          <a:bodyPr wrap="square" rtlCol="0">
-            <a:spAutoFit/>
-          </a:bodyPr>
-          <a:lstStyle/>
-          <a:p>
-            <a:r>
-              <a:rPr lang="en-VN" dirty="0"/>
-              <a:t>Submit trên yarn</a:t>
-            </a:r>
-          </a:p>
-        </p:txBody>
-      </p:sp>
-      <p:sp>
-        <p:nvSpPr>
-          <p:cNvPr id="31" name="TextBox 30">
-            <a:extLst>
-              <a:ext uri="{FF2B5EF4-FFF2-40B4-BE49-F238E27FC236}">
-                <a16:creationId xmlns:a16="http://schemas.microsoft.com/office/drawing/2014/main" id="{3A58371D-909A-424E-A53F-9C5A24D551BF}"/>
-              </a:ext>
-            </a:extLst>
-          </p:cNvPr>
-          <p:cNvSpPr txBox="1"/>
-          <p:nvPr/>
-        </p:nvSpPr>
-        <p:spPr>
-          <a:xfrm>
-            <a:off x="1389286" y="4242984"/>
+            <a:off x="1389286" y="4254887"/>
             <a:ext cx="5200013" cy="369332"/>
           </a:xfrm>
           <a:prstGeom prst="rect">
@@ -5935,7 +5461,7 @@
     </p:spTree>
     <p:extLst>
       <p:ext uri="{BB962C8B-B14F-4D97-AF65-F5344CB8AC3E}">
-        <p14:creationId xmlns:p14="http://schemas.microsoft.com/office/powerpoint/2010/main" val="1708545129"/>
+        <p14:creationId xmlns:p14="http://schemas.microsoft.com/office/powerpoint/2010/main" val="1123726690"/>
       </p:ext>
     </p:extLst>
   </p:cSld>
@@ -6146,22 +5672,80 @@
           <a:p>
             <a:pPr algn="ctr"/>
             <a:r>
+              <a:rPr lang="en-VN" sz="1050" dirty="0"/>
+              <a:t>Server: 172.17.80.21</a:t>
+            </a:r>
+          </a:p>
+        </p:txBody>
+      </p:sp>
+      <p:sp>
+        <p:nvSpPr>
+          <p:cNvPr id="11" name="Rectangle 10">
+            <a:extLst>
+              <a:ext uri="{FF2B5EF4-FFF2-40B4-BE49-F238E27FC236}">
+                <a16:creationId xmlns:a16="http://schemas.microsoft.com/office/drawing/2014/main" id="{254D086A-A645-9243-8098-083B9FB52FFA}"/>
+              </a:ext>
+            </a:extLst>
+          </p:cNvPr>
+          <p:cNvSpPr/>
+          <p:nvPr/>
+        </p:nvSpPr>
+        <p:spPr>
+          <a:xfrm>
+            <a:off x="8055120" y="7469306"/>
+            <a:ext cx="1973179" cy="589548"/>
+          </a:xfrm>
+          <a:prstGeom prst="rect">
+            <a:avLst/>
+          </a:prstGeom>
+        </p:spPr>
+        <p:style>
+          <a:lnRef idx="2">
+            <a:schemeClr val="accent3"/>
+          </a:lnRef>
+          <a:fillRef idx="1">
+            <a:schemeClr val="lt1"/>
+          </a:fillRef>
+          <a:effectRef idx="0">
+            <a:schemeClr val="accent3"/>
+          </a:effectRef>
+          <a:fontRef idx="minor">
+            <a:schemeClr val="dk1"/>
+          </a:fontRef>
+        </p:style>
+        <p:txBody>
+          <a:bodyPr rtlCol="0" anchor="ctr"/>
+          <a:lstStyle/>
+          <a:p>
+            <a:pPr algn="ctr"/>
+            <a:r>
+              <a:rPr lang="en-GB" dirty="0"/>
+              <a:t>P</a:t>
+            </a:r>
+            <a:r>
+              <a:rPr lang="en-VN" dirty="0"/>
+              <a:t>ostgres</a:t>
+            </a:r>
+          </a:p>
+          <a:p>
+            <a:pPr algn="ctr"/>
+            <a:r>
               <a:rPr lang="en-GB" sz="1050" dirty="0"/>
               <a:t>S</a:t>
             </a:r>
             <a:r>
               <a:rPr lang="en-VN" sz="1050" dirty="0"/>
-              <a:t>erver:172.17.80.21</a:t>
-            </a:r>
-          </a:p>
-        </p:txBody>
-      </p:sp>
-      <p:sp>
-        <p:nvSpPr>
-          <p:cNvPr id="11" name="Rectangle 10">
-            <a:extLst>
-              <a:ext uri="{FF2B5EF4-FFF2-40B4-BE49-F238E27FC236}">
-                <a16:creationId xmlns:a16="http://schemas.microsoft.com/office/drawing/2014/main" id="{254D086A-A645-9243-8098-083B9FB52FFA}"/>
+              <a:t>erver:172.17.80.23</a:t>
+            </a:r>
+          </a:p>
+        </p:txBody>
+      </p:sp>
+      <p:sp>
+        <p:nvSpPr>
+          <p:cNvPr id="12" name="Rectangle 11">
+            <a:extLst>
+              <a:ext uri="{FF2B5EF4-FFF2-40B4-BE49-F238E27FC236}">
+                <a16:creationId xmlns:a16="http://schemas.microsoft.com/office/drawing/2014/main" id="{290542B6-8C01-CC48-AF61-2701FEACF7D4}"/>
               </a:ext>
             </a:extLst>
           </p:cNvPr>
@@ -6170,7 +5754,7 @@
         </p:nvSpPr>
         <p:spPr>
           <a:xfrm>
-            <a:off x="8046412" y="3975918"/>
+            <a:off x="8055120" y="8955567"/>
             <a:ext cx="1973179" cy="589548"/>
           </a:xfrm>
           <a:prstGeom prst="rect">
@@ -6198,11 +5782,11 @@
             <a:pPr algn="ctr"/>
             <a:r>
               <a:rPr lang="en-GB" dirty="0"/>
-              <a:t>P</a:t>
+              <a:t>S</a:t>
             </a:r>
             <a:r>
               <a:rPr lang="en-VN" dirty="0"/>
-              <a:t>ostgres</a:t>
+              <a:t>uperset</a:t>
             </a:r>
           </a:p>
           <a:p>
@@ -6213,17 +5797,17 @@
             </a:r>
             <a:r>
               <a:rPr lang="en-VN" sz="1050" dirty="0"/>
-              <a:t>erver:172.17.80.23</a:t>
-            </a:r>
-          </a:p>
-        </p:txBody>
-      </p:sp>
-      <p:sp>
-        <p:nvSpPr>
-          <p:cNvPr id="12" name="Rectangle 11">
-            <a:extLst>
-              <a:ext uri="{FF2B5EF4-FFF2-40B4-BE49-F238E27FC236}">
-                <a16:creationId xmlns:a16="http://schemas.microsoft.com/office/drawing/2014/main" id="{290542B6-8C01-CC48-AF61-2701FEACF7D4}"/>
+              <a:t>erver:172.17.80.24</a:t>
+            </a:r>
+          </a:p>
+        </p:txBody>
+      </p:sp>
+      <p:sp>
+        <p:nvSpPr>
+          <p:cNvPr id="13" name="Rectangle 12">
+            <a:extLst>
+              <a:ext uri="{FF2B5EF4-FFF2-40B4-BE49-F238E27FC236}">
+                <a16:creationId xmlns:a16="http://schemas.microsoft.com/office/drawing/2014/main" id="{D3C01668-473F-6048-8978-EFA8BAAD061C}"/>
               </a:ext>
             </a:extLst>
           </p:cNvPr>
@@ -6232,7 +5816,7 @@
         </p:nvSpPr>
         <p:spPr>
           <a:xfrm>
-            <a:off x="8055120" y="8955567"/>
+            <a:off x="15710035" y="902668"/>
             <a:ext cx="1973179" cy="589548"/>
           </a:xfrm>
           <a:prstGeom prst="rect">
@@ -6259,53 +5843,6 @@
           <a:p>
             <a:pPr algn="ctr"/>
             <a:r>
-              <a:rPr lang="en-VN" dirty="0"/>
-              <a:t>superset</a:t>
-            </a:r>
-          </a:p>
-        </p:txBody>
-      </p:sp>
-      <p:sp>
-        <p:nvSpPr>
-          <p:cNvPr id="13" name="Rectangle 12">
-            <a:extLst>
-              <a:ext uri="{FF2B5EF4-FFF2-40B4-BE49-F238E27FC236}">
-                <a16:creationId xmlns:a16="http://schemas.microsoft.com/office/drawing/2014/main" id="{D3C01668-473F-6048-8978-EFA8BAAD061C}"/>
-              </a:ext>
-            </a:extLst>
-          </p:cNvPr>
-          <p:cNvSpPr/>
-          <p:nvPr/>
-        </p:nvSpPr>
-        <p:spPr>
-          <a:xfrm>
-            <a:off x="15710035" y="902668"/>
-            <a:ext cx="1973179" cy="589548"/>
-          </a:xfrm>
-          <a:prstGeom prst="rect">
-            <a:avLst/>
-          </a:prstGeom>
-        </p:spPr>
-        <p:style>
-          <a:lnRef idx="2">
-            <a:schemeClr val="accent3"/>
-          </a:lnRef>
-          <a:fillRef idx="1">
-            <a:schemeClr val="lt1"/>
-          </a:fillRef>
-          <a:effectRef idx="0">
-            <a:schemeClr val="accent3"/>
-          </a:effectRef>
-          <a:fontRef idx="minor">
-            <a:schemeClr val="dk1"/>
-          </a:fontRef>
-        </p:style>
-        <p:txBody>
-          <a:bodyPr rtlCol="0" anchor="ctr"/>
-          <a:lstStyle/>
-          <a:p>
-            <a:pPr algn="ctr"/>
-            <a:r>
               <a:rPr lang="en-GB" dirty="0"/>
               <a:t>A</a:t>
             </a:r>
@@ -6341,7 +5878,7 @@
         </p:nvSpPr>
         <p:spPr>
           <a:xfrm>
-            <a:off x="13578990" y="1946905"/>
+            <a:off x="13059077" y="726707"/>
             <a:ext cx="7271083" cy="2502569"/>
           </a:xfrm>
           <a:prstGeom prst="rect">
@@ -6431,9 +5968,9 @@
           <p:nvPr/>
         </p:nvCxnSpPr>
         <p:spPr>
-          <a:xfrm flipH="1">
-            <a:off x="9033002" y="2894539"/>
-            <a:ext cx="8708" cy="1081379"/>
+          <a:xfrm>
+            <a:off x="9041710" y="2894539"/>
+            <a:ext cx="0" cy="4574767"/>
           </a:xfrm>
           <a:prstGeom prst="straightConnector1">
             <a:avLst/>
@@ -6467,6 +6004,7 @@
             </a:extLst>
           </p:cNvPr>
           <p:cNvCxnSpPr>
+            <a:cxnSpLocks/>
             <a:stCxn id="11" idx="2"/>
             <a:endCxn id="12" idx="0"/>
           </p:cNvCxnSpPr>
@@ -6474,8 +6012,8 @@
         </p:nvCxnSpPr>
         <p:spPr>
           <a:xfrm>
-            <a:off x="9033002" y="4565466"/>
-            <a:ext cx="8708" cy="4390101"/>
+            <a:off x="9041710" y="8058854"/>
+            <a:ext cx="0" cy="896713"/>
           </a:xfrm>
           <a:prstGeom prst="straightConnector1">
             <a:avLst/>
@@ -6627,10 +6165,10 @@
       </p:sp>
       <p:sp>
         <p:nvSpPr>
-          <p:cNvPr id="19" name="TextBox 18">
-            <a:extLst>
-              <a:ext uri="{FF2B5EF4-FFF2-40B4-BE49-F238E27FC236}">
-                <a16:creationId xmlns:a16="http://schemas.microsoft.com/office/drawing/2014/main" id="{D3A82800-C4D1-4341-97DD-2E125CB309C9}"/>
+          <p:cNvPr id="31" name="TextBox 30">
+            <a:extLst>
+              <a:ext uri="{FF2B5EF4-FFF2-40B4-BE49-F238E27FC236}">
+                <a16:creationId xmlns:a16="http://schemas.microsoft.com/office/drawing/2014/main" id="{3A58371D-909A-424E-A53F-9C5A24D551BF}"/>
               </a:ext>
             </a:extLst>
           </p:cNvPr>
@@ -6639,7 +6177,7 @@
         </p:nvSpPr>
         <p:spPr>
           <a:xfrm>
-            <a:off x="1375740" y="4270692"/>
+            <a:off x="1389286" y="4242984"/>
             <a:ext cx="5200013" cy="369332"/>
           </a:xfrm>
           <a:prstGeom prst="rect">
@@ -6663,7 +6201,7 @@
     </p:spTree>
     <p:extLst>
       <p:ext uri="{BB962C8B-B14F-4D97-AF65-F5344CB8AC3E}">
-        <p14:creationId xmlns:p14="http://schemas.microsoft.com/office/powerpoint/2010/main" val="3710137496"/>
+        <p14:creationId xmlns:p14="http://schemas.microsoft.com/office/powerpoint/2010/main" val="1708545129"/>
       </p:ext>
     </p:extLst>
   </p:cSld>
@@ -6898,7 +6436,7 @@
         </p:nvSpPr>
         <p:spPr>
           <a:xfrm>
-            <a:off x="8055120" y="3510685"/>
+            <a:off x="8046412" y="3975918"/>
             <a:ext cx="1973179" cy="589548"/>
           </a:xfrm>
           <a:prstGeom prst="rect">
@@ -6990,6 +6528,113 @@
               <a:rPr lang="en-VN" dirty="0"/>
               <a:t>superset</a:t>
             </a:r>
+          </a:p>
+        </p:txBody>
+      </p:sp>
+      <p:sp>
+        <p:nvSpPr>
+          <p:cNvPr id="13" name="Rectangle 12">
+            <a:extLst>
+              <a:ext uri="{FF2B5EF4-FFF2-40B4-BE49-F238E27FC236}">
+                <a16:creationId xmlns:a16="http://schemas.microsoft.com/office/drawing/2014/main" id="{D3C01668-473F-6048-8978-EFA8BAAD061C}"/>
+              </a:ext>
+            </a:extLst>
+          </p:cNvPr>
+          <p:cNvSpPr/>
+          <p:nvPr/>
+        </p:nvSpPr>
+        <p:spPr>
+          <a:xfrm>
+            <a:off x="15710035" y="902668"/>
+            <a:ext cx="1973179" cy="589548"/>
+          </a:xfrm>
+          <a:prstGeom prst="rect">
+            <a:avLst/>
+          </a:prstGeom>
+        </p:spPr>
+        <p:style>
+          <a:lnRef idx="2">
+            <a:schemeClr val="accent3"/>
+          </a:lnRef>
+          <a:fillRef idx="1">
+            <a:schemeClr val="lt1"/>
+          </a:fillRef>
+          <a:effectRef idx="0">
+            <a:schemeClr val="accent3"/>
+          </a:effectRef>
+          <a:fontRef idx="minor">
+            <a:schemeClr val="dk1"/>
+          </a:fontRef>
+        </p:style>
+        <p:txBody>
+          <a:bodyPr rtlCol="0" anchor="ctr"/>
+          <a:lstStyle/>
+          <a:p>
+            <a:pPr algn="ctr"/>
+            <a:r>
+              <a:rPr lang="en-GB" dirty="0"/>
+              <a:t>A</a:t>
+            </a:r>
+            <a:r>
+              <a:rPr lang="en-VN" dirty="0"/>
+              <a:t>irflow</a:t>
+            </a:r>
+          </a:p>
+          <a:p>
+            <a:pPr algn="ctr"/>
+            <a:r>
+              <a:rPr lang="en-GB" sz="1050" dirty="0"/>
+              <a:t>S</a:t>
+            </a:r>
+            <a:r>
+              <a:rPr lang="en-VN" sz="1050" dirty="0"/>
+              <a:t>erver:172.17.80.23</a:t>
+            </a:r>
+          </a:p>
+        </p:txBody>
+      </p:sp>
+      <p:sp>
+        <p:nvSpPr>
+          <p:cNvPr id="14" name="Rectangle 13">
+            <a:extLst>
+              <a:ext uri="{FF2B5EF4-FFF2-40B4-BE49-F238E27FC236}">
+                <a16:creationId xmlns:a16="http://schemas.microsoft.com/office/drawing/2014/main" id="{588BF235-279F-F244-B6B0-4A8DA3D40667}"/>
+              </a:ext>
+            </a:extLst>
+          </p:cNvPr>
+          <p:cNvSpPr/>
+          <p:nvPr/>
+        </p:nvSpPr>
+        <p:spPr>
+          <a:xfrm>
+            <a:off x="13578990" y="1946905"/>
+            <a:ext cx="7271083" cy="2502569"/>
+          </a:xfrm>
+          <a:prstGeom prst="rect">
+            <a:avLst/>
+          </a:prstGeom>
+          <a:noFill/>
+        </p:spPr>
+        <p:style>
+          <a:lnRef idx="2">
+            <a:schemeClr val="accent3"/>
+          </a:lnRef>
+          <a:fillRef idx="1">
+            <a:schemeClr val="lt1"/>
+          </a:fillRef>
+          <a:effectRef idx="0">
+            <a:schemeClr val="accent3"/>
+          </a:effectRef>
+          <a:fontRef idx="minor">
+            <a:schemeClr val="dk1"/>
+          </a:fontRef>
+        </p:style>
+        <p:txBody>
+          <a:bodyPr rtlCol="0" anchor="ctr"/>
+          <a:lstStyle/>
+          <a:p>
+            <a:pPr algn="ctr"/>
+            <a:endParaRPr lang="en-VN" dirty="0"/>
           </a:p>
         </p:txBody>
       </p:sp>
@@ -7052,9 +6697,9 @@
           <p:nvPr/>
         </p:nvCxnSpPr>
         <p:spPr>
-          <a:xfrm>
-            <a:off x="9041710" y="2894539"/>
-            <a:ext cx="0" cy="616146"/>
+          <a:xfrm flipH="1">
+            <a:off x="9033002" y="2894539"/>
+            <a:ext cx="8708" cy="1081379"/>
           </a:xfrm>
           <a:prstGeom prst="straightConnector1">
             <a:avLst/>
@@ -7095,8 +6740,8 @@
         </p:nvCxnSpPr>
         <p:spPr>
           <a:xfrm>
-            <a:off x="9041710" y="4100233"/>
-            <a:ext cx="0" cy="4855334"/>
+            <a:off x="9033002" y="4565466"/>
+            <a:ext cx="8708" cy="4390101"/>
           </a:xfrm>
           <a:prstGeom prst="straightConnector1">
             <a:avLst/>
@@ -7143,7 +6788,7 @@
           </a:xfrm>
           <a:prstGeom prst="bentConnector3">
             <a:avLst>
-              <a:gd name="adj1" fmla="val 2059756"/>
+              <a:gd name="adj1" fmla="val 10080008"/>
             </a:avLst>
           </a:prstGeom>
           <a:ln>
@@ -7260,7 +6905,7 @@
         </p:nvSpPr>
         <p:spPr>
           <a:xfrm>
-            <a:off x="1389286" y="3215049"/>
+            <a:off x="1375740" y="4270692"/>
             <a:ext cx="5200013" cy="369332"/>
           </a:xfrm>
           <a:prstGeom prst="rect">
@@ -7281,240 +6926,10 @@
           </a:p>
         </p:txBody>
       </p:sp>
-      <p:sp>
-        <p:nvSpPr>
-          <p:cNvPr id="16" name="Rectangle 15">
-            <a:extLst>
-              <a:ext uri="{FF2B5EF4-FFF2-40B4-BE49-F238E27FC236}">
-                <a16:creationId xmlns:a16="http://schemas.microsoft.com/office/drawing/2014/main" id="{A10DE5CA-9120-734A-AB64-FFCCB2DD1091}"/>
-              </a:ext>
-            </a:extLst>
-          </p:cNvPr>
-          <p:cNvSpPr/>
-          <p:nvPr/>
-        </p:nvSpPr>
-        <p:spPr>
-          <a:xfrm>
-            <a:off x="620049" y="457200"/>
-            <a:ext cx="11317496" cy="4259179"/>
-          </a:xfrm>
-          <a:prstGeom prst="rect">
-            <a:avLst/>
-          </a:prstGeom>
-          <a:noFill/>
-        </p:spPr>
-        <p:style>
-          <a:lnRef idx="2">
-            <a:schemeClr val="accent3"/>
-          </a:lnRef>
-          <a:fillRef idx="1">
-            <a:schemeClr val="lt1"/>
-          </a:fillRef>
-          <a:effectRef idx="0">
-            <a:schemeClr val="accent3"/>
-          </a:effectRef>
-          <a:fontRef idx="minor">
-            <a:schemeClr val="dk1"/>
-          </a:fontRef>
-        </p:style>
-        <p:txBody>
-          <a:bodyPr rtlCol="0" anchor="ctr"/>
-          <a:lstStyle/>
-          <a:p>
-            <a:pPr algn="ctr"/>
-            <a:endParaRPr lang="en-VN" dirty="0"/>
-          </a:p>
-        </p:txBody>
-      </p:sp>
-      <p:sp>
-        <p:nvSpPr>
-          <p:cNvPr id="17" name="Rectangle 16">
-            <a:extLst>
-              <a:ext uri="{FF2B5EF4-FFF2-40B4-BE49-F238E27FC236}">
-                <a16:creationId xmlns:a16="http://schemas.microsoft.com/office/drawing/2014/main" id="{CDEFF98F-87F8-3246-BB80-DDBE2C61459E}"/>
-              </a:ext>
-            </a:extLst>
-          </p:cNvPr>
-          <p:cNvSpPr/>
-          <p:nvPr/>
-        </p:nvSpPr>
-        <p:spPr>
-          <a:xfrm>
-            <a:off x="5292207" y="620086"/>
-            <a:ext cx="1973179" cy="589548"/>
-          </a:xfrm>
-          <a:prstGeom prst="rect">
-            <a:avLst/>
-          </a:prstGeom>
-        </p:spPr>
-        <p:style>
-          <a:lnRef idx="2">
-            <a:schemeClr val="accent3"/>
-          </a:lnRef>
-          <a:fillRef idx="1">
-            <a:schemeClr val="lt1"/>
-          </a:fillRef>
-          <a:effectRef idx="0">
-            <a:schemeClr val="accent3"/>
-          </a:effectRef>
-          <a:fontRef idx="minor">
-            <a:schemeClr val="dk1"/>
-          </a:fontRef>
-        </p:style>
-        <p:txBody>
-          <a:bodyPr rtlCol="0" anchor="ctr"/>
-          <a:lstStyle/>
-          <a:p>
-            <a:pPr algn="ctr"/>
-            <a:r>
-              <a:rPr lang="en-GB" dirty="0"/>
-              <a:t>A</a:t>
-            </a:r>
-            <a:r>
-              <a:rPr lang="en-VN" dirty="0"/>
-              <a:t>irflow</a:t>
-            </a:r>
-          </a:p>
-          <a:p>
-            <a:pPr algn="ctr"/>
-            <a:r>
-              <a:rPr lang="en-GB" sz="1050" dirty="0"/>
-              <a:t>S</a:t>
-            </a:r>
-            <a:r>
-              <a:rPr lang="en-VN" sz="1050" dirty="0"/>
-              <a:t>erver:172.17.80.23</a:t>
-            </a:r>
-          </a:p>
-        </p:txBody>
-      </p:sp>
-      <p:cxnSp>
-        <p:nvCxnSpPr>
-          <p:cNvPr id="18" name="Elbow Connector 17">
-            <a:extLst>
-              <a:ext uri="{FF2B5EF4-FFF2-40B4-BE49-F238E27FC236}">
-                <a16:creationId xmlns:a16="http://schemas.microsoft.com/office/drawing/2014/main" id="{68F81480-1302-9141-9D8F-D1AFBEFBAE73}"/>
-              </a:ext>
-            </a:extLst>
-          </p:cNvPr>
-          <p:cNvCxnSpPr>
-            <a:stCxn id="17" idx="1"/>
-          </p:cNvCxnSpPr>
-          <p:nvPr/>
-        </p:nvCxnSpPr>
-        <p:spPr>
-          <a:xfrm rot="10800000" flipV="1">
-            <a:off x="3496963" y="914860"/>
-            <a:ext cx="1795245" cy="969054"/>
-          </a:xfrm>
-          <a:prstGeom prst="bentConnector3">
-            <a:avLst>
-              <a:gd name="adj1" fmla="val 99558"/>
-            </a:avLst>
-          </a:prstGeom>
-          <a:ln>
-            <a:tailEnd type="triangle"/>
-          </a:ln>
-        </p:spPr>
-        <p:style>
-          <a:lnRef idx="1">
-            <a:schemeClr val="accent1"/>
-          </a:lnRef>
-          <a:fillRef idx="0">
-            <a:schemeClr val="accent1"/>
-          </a:fillRef>
-          <a:effectRef idx="0">
-            <a:schemeClr val="accent1"/>
-          </a:effectRef>
-          <a:fontRef idx="minor">
-            <a:schemeClr val="tx1"/>
-          </a:fontRef>
-        </p:style>
-      </p:cxnSp>
-      <p:sp>
-        <p:nvSpPr>
-          <p:cNvPr id="21" name="TextBox 20">
-            <a:extLst>
-              <a:ext uri="{FF2B5EF4-FFF2-40B4-BE49-F238E27FC236}">
-                <a16:creationId xmlns:a16="http://schemas.microsoft.com/office/drawing/2014/main" id="{D7023DFD-1E48-344E-AF69-D998C67D079B}"/>
-              </a:ext>
-            </a:extLst>
-          </p:cNvPr>
-          <p:cNvSpPr txBox="1"/>
-          <p:nvPr/>
-        </p:nvSpPr>
-        <p:spPr>
-          <a:xfrm>
-            <a:off x="1347538" y="1126367"/>
-            <a:ext cx="2047355" cy="369332"/>
-          </a:xfrm>
-          <a:prstGeom prst="rect">
-            <a:avLst/>
-          </a:prstGeom>
-          <a:noFill/>
-        </p:spPr>
-        <p:txBody>
-          <a:bodyPr wrap="none" rtlCol="0">
-            <a:spAutoFit/>
-          </a:bodyPr>
-          <a:lstStyle/>
-          <a:p>
-            <a:r>
-              <a:rPr lang="en-VN" dirty="0"/>
-              <a:t>Lập lịch 1p gửi 1 lần</a:t>
-            </a:r>
-          </a:p>
-        </p:txBody>
-      </p:sp>
-      <p:sp>
-        <p:nvSpPr>
-          <p:cNvPr id="23" name="Rectangle 22">
-            <a:extLst>
-              <a:ext uri="{FF2B5EF4-FFF2-40B4-BE49-F238E27FC236}">
-                <a16:creationId xmlns:a16="http://schemas.microsoft.com/office/drawing/2014/main" id="{607FA9A2-F13F-AF4E-83CD-472C4A7D8ED9}"/>
-              </a:ext>
-            </a:extLst>
-          </p:cNvPr>
-          <p:cNvSpPr/>
-          <p:nvPr/>
-        </p:nvSpPr>
-        <p:spPr>
-          <a:xfrm>
-            <a:off x="778475" y="1883914"/>
-            <a:ext cx="5964575" cy="1883185"/>
-          </a:xfrm>
-          <a:prstGeom prst="rect">
-            <a:avLst/>
-          </a:prstGeom>
-          <a:noFill/>
-        </p:spPr>
-        <p:style>
-          <a:lnRef idx="2">
-            <a:schemeClr val="accent3"/>
-          </a:lnRef>
-          <a:fillRef idx="1">
-            <a:schemeClr val="lt1"/>
-          </a:fillRef>
-          <a:effectRef idx="0">
-            <a:schemeClr val="accent3"/>
-          </a:effectRef>
-          <a:fontRef idx="minor">
-            <a:schemeClr val="dk1"/>
-          </a:fontRef>
-        </p:style>
-        <p:txBody>
-          <a:bodyPr rtlCol="0" anchor="ctr"/>
-          <a:lstStyle/>
-          <a:p>
-            <a:pPr algn="ctr"/>
-            <a:endParaRPr lang="en-VN" dirty="0"/>
-          </a:p>
-        </p:txBody>
-      </p:sp>
     </p:spTree>
     <p:extLst>
       <p:ext uri="{BB962C8B-B14F-4D97-AF65-F5344CB8AC3E}">
-        <p14:creationId xmlns:p14="http://schemas.microsoft.com/office/powerpoint/2010/main" val="1661087674"/>
+        <p14:creationId xmlns:p14="http://schemas.microsoft.com/office/powerpoint/2010/main" val="3710137496"/>
       </p:ext>
     </p:extLst>
   </p:cSld>
@@ -7749,6 +7164,857 @@
         </p:nvSpPr>
         <p:spPr>
           <a:xfrm>
+            <a:off x="8055120" y="3510685"/>
+            <a:ext cx="1973179" cy="589548"/>
+          </a:xfrm>
+          <a:prstGeom prst="rect">
+            <a:avLst/>
+          </a:prstGeom>
+        </p:spPr>
+        <p:style>
+          <a:lnRef idx="2">
+            <a:schemeClr val="accent3"/>
+          </a:lnRef>
+          <a:fillRef idx="1">
+            <a:schemeClr val="lt1"/>
+          </a:fillRef>
+          <a:effectRef idx="0">
+            <a:schemeClr val="accent3"/>
+          </a:effectRef>
+          <a:fontRef idx="minor">
+            <a:schemeClr val="dk1"/>
+          </a:fontRef>
+        </p:style>
+        <p:txBody>
+          <a:bodyPr rtlCol="0" anchor="ctr"/>
+          <a:lstStyle/>
+          <a:p>
+            <a:pPr algn="ctr"/>
+            <a:r>
+              <a:rPr lang="en-GB" dirty="0"/>
+              <a:t>P</a:t>
+            </a:r>
+            <a:r>
+              <a:rPr lang="en-VN" dirty="0"/>
+              <a:t>ostgres</a:t>
+            </a:r>
+          </a:p>
+          <a:p>
+            <a:pPr algn="ctr"/>
+            <a:r>
+              <a:rPr lang="en-GB" sz="1050" dirty="0"/>
+              <a:t>S</a:t>
+            </a:r>
+            <a:r>
+              <a:rPr lang="en-VN" sz="1050" dirty="0"/>
+              <a:t>erver:172.17.80.23</a:t>
+            </a:r>
+          </a:p>
+        </p:txBody>
+      </p:sp>
+      <p:sp>
+        <p:nvSpPr>
+          <p:cNvPr id="12" name="Rectangle 11">
+            <a:extLst>
+              <a:ext uri="{FF2B5EF4-FFF2-40B4-BE49-F238E27FC236}">
+                <a16:creationId xmlns:a16="http://schemas.microsoft.com/office/drawing/2014/main" id="{290542B6-8C01-CC48-AF61-2701FEACF7D4}"/>
+              </a:ext>
+            </a:extLst>
+          </p:cNvPr>
+          <p:cNvSpPr/>
+          <p:nvPr/>
+        </p:nvSpPr>
+        <p:spPr>
+          <a:xfrm>
+            <a:off x="8055120" y="8955567"/>
+            <a:ext cx="1973179" cy="589548"/>
+          </a:xfrm>
+          <a:prstGeom prst="rect">
+            <a:avLst/>
+          </a:prstGeom>
+        </p:spPr>
+        <p:style>
+          <a:lnRef idx="2">
+            <a:schemeClr val="accent3"/>
+          </a:lnRef>
+          <a:fillRef idx="1">
+            <a:schemeClr val="lt1"/>
+          </a:fillRef>
+          <a:effectRef idx="0">
+            <a:schemeClr val="accent3"/>
+          </a:effectRef>
+          <a:fontRef idx="minor">
+            <a:schemeClr val="dk1"/>
+          </a:fontRef>
+        </p:style>
+        <p:txBody>
+          <a:bodyPr rtlCol="0" anchor="ctr"/>
+          <a:lstStyle/>
+          <a:p>
+            <a:pPr algn="ctr"/>
+            <a:r>
+              <a:rPr lang="en-VN" dirty="0"/>
+              <a:t>superset</a:t>
+            </a:r>
+          </a:p>
+        </p:txBody>
+      </p:sp>
+      <p:cxnSp>
+        <p:nvCxnSpPr>
+          <p:cNvPr id="20" name="Straight Arrow Connector 19">
+            <a:extLst>
+              <a:ext uri="{FF2B5EF4-FFF2-40B4-BE49-F238E27FC236}">
+                <a16:creationId xmlns:a16="http://schemas.microsoft.com/office/drawing/2014/main" id="{462284F7-5E4F-CD46-A5EB-ED0AC1E01AA1}"/>
+              </a:ext>
+            </a:extLst>
+          </p:cNvPr>
+          <p:cNvCxnSpPr>
+            <a:stCxn id="8" idx="3"/>
+            <a:endCxn id="10" idx="1"/>
+          </p:cNvCxnSpPr>
+          <p:nvPr/>
+        </p:nvCxnSpPr>
+        <p:spPr>
+          <a:xfrm>
+            <a:off x="6589299" y="2585787"/>
+            <a:ext cx="1465821" cy="13978"/>
+          </a:xfrm>
+          <a:prstGeom prst="straightConnector1">
+            <a:avLst/>
+          </a:prstGeom>
+          <a:ln>
+            <a:tailEnd type="triangle"/>
+          </a:ln>
+        </p:spPr>
+        <p:style>
+          <a:lnRef idx="1">
+            <a:schemeClr val="accent1"/>
+          </a:lnRef>
+          <a:fillRef idx="0">
+            <a:schemeClr val="accent1"/>
+          </a:fillRef>
+          <a:effectRef idx="0">
+            <a:schemeClr val="accent1"/>
+          </a:effectRef>
+          <a:fontRef idx="minor">
+            <a:schemeClr val="tx1"/>
+          </a:fontRef>
+        </p:style>
+      </p:cxnSp>
+      <p:cxnSp>
+        <p:nvCxnSpPr>
+          <p:cNvPr id="22" name="Straight Arrow Connector 21">
+            <a:extLst>
+              <a:ext uri="{FF2B5EF4-FFF2-40B4-BE49-F238E27FC236}">
+                <a16:creationId xmlns:a16="http://schemas.microsoft.com/office/drawing/2014/main" id="{DB21C3A6-58E4-C44B-8832-11F99F7F0E79}"/>
+              </a:ext>
+            </a:extLst>
+          </p:cNvPr>
+          <p:cNvCxnSpPr>
+            <a:cxnSpLocks/>
+            <a:stCxn id="10" idx="2"/>
+            <a:endCxn id="11" idx="0"/>
+          </p:cNvCxnSpPr>
+          <p:nvPr/>
+        </p:nvCxnSpPr>
+        <p:spPr>
+          <a:xfrm>
+            <a:off x="9041710" y="2894539"/>
+            <a:ext cx="0" cy="616146"/>
+          </a:xfrm>
+          <a:prstGeom prst="straightConnector1">
+            <a:avLst/>
+          </a:prstGeom>
+          <a:ln>
+            <a:tailEnd type="triangle"/>
+          </a:ln>
+        </p:spPr>
+        <p:style>
+          <a:lnRef idx="1">
+            <a:schemeClr val="accent1"/>
+          </a:lnRef>
+          <a:fillRef idx="0">
+            <a:schemeClr val="accent1"/>
+          </a:fillRef>
+          <a:effectRef idx="0">
+            <a:schemeClr val="accent1"/>
+          </a:effectRef>
+          <a:fontRef idx="minor">
+            <a:schemeClr val="tx1"/>
+          </a:fontRef>
+        </p:style>
+      </p:cxnSp>
+      <p:cxnSp>
+        <p:nvCxnSpPr>
+          <p:cNvPr id="24" name="Straight Arrow Connector 23">
+            <a:extLst>
+              <a:ext uri="{FF2B5EF4-FFF2-40B4-BE49-F238E27FC236}">
+                <a16:creationId xmlns:a16="http://schemas.microsoft.com/office/drawing/2014/main" id="{4B837B2B-122C-0447-B122-3371E8DDDA37}"/>
+              </a:ext>
+            </a:extLst>
+          </p:cNvPr>
+          <p:cNvCxnSpPr>
+            <a:stCxn id="11" idx="2"/>
+            <a:endCxn id="12" idx="0"/>
+          </p:cNvCxnSpPr>
+          <p:nvPr/>
+        </p:nvCxnSpPr>
+        <p:spPr>
+          <a:xfrm>
+            <a:off x="9041710" y="4100233"/>
+            <a:ext cx="0" cy="4855334"/>
+          </a:xfrm>
+          <a:prstGeom prst="straightConnector1">
+            <a:avLst/>
+          </a:prstGeom>
+          <a:ln>
+            <a:tailEnd type="triangle"/>
+          </a:ln>
+        </p:spPr>
+        <p:style>
+          <a:lnRef idx="1">
+            <a:schemeClr val="accent1"/>
+          </a:lnRef>
+          <a:fillRef idx="0">
+            <a:schemeClr val="accent1"/>
+          </a:fillRef>
+          <a:effectRef idx="0">
+            <a:schemeClr val="accent1"/>
+          </a:effectRef>
+          <a:fontRef idx="minor">
+            <a:schemeClr val="tx1"/>
+          </a:fontRef>
+        </p:style>
+      </p:cxnSp>
+      <p:cxnSp>
+        <p:nvCxnSpPr>
+          <p:cNvPr id="30" name="Elbow Connector 29">
+            <a:extLst>
+              <a:ext uri="{FF2B5EF4-FFF2-40B4-BE49-F238E27FC236}">
+                <a16:creationId xmlns:a16="http://schemas.microsoft.com/office/drawing/2014/main" id="{E3DE21D0-7227-2C4F-AF31-E3401606CD31}"/>
+              </a:ext>
+            </a:extLst>
+          </p:cNvPr>
+          <p:cNvCxnSpPr>
+            <a:cxnSpLocks/>
+            <a:stCxn id="9" idx="2"/>
+            <a:endCxn id="8" idx="2"/>
+          </p:cNvCxnSpPr>
+          <p:nvPr/>
+        </p:nvCxnSpPr>
+        <p:spPr>
+          <a:xfrm rot="16200000" flipH="1">
+            <a:off x="3747838" y="1025689"/>
+            <a:ext cx="12700" cy="3709743"/>
+          </a:xfrm>
+          <a:prstGeom prst="bentConnector3">
+            <a:avLst>
+              <a:gd name="adj1" fmla="val 2059756"/>
+            </a:avLst>
+          </a:prstGeom>
+          <a:ln>
+            <a:tailEnd type="triangle"/>
+          </a:ln>
+        </p:spPr>
+        <p:style>
+          <a:lnRef idx="1">
+            <a:schemeClr val="accent1"/>
+          </a:lnRef>
+          <a:fillRef idx="0">
+            <a:schemeClr val="accent1"/>
+          </a:fillRef>
+          <a:effectRef idx="0">
+            <a:schemeClr val="accent1"/>
+          </a:effectRef>
+          <a:fontRef idx="minor">
+            <a:schemeClr val="tx1"/>
+          </a:fontRef>
+        </p:style>
+      </p:cxnSp>
+      <p:cxnSp>
+        <p:nvCxnSpPr>
+          <p:cNvPr id="26" name="Elbow Connector 25">
+            <a:extLst>
+              <a:ext uri="{FF2B5EF4-FFF2-40B4-BE49-F238E27FC236}">
+                <a16:creationId xmlns:a16="http://schemas.microsoft.com/office/drawing/2014/main" id="{4A3479A4-C2BC-3A41-937E-7E5158564ADD}"/>
+              </a:ext>
+            </a:extLst>
+          </p:cNvPr>
+          <p:cNvCxnSpPr>
+            <a:cxnSpLocks/>
+            <a:stCxn id="10" idx="0"/>
+            <a:endCxn id="10" idx="3"/>
+          </p:cNvCxnSpPr>
+          <p:nvPr/>
+        </p:nvCxnSpPr>
+        <p:spPr>
+          <a:xfrm rot="16200000" flipH="1">
+            <a:off x="9387617" y="1959084"/>
+            <a:ext cx="294774" cy="986589"/>
+          </a:xfrm>
+          <a:prstGeom prst="bentConnector4">
+            <a:avLst>
+              <a:gd name="adj1" fmla="val -77551"/>
+              <a:gd name="adj2" fmla="val 123171"/>
+            </a:avLst>
+          </a:prstGeom>
+          <a:ln>
+            <a:tailEnd type="triangle"/>
+          </a:ln>
+        </p:spPr>
+        <p:style>
+          <a:lnRef idx="1">
+            <a:schemeClr val="accent1"/>
+          </a:lnRef>
+          <a:fillRef idx="0">
+            <a:schemeClr val="accent1"/>
+          </a:fillRef>
+          <a:effectRef idx="0">
+            <a:schemeClr val="accent1"/>
+          </a:effectRef>
+          <a:fontRef idx="minor">
+            <a:schemeClr val="tx1"/>
+          </a:fontRef>
+        </p:style>
+      </p:cxnSp>
+      <p:sp>
+        <p:nvSpPr>
+          <p:cNvPr id="27" name="TextBox 26">
+            <a:extLst>
+              <a:ext uri="{FF2B5EF4-FFF2-40B4-BE49-F238E27FC236}">
+                <a16:creationId xmlns:a16="http://schemas.microsoft.com/office/drawing/2014/main" id="{6736214E-2D45-BD41-90D8-7B1C1341DDE1}"/>
+              </a:ext>
+            </a:extLst>
+          </p:cNvPr>
+          <p:cNvSpPr txBox="1"/>
+          <p:nvPr/>
+        </p:nvSpPr>
+        <p:spPr>
+          <a:xfrm>
+            <a:off x="9535004" y="1671969"/>
+            <a:ext cx="2402541" cy="369332"/>
+          </a:xfrm>
+          <a:prstGeom prst="rect">
+            <a:avLst/>
+          </a:prstGeom>
+          <a:noFill/>
+        </p:spPr>
+        <p:txBody>
+          <a:bodyPr wrap="square" rtlCol="0">
+            <a:spAutoFit/>
+          </a:bodyPr>
+          <a:lstStyle/>
+          <a:p>
+            <a:r>
+              <a:rPr lang="en-VN" dirty="0"/>
+              <a:t>Submit trên yarn</a:t>
+            </a:r>
+          </a:p>
+        </p:txBody>
+      </p:sp>
+      <p:sp>
+        <p:nvSpPr>
+          <p:cNvPr id="19" name="TextBox 18">
+            <a:extLst>
+              <a:ext uri="{FF2B5EF4-FFF2-40B4-BE49-F238E27FC236}">
+                <a16:creationId xmlns:a16="http://schemas.microsoft.com/office/drawing/2014/main" id="{D3A82800-C4D1-4341-97DD-2E125CB309C9}"/>
+              </a:ext>
+            </a:extLst>
+          </p:cNvPr>
+          <p:cNvSpPr txBox="1"/>
+          <p:nvPr/>
+        </p:nvSpPr>
+        <p:spPr>
+          <a:xfrm>
+            <a:off x="1389286" y="3215049"/>
+            <a:ext cx="5200013" cy="369332"/>
+          </a:xfrm>
+          <a:prstGeom prst="rect">
+            <a:avLst/>
+          </a:prstGeom>
+          <a:noFill/>
+        </p:spPr>
+        <p:txBody>
+          <a:bodyPr wrap="none" rtlCol="0">
+            <a:spAutoFit/>
+          </a:bodyPr>
+          <a:lstStyle/>
+          <a:p>
+            <a:r>
+              <a:rPr lang="en-VN" dirty="0"/>
+              <a:t>- Producer.py -&gt; Đẩy data vào kafka, 250recods /1lần  </a:t>
+            </a:r>
+          </a:p>
+        </p:txBody>
+      </p:sp>
+      <p:sp>
+        <p:nvSpPr>
+          <p:cNvPr id="16" name="Rectangle 15">
+            <a:extLst>
+              <a:ext uri="{FF2B5EF4-FFF2-40B4-BE49-F238E27FC236}">
+                <a16:creationId xmlns:a16="http://schemas.microsoft.com/office/drawing/2014/main" id="{A10DE5CA-9120-734A-AB64-FFCCB2DD1091}"/>
+              </a:ext>
+            </a:extLst>
+          </p:cNvPr>
+          <p:cNvSpPr/>
+          <p:nvPr/>
+        </p:nvSpPr>
+        <p:spPr>
+          <a:xfrm>
+            <a:off x="620049" y="457200"/>
+            <a:ext cx="11317496" cy="4259179"/>
+          </a:xfrm>
+          <a:prstGeom prst="rect">
+            <a:avLst/>
+          </a:prstGeom>
+          <a:noFill/>
+        </p:spPr>
+        <p:style>
+          <a:lnRef idx="2">
+            <a:schemeClr val="accent3"/>
+          </a:lnRef>
+          <a:fillRef idx="1">
+            <a:schemeClr val="lt1"/>
+          </a:fillRef>
+          <a:effectRef idx="0">
+            <a:schemeClr val="accent3"/>
+          </a:effectRef>
+          <a:fontRef idx="minor">
+            <a:schemeClr val="dk1"/>
+          </a:fontRef>
+        </p:style>
+        <p:txBody>
+          <a:bodyPr rtlCol="0" anchor="ctr"/>
+          <a:lstStyle/>
+          <a:p>
+            <a:pPr algn="ctr"/>
+            <a:endParaRPr lang="en-VN" dirty="0"/>
+          </a:p>
+        </p:txBody>
+      </p:sp>
+      <p:sp>
+        <p:nvSpPr>
+          <p:cNvPr id="17" name="Rectangle 16">
+            <a:extLst>
+              <a:ext uri="{FF2B5EF4-FFF2-40B4-BE49-F238E27FC236}">
+                <a16:creationId xmlns:a16="http://schemas.microsoft.com/office/drawing/2014/main" id="{CDEFF98F-87F8-3246-BB80-DDBE2C61459E}"/>
+              </a:ext>
+            </a:extLst>
+          </p:cNvPr>
+          <p:cNvSpPr/>
+          <p:nvPr/>
+        </p:nvSpPr>
+        <p:spPr>
+          <a:xfrm>
+            <a:off x="5292207" y="620086"/>
+            <a:ext cx="1973179" cy="589548"/>
+          </a:xfrm>
+          <a:prstGeom prst="rect">
+            <a:avLst/>
+          </a:prstGeom>
+        </p:spPr>
+        <p:style>
+          <a:lnRef idx="2">
+            <a:schemeClr val="accent3"/>
+          </a:lnRef>
+          <a:fillRef idx="1">
+            <a:schemeClr val="lt1"/>
+          </a:fillRef>
+          <a:effectRef idx="0">
+            <a:schemeClr val="accent3"/>
+          </a:effectRef>
+          <a:fontRef idx="minor">
+            <a:schemeClr val="dk1"/>
+          </a:fontRef>
+        </p:style>
+        <p:txBody>
+          <a:bodyPr rtlCol="0" anchor="ctr"/>
+          <a:lstStyle/>
+          <a:p>
+            <a:pPr algn="ctr"/>
+            <a:r>
+              <a:rPr lang="en-GB" dirty="0"/>
+              <a:t>A</a:t>
+            </a:r>
+            <a:r>
+              <a:rPr lang="en-VN" dirty="0"/>
+              <a:t>irflow</a:t>
+            </a:r>
+          </a:p>
+          <a:p>
+            <a:pPr algn="ctr"/>
+            <a:r>
+              <a:rPr lang="en-GB" sz="1050" dirty="0"/>
+              <a:t>S</a:t>
+            </a:r>
+            <a:r>
+              <a:rPr lang="en-VN" sz="1050" dirty="0"/>
+              <a:t>erver:172.17.80.23</a:t>
+            </a:r>
+          </a:p>
+        </p:txBody>
+      </p:sp>
+      <p:cxnSp>
+        <p:nvCxnSpPr>
+          <p:cNvPr id="18" name="Elbow Connector 17">
+            <a:extLst>
+              <a:ext uri="{FF2B5EF4-FFF2-40B4-BE49-F238E27FC236}">
+                <a16:creationId xmlns:a16="http://schemas.microsoft.com/office/drawing/2014/main" id="{68F81480-1302-9141-9D8F-D1AFBEFBAE73}"/>
+              </a:ext>
+            </a:extLst>
+          </p:cNvPr>
+          <p:cNvCxnSpPr>
+            <a:stCxn id="17" idx="1"/>
+          </p:cNvCxnSpPr>
+          <p:nvPr/>
+        </p:nvCxnSpPr>
+        <p:spPr>
+          <a:xfrm rot="10800000" flipV="1">
+            <a:off x="3496963" y="914860"/>
+            <a:ext cx="1795245" cy="969054"/>
+          </a:xfrm>
+          <a:prstGeom prst="bentConnector3">
+            <a:avLst>
+              <a:gd name="adj1" fmla="val 99558"/>
+            </a:avLst>
+          </a:prstGeom>
+          <a:ln>
+            <a:tailEnd type="triangle"/>
+          </a:ln>
+        </p:spPr>
+        <p:style>
+          <a:lnRef idx="1">
+            <a:schemeClr val="accent1"/>
+          </a:lnRef>
+          <a:fillRef idx="0">
+            <a:schemeClr val="accent1"/>
+          </a:fillRef>
+          <a:effectRef idx="0">
+            <a:schemeClr val="accent1"/>
+          </a:effectRef>
+          <a:fontRef idx="minor">
+            <a:schemeClr val="tx1"/>
+          </a:fontRef>
+        </p:style>
+      </p:cxnSp>
+      <p:sp>
+        <p:nvSpPr>
+          <p:cNvPr id="21" name="TextBox 20">
+            <a:extLst>
+              <a:ext uri="{FF2B5EF4-FFF2-40B4-BE49-F238E27FC236}">
+                <a16:creationId xmlns:a16="http://schemas.microsoft.com/office/drawing/2014/main" id="{D7023DFD-1E48-344E-AF69-D998C67D079B}"/>
+              </a:ext>
+            </a:extLst>
+          </p:cNvPr>
+          <p:cNvSpPr txBox="1"/>
+          <p:nvPr/>
+        </p:nvSpPr>
+        <p:spPr>
+          <a:xfrm>
+            <a:off x="1347538" y="1126367"/>
+            <a:ext cx="2047355" cy="369332"/>
+          </a:xfrm>
+          <a:prstGeom prst="rect">
+            <a:avLst/>
+          </a:prstGeom>
+          <a:noFill/>
+        </p:spPr>
+        <p:txBody>
+          <a:bodyPr wrap="none" rtlCol="0">
+            <a:spAutoFit/>
+          </a:bodyPr>
+          <a:lstStyle/>
+          <a:p>
+            <a:r>
+              <a:rPr lang="en-VN" dirty="0"/>
+              <a:t>Lập lịch 1p gửi 1 lần</a:t>
+            </a:r>
+          </a:p>
+        </p:txBody>
+      </p:sp>
+      <p:sp>
+        <p:nvSpPr>
+          <p:cNvPr id="23" name="Rectangle 22">
+            <a:extLst>
+              <a:ext uri="{FF2B5EF4-FFF2-40B4-BE49-F238E27FC236}">
+                <a16:creationId xmlns:a16="http://schemas.microsoft.com/office/drawing/2014/main" id="{607FA9A2-F13F-AF4E-83CD-472C4A7D8ED9}"/>
+              </a:ext>
+            </a:extLst>
+          </p:cNvPr>
+          <p:cNvSpPr/>
+          <p:nvPr/>
+        </p:nvSpPr>
+        <p:spPr>
+          <a:xfrm>
+            <a:off x="778475" y="1883914"/>
+            <a:ext cx="5964575" cy="1883185"/>
+          </a:xfrm>
+          <a:prstGeom prst="rect">
+            <a:avLst/>
+          </a:prstGeom>
+          <a:noFill/>
+        </p:spPr>
+        <p:style>
+          <a:lnRef idx="2">
+            <a:schemeClr val="accent3"/>
+          </a:lnRef>
+          <a:fillRef idx="1">
+            <a:schemeClr val="lt1"/>
+          </a:fillRef>
+          <a:effectRef idx="0">
+            <a:schemeClr val="accent3"/>
+          </a:effectRef>
+          <a:fontRef idx="minor">
+            <a:schemeClr val="dk1"/>
+          </a:fontRef>
+        </p:style>
+        <p:txBody>
+          <a:bodyPr rtlCol="0" anchor="ctr"/>
+          <a:lstStyle/>
+          <a:p>
+            <a:pPr algn="ctr"/>
+            <a:endParaRPr lang="en-VN" dirty="0"/>
+          </a:p>
+        </p:txBody>
+      </p:sp>
+    </p:spTree>
+    <p:extLst>
+      <p:ext uri="{BB962C8B-B14F-4D97-AF65-F5344CB8AC3E}">
+        <p14:creationId xmlns:p14="http://schemas.microsoft.com/office/powerpoint/2010/main" val="1661087674"/>
+      </p:ext>
+    </p:extLst>
+  </p:cSld>
+  <p:clrMapOvr>
+    <a:masterClrMapping/>
+  </p:clrMapOvr>
+  <mc:AlternateContent xmlns:mc="http://schemas.openxmlformats.org/markup-compatibility/2006" xmlns:p159="http://schemas.microsoft.com/office/powerpoint/2015/09/main">
+    <mc:Choice Requires="p159">
+      <p:transition xmlns:p14="http://schemas.microsoft.com/office/powerpoint/2010/main" spd="slow" p14:dur="2000">
+        <p159:morph option="byObject"/>
+      </p:transition>
+    </mc:Choice>
+    <mc:Fallback xmlns="">
+      <p:transition spd="slow">
+        <p:fade/>
+      </p:transition>
+    </mc:Fallback>
+  </mc:AlternateContent>
+</p:sld>
+</file>
+
+<file path=ppt/slides/slide8.xml><?xml version="1.0" encoding="utf-8"?>
+<p:sld xmlns:a="http://schemas.openxmlformats.org/drawingml/2006/main" xmlns:r="http://schemas.openxmlformats.org/officeDocument/2006/relationships" xmlns:p="http://schemas.openxmlformats.org/presentationml/2006/main">
+  <p:cSld>
+    <p:spTree>
+      <p:nvGrpSpPr>
+        <p:cNvPr id="1" name=""/>
+        <p:cNvGrpSpPr/>
+        <p:nvPr/>
+      </p:nvGrpSpPr>
+      <p:grpSpPr>
+        <a:xfrm>
+          <a:off x="0" y="0"/>
+          <a:ext cx="0" cy="0"/>
+          <a:chOff x="0" y="0"/>
+          <a:chExt cx="0" cy="0"/>
+        </a:xfrm>
+      </p:grpSpPr>
+      <p:sp>
+        <p:nvSpPr>
+          <p:cNvPr id="8" name="Rectangle 7">
+            <a:extLst>
+              <a:ext uri="{FF2B5EF4-FFF2-40B4-BE49-F238E27FC236}">
+                <a16:creationId xmlns:a16="http://schemas.microsoft.com/office/drawing/2014/main" id="{F1E9C636-47CF-664C-A5E0-B5F931C2AC4D}"/>
+              </a:ext>
+            </a:extLst>
+          </p:cNvPr>
+          <p:cNvSpPr/>
+          <p:nvPr/>
+        </p:nvSpPr>
+        <p:spPr>
+          <a:xfrm>
+            <a:off x="4616120" y="2291013"/>
+            <a:ext cx="1973179" cy="589548"/>
+          </a:xfrm>
+          <a:prstGeom prst="rect">
+            <a:avLst/>
+          </a:prstGeom>
+        </p:spPr>
+        <p:style>
+          <a:lnRef idx="2">
+            <a:schemeClr val="accent3"/>
+          </a:lnRef>
+          <a:fillRef idx="1">
+            <a:schemeClr val="lt1"/>
+          </a:fillRef>
+          <a:effectRef idx="0">
+            <a:schemeClr val="accent3"/>
+          </a:effectRef>
+          <a:fontRef idx="minor">
+            <a:schemeClr val="dk1"/>
+          </a:fontRef>
+        </p:style>
+        <p:txBody>
+          <a:bodyPr rtlCol="0" anchor="ctr"/>
+          <a:lstStyle/>
+          <a:p>
+            <a:pPr algn="ctr"/>
+            <a:r>
+              <a:rPr lang="en-GB" dirty="0"/>
+              <a:t>K</a:t>
+            </a:r>
+            <a:r>
+              <a:rPr lang="en-VN" dirty="0"/>
+              <a:t>afka</a:t>
+            </a:r>
+          </a:p>
+          <a:p>
+            <a:pPr algn="ctr"/>
+            <a:r>
+              <a:rPr lang="en-GB" sz="1050" dirty="0"/>
+              <a:t>S</a:t>
+            </a:r>
+            <a:r>
+              <a:rPr lang="en-VN" sz="1050" dirty="0"/>
+              <a:t>erver:172.17.80.22</a:t>
+            </a:r>
+          </a:p>
+        </p:txBody>
+      </p:sp>
+      <p:sp>
+        <p:nvSpPr>
+          <p:cNvPr id="9" name="Rectangle 8">
+            <a:extLst>
+              <a:ext uri="{FF2B5EF4-FFF2-40B4-BE49-F238E27FC236}">
+                <a16:creationId xmlns:a16="http://schemas.microsoft.com/office/drawing/2014/main" id="{93043FCC-632E-0D4B-9B5A-304C7722A8A0}"/>
+              </a:ext>
+            </a:extLst>
+          </p:cNvPr>
+          <p:cNvSpPr/>
+          <p:nvPr/>
+        </p:nvSpPr>
+        <p:spPr>
+          <a:xfrm>
+            <a:off x="906377" y="2291013"/>
+            <a:ext cx="1973179" cy="589548"/>
+          </a:xfrm>
+          <a:prstGeom prst="rect">
+            <a:avLst/>
+          </a:prstGeom>
+        </p:spPr>
+        <p:style>
+          <a:lnRef idx="2">
+            <a:schemeClr val="accent3"/>
+          </a:lnRef>
+          <a:fillRef idx="1">
+            <a:schemeClr val="lt1"/>
+          </a:fillRef>
+          <a:effectRef idx="0">
+            <a:schemeClr val="accent3"/>
+          </a:effectRef>
+          <a:fontRef idx="minor">
+            <a:schemeClr val="dk1"/>
+          </a:fontRef>
+        </p:style>
+        <p:txBody>
+          <a:bodyPr rtlCol="0" anchor="ctr"/>
+          <a:lstStyle/>
+          <a:p>
+            <a:pPr algn="ctr"/>
+            <a:r>
+              <a:rPr lang="en-GB" dirty="0"/>
+              <a:t>D</a:t>
+            </a:r>
+            <a:r>
+              <a:rPr lang="en-VN" dirty="0"/>
+              <a:t>ata</a:t>
+            </a:r>
+          </a:p>
+          <a:p>
+            <a:pPr algn="ctr"/>
+            <a:r>
+              <a:rPr lang="en-GB" sz="1050" dirty="0"/>
+              <a:t>S</a:t>
+            </a:r>
+            <a:r>
+              <a:rPr lang="en-VN" sz="1050" dirty="0"/>
+              <a:t>erver:172.17.80.23</a:t>
+            </a:r>
+          </a:p>
+        </p:txBody>
+      </p:sp>
+      <p:sp>
+        <p:nvSpPr>
+          <p:cNvPr id="10" name="Rectangle 9">
+            <a:extLst>
+              <a:ext uri="{FF2B5EF4-FFF2-40B4-BE49-F238E27FC236}">
+                <a16:creationId xmlns:a16="http://schemas.microsoft.com/office/drawing/2014/main" id="{323D65EA-06F5-B148-BBF6-27EE5DE0B4E2}"/>
+              </a:ext>
+            </a:extLst>
+          </p:cNvPr>
+          <p:cNvSpPr/>
+          <p:nvPr/>
+        </p:nvSpPr>
+        <p:spPr>
+          <a:xfrm>
+            <a:off x="8055120" y="2304991"/>
+            <a:ext cx="1973179" cy="589548"/>
+          </a:xfrm>
+          <a:prstGeom prst="rect">
+            <a:avLst/>
+          </a:prstGeom>
+        </p:spPr>
+        <p:style>
+          <a:lnRef idx="2">
+            <a:schemeClr val="accent3"/>
+          </a:lnRef>
+          <a:fillRef idx="1">
+            <a:schemeClr val="lt1"/>
+          </a:fillRef>
+          <a:effectRef idx="0">
+            <a:schemeClr val="accent3"/>
+          </a:effectRef>
+          <a:fontRef idx="minor">
+            <a:schemeClr val="dk1"/>
+          </a:fontRef>
+        </p:style>
+        <p:txBody>
+          <a:bodyPr rtlCol="0" anchor="ctr"/>
+          <a:lstStyle/>
+          <a:p>
+            <a:pPr algn="ctr"/>
+            <a:r>
+              <a:rPr lang="en-VN" dirty="0"/>
+              <a:t>SparkStreaming</a:t>
+            </a:r>
+          </a:p>
+          <a:p>
+            <a:pPr algn="ctr"/>
+            <a:r>
+              <a:rPr lang="en-GB" sz="1050" dirty="0"/>
+              <a:t>S</a:t>
+            </a:r>
+            <a:r>
+              <a:rPr lang="en-VN" sz="1050" dirty="0"/>
+              <a:t>erver:172.17.80.21</a:t>
+            </a:r>
+          </a:p>
+        </p:txBody>
+      </p:sp>
+      <p:sp>
+        <p:nvSpPr>
+          <p:cNvPr id="11" name="Rectangle 10">
+            <a:extLst>
+              <a:ext uri="{FF2B5EF4-FFF2-40B4-BE49-F238E27FC236}">
+                <a16:creationId xmlns:a16="http://schemas.microsoft.com/office/drawing/2014/main" id="{254D086A-A645-9243-8098-083B9FB52FFA}"/>
+              </a:ext>
+            </a:extLst>
+          </p:cNvPr>
+          <p:cNvSpPr/>
+          <p:nvPr/>
+        </p:nvSpPr>
+        <p:spPr>
+          <a:xfrm>
             <a:off x="8055120" y="3345869"/>
             <a:ext cx="1973179" cy="589548"/>
           </a:xfrm>
@@ -8512,7 +8778,7 @@
 </p:sld>
 </file>
 
-<file path=ppt/slides/slide8.xml><?xml version="1.0" encoding="utf-8"?>
+<file path=ppt/slides/slide9.xml><?xml version="1.0" encoding="utf-8"?>
 <p:sld xmlns:a="http://schemas.openxmlformats.org/drawingml/2006/main" xmlns:r="http://schemas.openxmlformats.org/officeDocument/2006/relationships" xmlns:p="http://schemas.openxmlformats.org/presentationml/2006/main">
   <p:cSld>
     <p:spTree>
